--- a/WorkloadIdentity/K8sAndWprkflowIdentity.pptx
+++ b/WorkloadIdentity/K8sAndWprkflowIdentity.pptx
@@ -659,7 +659,7 @@
           <a:p>
             <a:fld id="{142538AF-590B-4120-89B2-BC826FA4555E}" type="datetimeFigureOut">
               <a:rPr lang="en-US" smtClean="0"/>
-              <a:t>12/25/2022</a:t>
+              <a:t>12/26/2022</a:t>
             </a:fld>
             <a:endParaRPr lang="en-US"/>
           </a:p>
@@ -1503,7 +1503,7 @@
           <a:p>
             <a:fld id="{EF8010DE-CED9-4871-AF73-2EDF2CF0FB17}" type="datetimeFigureOut">
               <a:rPr lang="en-US" smtClean="0"/>
-              <a:t>12/25/2022</a:t>
+              <a:t>12/26/2022</a:t>
             </a:fld>
             <a:endParaRPr lang="en-US"/>
           </a:p>
@@ -1701,7 +1701,7 @@
           <a:p>
             <a:fld id="{EF8010DE-CED9-4871-AF73-2EDF2CF0FB17}" type="datetimeFigureOut">
               <a:rPr lang="en-US" smtClean="0"/>
-              <a:t>12/25/2022</a:t>
+              <a:t>12/26/2022</a:t>
             </a:fld>
             <a:endParaRPr lang="en-US"/>
           </a:p>
@@ -1909,7 +1909,7 @@
           <a:p>
             <a:fld id="{EF8010DE-CED9-4871-AF73-2EDF2CF0FB17}" type="datetimeFigureOut">
               <a:rPr lang="en-US" smtClean="0"/>
-              <a:t>12/25/2022</a:t>
+              <a:t>12/26/2022</a:t>
             </a:fld>
             <a:endParaRPr lang="en-US"/>
           </a:p>
@@ -2107,7 +2107,7 @@
           <a:p>
             <a:fld id="{EF8010DE-CED9-4871-AF73-2EDF2CF0FB17}" type="datetimeFigureOut">
               <a:rPr lang="en-US" smtClean="0"/>
-              <a:t>12/25/2022</a:t>
+              <a:t>12/26/2022</a:t>
             </a:fld>
             <a:endParaRPr lang="en-US"/>
           </a:p>
@@ -2382,7 +2382,7 @@
           <a:p>
             <a:fld id="{EF8010DE-CED9-4871-AF73-2EDF2CF0FB17}" type="datetimeFigureOut">
               <a:rPr lang="en-US" smtClean="0"/>
-              <a:t>12/25/2022</a:t>
+              <a:t>12/26/2022</a:t>
             </a:fld>
             <a:endParaRPr lang="en-US"/>
           </a:p>
@@ -2647,7 +2647,7 @@
           <a:p>
             <a:fld id="{EF8010DE-CED9-4871-AF73-2EDF2CF0FB17}" type="datetimeFigureOut">
               <a:rPr lang="en-US" smtClean="0"/>
-              <a:t>12/25/2022</a:t>
+              <a:t>12/26/2022</a:t>
             </a:fld>
             <a:endParaRPr lang="en-US"/>
           </a:p>
@@ -3059,7 +3059,7 @@
           <a:p>
             <a:fld id="{EF8010DE-CED9-4871-AF73-2EDF2CF0FB17}" type="datetimeFigureOut">
               <a:rPr lang="en-US" smtClean="0"/>
-              <a:t>12/25/2022</a:t>
+              <a:t>12/26/2022</a:t>
             </a:fld>
             <a:endParaRPr lang="en-US"/>
           </a:p>
@@ -3200,7 +3200,7 @@
           <a:p>
             <a:fld id="{EF8010DE-CED9-4871-AF73-2EDF2CF0FB17}" type="datetimeFigureOut">
               <a:rPr lang="en-US" smtClean="0"/>
-              <a:t>12/25/2022</a:t>
+              <a:t>12/26/2022</a:t>
             </a:fld>
             <a:endParaRPr lang="en-US"/>
           </a:p>
@@ -3313,7 +3313,7 @@
           <a:p>
             <a:fld id="{EF8010DE-CED9-4871-AF73-2EDF2CF0FB17}" type="datetimeFigureOut">
               <a:rPr lang="en-US" smtClean="0"/>
-              <a:t>12/25/2022</a:t>
+              <a:t>12/26/2022</a:t>
             </a:fld>
             <a:endParaRPr lang="en-US"/>
           </a:p>
@@ -3624,7 +3624,7 @@
           <a:p>
             <a:fld id="{EF8010DE-CED9-4871-AF73-2EDF2CF0FB17}" type="datetimeFigureOut">
               <a:rPr lang="en-US" smtClean="0"/>
-              <a:t>12/25/2022</a:t>
+              <a:t>12/26/2022</a:t>
             </a:fld>
             <a:endParaRPr lang="en-US"/>
           </a:p>
@@ -3912,7 +3912,7 @@
           <a:p>
             <a:fld id="{EF8010DE-CED9-4871-AF73-2EDF2CF0FB17}" type="datetimeFigureOut">
               <a:rPr lang="en-US" smtClean="0"/>
-              <a:t>12/25/2022</a:t>
+              <a:t>12/26/2022</a:t>
             </a:fld>
             <a:endParaRPr lang="en-US"/>
           </a:p>
@@ -4153,7 +4153,7 @@
           <a:p>
             <a:fld id="{EF8010DE-CED9-4871-AF73-2EDF2CF0FB17}" type="datetimeFigureOut">
               <a:rPr lang="en-US" smtClean="0"/>
-              <a:t>12/25/2022</a:t>
+              <a:t>12/26/2022</a:t>
             </a:fld>
             <a:endParaRPr lang="en-US"/>
           </a:p>
@@ -4931,8 +4931,50 @@
         </p:nvSpPr>
         <p:spPr/>
         <p:txBody>
-          <a:bodyPr/>
-          <a:lstStyle/>
+          <a:bodyPr>
+            <a:normAutofit/>
+          </a:bodyPr>
+          <a:lstStyle/>
+          <a:p>
+            <a:r>
+              <a:rPr lang="en-US" dirty="0"/>
+              <a:t>“</a:t>
+            </a:r>
+            <a:r>
+              <a:rPr lang="en-US" b="0" i="0" dirty="0">
+                <a:solidFill>
+                  <a:srgbClr val="000000"/>
+                </a:solidFill>
+                <a:effectLst/>
+                <a:latin typeface="Open Sans" panose="020B0606030504020204" pitchFamily="34" charset="0"/>
+              </a:rPr>
+              <a:t>Removes the scale and performance issues that existed for identity assignment” – what does sit mean?</a:t>
+            </a:r>
+            <a:r>
+              <a:rPr lang="en-US" dirty="0"/>
+              <a:t> </a:t>
+            </a:r>
+          </a:p>
+          <a:p>
+            <a:r>
+              <a:rPr lang="en-US" dirty="0"/>
+              <a:t>Webhook vs volume mount?</a:t>
+            </a:r>
+          </a:p>
+          <a:p>
+            <a:r>
+              <a:rPr lang="en-US" dirty="0"/>
+              <a:t>Installing </a:t>
+            </a:r>
+            <a:r>
+              <a:rPr lang="en-US" dirty="0" err="1"/>
+              <a:t>azwi</a:t>
+            </a:r>
+            <a:r>
+              <a:rPr lang="en-US" dirty="0"/>
+              <a:t> on Windows?</a:t>
+            </a:r>
+          </a:p>
           <a:p>
             <a:r>
               <a:rPr lang="en-US" dirty="0"/>
@@ -4964,26 +5006,6 @@
             <a:r>
               <a:rPr lang="en-US" dirty="0"/>
               <a:t>Manual rotation?</a:t>
-            </a:r>
-          </a:p>
-          <a:p>
-            <a:r>
-              <a:rPr lang="en-US" dirty="0"/>
-              <a:t>Webhook vs volume mount?</a:t>
-            </a:r>
-          </a:p>
-          <a:p>
-            <a:r>
-              <a:rPr lang="en-US" dirty="0"/>
-              <a:t>Installing </a:t>
-            </a:r>
-            <a:r>
-              <a:rPr lang="en-US" dirty="0" err="1"/>
-              <a:t>azwi</a:t>
-            </a:r>
-            <a:r>
-              <a:rPr lang="en-US" dirty="0"/>
-              <a:t> on Windows?</a:t>
             </a:r>
           </a:p>
           <a:p>

--- a/WorkloadIdentity/K8sAndWprkflowIdentity.pptx
+++ b/WorkloadIdentity/K8sAndWprkflowIdentity.pptx
@@ -5,22 +5,24 @@
     <p:sldMasterId id="2147483648" r:id="rId1"/>
   </p:sldMasterIdLst>
   <p:notesMasterIdLst>
-    <p:notesMasterId r:id="rId15"/>
+    <p:notesMasterId r:id="rId17"/>
   </p:notesMasterIdLst>
   <p:sldIdLst>
     <p:sldId id="256" r:id="rId2"/>
     <p:sldId id="257" r:id="rId3"/>
-    <p:sldId id="258" r:id="rId4"/>
-    <p:sldId id="260" r:id="rId5"/>
-    <p:sldId id="261" r:id="rId6"/>
-    <p:sldId id="262" r:id="rId7"/>
-    <p:sldId id="263" r:id="rId8"/>
-    <p:sldId id="265" r:id="rId9"/>
-    <p:sldId id="264" r:id="rId10"/>
-    <p:sldId id="267" r:id="rId11"/>
-    <p:sldId id="259" r:id="rId12"/>
-    <p:sldId id="266" r:id="rId13"/>
-    <p:sldId id="268" r:id="rId14"/>
+    <p:sldId id="269" r:id="rId4"/>
+    <p:sldId id="270" r:id="rId5"/>
+    <p:sldId id="258" r:id="rId6"/>
+    <p:sldId id="260" r:id="rId7"/>
+    <p:sldId id="261" r:id="rId8"/>
+    <p:sldId id="262" r:id="rId9"/>
+    <p:sldId id="263" r:id="rId10"/>
+    <p:sldId id="265" r:id="rId11"/>
+    <p:sldId id="264" r:id="rId12"/>
+    <p:sldId id="267" r:id="rId13"/>
+    <p:sldId id="259" r:id="rId14"/>
+    <p:sldId id="266" r:id="rId15"/>
+    <p:sldId id="268" r:id="rId16"/>
   </p:sldIdLst>
   <p:sldSz cx="12192000" cy="6858000"/>
   <p:notesSz cx="6858000" cy="9144000"/>
@@ -659,7 +661,7 @@
           <a:p>
             <a:fld id="{142538AF-590B-4120-89B2-BC826FA4555E}" type="datetimeFigureOut">
               <a:rPr lang="en-US" smtClean="0"/>
-              <a:t>12/26/2022</a:t>
+              <a:t>1/26/2023</a:t>
             </a:fld>
             <a:endParaRPr lang="en-US"/>
           </a:p>
@@ -991,7 +993,7 @@
           <a:p>
             <a:fld id="{61434BEA-D2A1-4444-B79F-7AE4B8D3EE9F}" type="slidenum">
               <a:rPr lang="en-US" smtClean="0"/>
-              <a:t>7</a:t>
+              <a:t>9</a:t>
             </a:fld>
             <a:endParaRPr lang="en-US"/>
           </a:p>
@@ -1078,7 +1080,7 @@
           <a:p>
             <a:fld id="{61434BEA-D2A1-4444-B79F-7AE4B8D3EE9F}" type="slidenum">
               <a:rPr lang="en-US" smtClean="0"/>
-              <a:t>9</a:t>
+              <a:t>11</a:t>
             </a:fld>
             <a:endParaRPr lang="en-US"/>
           </a:p>
@@ -1337,7 +1339,7 @@
           <a:p>
             <a:fld id="{61434BEA-D2A1-4444-B79F-7AE4B8D3EE9F}" type="slidenum">
               <a:rPr lang="en-US" smtClean="0"/>
-              <a:t>11</a:t>
+              <a:t>13</a:t>
             </a:fld>
             <a:endParaRPr lang="en-US"/>
           </a:p>
@@ -1503,7 +1505,7 @@
           <a:p>
             <a:fld id="{EF8010DE-CED9-4871-AF73-2EDF2CF0FB17}" type="datetimeFigureOut">
               <a:rPr lang="en-US" smtClean="0"/>
-              <a:t>12/26/2022</a:t>
+              <a:t>1/26/2023</a:t>
             </a:fld>
             <a:endParaRPr lang="en-US"/>
           </a:p>
@@ -1701,7 +1703,7 @@
           <a:p>
             <a:fld id="{EF8010DE-CED9-4871-AF73-2EDF2CF0FB17}" type="datetimeFigureOut">
               <a:rPr lang="en-US" smtClean="0"/>
-              <a:t>12/26/2022</a:t>
+              <a:t>1/26/2023</a:t>
             </a:fld>
             <a:endParaRPr lang="en-US"/>
           </a:p>
@@ -1909,7 +1911,7 @@
           <a:p>
             <a:fld id="{EF8010DE-CED9-4871-AF73-2EDF2CF0FB17}" type="datetimeFigureOut">
               <a:rPr lang="en-US" smtClean="0"/>
-              <a:t>12/26/2022</a:t>
+              <a:t>1/26/2023</a:t>
             </a:fld>
             <a:endParaRPr lang="en-US"/>
           </a:p>
@@ -2107,7 +2109,7 @@
           <a:p>
             <a:fld id="{EF8010DE-CED9-4871-AF73-2EDF2CF0FB17}" type="datetimeFigureOut">
               <a:rPr lang="en-US" smtClean="0"/>
-              <a:t>12/26/2022</a:t>
+              <a:t>1/26/2023</a:t>
             </a:fld>
             <a:endParaRPr lang="en-US"/>
           </a:p>
@@ -2382,7 +2384,7 @@
           <a:p>
             <a:fld id="{EF8010DE-CED9-4871-AF73-2EDF2CF0FB17}" type="datetimeFigureOut">
               <a:rPr lang="en-US" smtClean="0"/>
-              <a:t>12/26/2022</a:t>
+              <a:t>1/26/2023</a:t>
             </a:fld>
             <a:endParaRPr lang="en-US"/>
           </a:p>
@@ -2647,7 +2649,7 @@
           <a:p>
             <a:fld id="{EF8010DE-CED9-4871-AF73-2EDF2CF0FB17}" type="datetimeFigureOut">
               <a:rPr lang="en-US" smtClean="0"/>
-              <a:t>12/26/2022</a:t>
+              <a:t>1/26/2023</a:t>
             </a:fld>
             <a:endParaRPr lang="en-US"/>
           </a:p>
@@ -3059,7 +3061,7 @@
           <a:p>
             <a:fld id="{EF8010DE-CED9-4871-AF73-2EDF2CF0FB17}" type="datetimeFigureOut">
               <a:rPr lang="en-US" smtClean="0"/>
-              <a:t>12/26/2022</a:t>
+              <a:t>1/26/2023</a:t>
             </a:fld>
             <a:endParaRPr lang="en-US"/>
           </a:p>
@@ -3200,7 +3202,7 @@
           <a:p>
             <a:fld id="{EF8010DE-CED9-4871-AF73-2EDF2CF0FB17}" type="datetimeFigureOut">
               <a:rPr lang="en-US" smtClean="0"/>
-              <a:t>12/26/2022</a:t>
+              <a:t>1/26/2023</a:t>
             </a:fld>
             <a:endParaRPr lang="en-US"/>
           </a:p>
@@ -3313,7 +3315,7 @@
           <a:p>
             <a:fld id="{EF8010DE-CED9-4871-AF73-2EDF2CF0FB17}" type="datetimeFigureOut">
               <a:rPr lang="en-US" smtClean="0"/>
-              <a:t>12/26/2022</a:t>
+              <a:t>1/26/2023</a:t>
             </a:fld>
             <a:endParaRPr lang="en-US"/>
           </a:p>
@@ -3624,7 +3626,7 @@
           <a:p>
             <a:fld id="{EF8010DE-CED9-4871-AF73-2EDF2CF0FB17}" type="datetimeFigureOut">
               <a:rPr lang="en-US" smtClean="0"/>
-              <a:t>12/26/2022</a:t>
+              <a:t>1/26/2023</a:t>
             </a:fld>
             <a:endParaRPr lang="en-US"/>
           </a:p>
@@ -3912,7 +3914,7 @@
           <a:p>
             <a:fld id="{EF8010DE-CED9-4871-AF73-2EDF2CF0FB17}" type="datetimeFigureOut">
               <a:rPr lang="en-US" smtClean="0"/>
-              <a:t>12/26/2022</a:t>
+              <a:t>1/26/2023</a:t>
             </a:fld>
             <a:endParaRPr lang="en-US"/>
           </a:p>
@@ -4153,7 +4155,7 @@
           <a:p>
             <a:fld id="{EF8010DE-CED9-4871-AF73-2EDF2CF0FB17}" type="datetimeFigureOut">
               <a:rPr lang="en-US" smtClean="0"/>
-              <a:t>12/26/2022</a:t>
+              <a:t>1/26/2023</a:t>
             </a:fld>
             <a:endParaRPr lang="en-US"/>
           </a:p>
@@ -4665,2379 +4667,6 @@
           <p:cNvPr id="2" name="Title 1">
             <a:extLst>
               <a:ext uri="{FF2B5EF4-FFF2-40B4-BE49-F238E27FC236}">
-                <a16:creationId xmlns:a16="http://schemas.microsoft.com/office/drawing/2014/main" id="{F3CCFEB6-8281-4FB7-2CFD-9BA611625675}"/>
-              </a:ext>
-            </a:extLst>
-          </p:cNvPr>
-          <p:cNvSpPr>
-            <a:spLocks noGrp="1"/>
-          </p:cNvSpPr>
-          <p:nvPr>
-            <p:ph type="title"/>
-          </p:nvPr>
-        </p:nvSpPr>
-        <p:spPr/>
-        <p:txBody>
-          <a:bodyPr/>
-          <a:lstStyle/>
-          <a:p>
-            <a:r>
-              <a:rPr lang="en-US" dirty="0"/>
-              <a:t>Demo</a:t>
-            </a:r>
-          </a:p>
-        </p:txBody>
-      </p:sp>
-      <p:sp>
-        <p:nvSpPr>
-          <p:cNvPr id="3" name="Content Placeholder 2">
-            <a:extLst>
-              <a:ext uri="{FF2B5EF4-FFF2-40B4-BE49-F238E27FC236}">
-                <a16:creationId xmlns:a16="http://schemas.microsoft.com/office/drawing/2014/main" id="{0DE0458F-B881-C7C4-B4CB-3FE111108402}"/>
-              </a:ext>
-            </a:extLst>
-          </p:cNvPr>
-          <p:cNvSpPr>
-            <a:spLocks noGrp="1"/>
-          </p:cNvSpPr>
-          <p:nvPr>
-            <p:ph idx="1"/>
-          </p:nvPr>
-        </p:nvSpPr>
-        <p:spPr/>
-        <p:txBody>
-          <a:bodyPr/>
-          <a:lstStyle/>
-          <a:p>
-            <a:r>
-              <a:rPr lang="en-US" dirty="0"/>
-              <a:t>AKS cluster create script</a:t>
-            </a:r>
-          </a:p>
-          <a:p>
-            <a:r>
-              <a:rPr lang="en-US" dirty="0"/>
-              <a:t>Deployment </a:t>
-            </a:r>
-            <a:r>
-              <a:rPr lang="en-US" dirty="0" err="1"/>
-              <a:t>yaml</a:t>
-            </a:r>
-            <a:endParaRPr lang="en-US" dirty="0"/>
-          </a:p>
-          <a:p>
-            <a:r>
-              <a:rPr lang="en-US" dirty="0"/>
-              <a:t>AAD configuration</a:t>
-            </a:r>
-          </a:p>
-          <a:p>
-            <a:r>
-              <a:rPr lang="en-US" dirty="0"/>
-              <a:t>Code</a:t>
-            </a:r>
-          </a:p>
-          <a:p>
-            <a:r>
-              <a:rPr lang="en-US" dirty="0"/>
-              <a:t>Executing web app</a:t>
-            </a:r>
-          </a:p>
-        </p:txBody>
-      </p:sp>
-    </p:spTree>
-    <p:extLst>
-      <p:ext uri="{BB962C8B-B14F-4D97-AF65-F5344CB8AC3E}">
-        <p14:creationId xmlns:p14="http://schemas.microsoft.com/office/powerpoint/2010/main" val="3949258812"/>
-      </p:ext>
-    </p:extLst>
-  </p:cSld>
-  <p:clrMapOvr>
-    <a:masterClrMapping/>
-  </p:clrMapOvr>
-</p:sld>
-</file>
-
-<file path=ppt/slides/slide11.xml><?xml version="1.0" encoding="utf-8"?>
-<p:sld xmlns:a="http://schemas.openxmlformats.org/drawingml/2006/main" xmlns:r="http://schemas.openxmlformats.org/officeDocument/2006/relationships" xmlns:p="http://schemas.openxmlformats.org/presentationml/2006/main">
-  <p:cSld>
-    <p:spTree>
-      <p:nvGrpSpPr>
-        <p:cNvPr id="1" name=""/>
-        <p:cNvGrpSpPr/>
-        <p:nvPr/>
-      </p:nvGrpSpPr>
-      <p:grpSpPr>
-        <a:xfrm>
-          <a:off x="0" y="0"/>
-          <a:ext cx="0" cy="0"/>
-          <a:chOff x="0" y="0"/>
-          <a:chExt cx="0" cy="0"/>
-        </a:xfrm>
-      </p:grpSpPr>
-      <p:sp>
-        <p:nvSpPr>
-          <p:cNvPr id="2" name="Title 1">
-            <a:extLst>
-              <a:ext uri="{FF2B5EF4-FFF2-40B4-BE49-F238E27FC236}">
-                <a16:creationId xmlns:a16="http://schemas.microsoft.com/office/drawing/2014/main" id="{1F682176-80D9-A652-F48F-1AF67A0769FB}"/>
-              </a:ext>
-            </a:extLst>
-          </p:cNvPr>
-          <p:cNvSpPr>
-            <a:spLocks noGrp="1"/>
-          </p:cNvSpPr>
-          <p:nvPr>
-            <p:ph type="title"/>
-          </p:nvPr>
-        </p:nvSpPr>
-        <p:spPr/>
-        <p:txBody>
-          <a:bodyPr/>
-          <a:lstStyle/>
-          <a:p>
-            <a:r>
-              <a:rPr lang="en-US" dirty="0"/>
-              <a:t>Benefits</a:t>
-            </a:r>
-          </a:p>
-        </p:txBody>
-      </p:sp>
-      <p:sp>
-        <p:nvSpPr>
-          <p:cNvPr id="3" name="Content Placeholder 2">
-            <a:extLst>
-              <a:ext uri="{FF2B5EF4-FFF2-40B4-BE49-F238E27FC236}">
-                <a16:creationId xmlns:a16="http://schemas.microsoft.com/office/drawing/2014/main" id="{6214D4A4-D452-6C03-7CF3-4CC27886F2D7}"/>
-              </a:ext>
-            </a:extLst>
-          </p:cNvPr>
-          <p:cNvSpPr>
-            <a:spLocks noGrp="1"/>
-          </p:cNvSpPr>
-          <p:nvPr>
-            <p:ph idx="1"/>
-          </p:nvPr>
-        </p:nvSpPr>
-        <p:spPr/>
-        <p:txBody>
-          <a:bodyPr/>
-          <a:lstStyle/>
-          <a:p>
-            <a:r>
-              <a:rPr lang="en-US" dirty="0"/>
-              <a:t>Native K8s APIs, any cloud, both Windows and Linux</a:t>
-            </a:r>
-          </a:p>
-          <a:p>
-            <a:r>
-              <a:rPr lang="en-US" dirty="0"/>
-              <a:t>Access control remains in AAD</a:t>
-            </a:r>
-          </a:p>
-          <a:p>
-            <a:r>
-              <a:rPr lang="en-US" dirty="0"/>
-              <a:t>[Protection of secrets - secrets never leave their source]</a:t>
-            </a:r>
-          </a:p>
-          <a:p>
-            <a:r>
-              <a:rPr lang="en-US" dirty="0"/>
-              <a:t>OAuth2 standard</a:t>
-            </a:r>
-          </a:p>
-          <a:p>
-            <a:endParaRPr lang="en-US" dirty="0"/>
-          </a:p>
-          <a:p>
-            <a:endParaRPr lang="en-US" dirty="0"/>
-          </a:p>
-        </p:txBody>
-      </p:sp>
-    </p:spTree>
-    <p:extLst>
-      <p:ext uri="{BB962C8B-B14F-4D97-AF65-F5344CB8AC3E}">
-        <p14:creationId xmlns:p14="http://schemas.microsoft.com/office/powerpoint/2010/main" val="3741307148"/>
-      </p:ext>
-    </p:extLst>
-  </p:cSld>
-  <p:clrMapOvr>
-    <a:masterClrMapping/>
-  </p:clrMapOvr>
-</p:sld>
-</file>
-
-<file path=ppt/slides/slide12.xml><?xml version="1.0" encoding="utf-8"?>
-<p:sld xmlns:a="http://schemas.openxmlformats.org/drawingml/2006/main" xmlns:r="http://schemas.openxmlformats.org/officeDocument/2006/relationships" xmlns:p="http://schemas.openxmlformats.org/presentationml/2006/main" show="0">
-  <p:cSld>
-    <p:spTree>
-      <p:nvGrpSpPr>
-        <p:cNvPr id="1" name=""/>
-        <p:cNvGrpSpPr/>
-        <p:nvPr/>
-      </p:nvGrpSpPr>
-      <p:grpSpPr>
-        <a:xfrm>
-          <a:off x="0" y="0"/>
-          <a:ext cx="0" cy="0"/>
-          <a:chOff x="0" y="0"/>
-          <a:chExt cx="0" cy="0"/>
-        </a:xfrm>
-      </p:grpSpPr>
-      <p:sp>
-        <p:nvSpPr>
-          <p:cNvPr id="2" name="Title 1">
-            <a:extLst>
-              <a:ext uri="{FF2B5EF4-FFF2-40B4-BE49-F238E27FC236}">
-                <a16:creationId xmlns:a16="http://schemas.microsoft.com/office/drawing/2014/main" id="{E80FAF17-FCC4-5930-AAD2-492ABC933D28}"/>
-              </a:ext>
-            </a:extLst>
-          </p:cNvPr>
-          <p:cNvSpPr>
-            <a:spLocks noGrp="1"/>
-          </p:cNvSpPr>
-          <p:nvPr>
-            <p:ph type="title"/>
-          </p:nvPr>
-        </p:nvSpPr>
-        <p:spPr/>
-        <p:txBody>
-          <a:bodyPr/>
-          <a:lstStyle/>
-          <a:p>
-            <a:r>
-              <a:rPr lang="en-US" dirty="0"/>
-              <a:t>Issues</a:t>
-            </a:r>
-          </a:p>
-        </p:txBody>
-      </p:sp>
-      <p:sp>
-        <p:nvSpPr>
-          <p:cNvPr id="3" name="Content Placeholder 2">
-            <a:extLst>
-              <a:ext uri="{FF2B5EF4-FFF2-40B4-BE49-F238E27FC236}">
-                <a16:creationId xmlns:a16="http://schemas.microsoft.com/office/drawing/2014/main" id="{B8B1FDF5-FFCC-B7B3-6255-5F5A6ACC0A00}"/>
-              </a:ext>
-            </a:extLst>
-          </p:cNvPr>
-          <p:cNvSpPr>
-            <a:spLocks noGrp="1"/>
-          </p:cNvSpPr>
-          <p:nvPr>
-            <p:ph idx="1"/>
-          </p:nvPr>
-        </p:nvSpPr>
-        <p:spPr/>
-        <p:txBody>
-          <a:bodyPr>
-            <a:normAutofit/>
-          </a:bodyPr>
-          <a:lstStyle/>
-          <a:p>
-            <a:r>
-              <a:rPr lang="en-US" dirty="0"/>
-              <a:t>“</a:t>
-            </a:r>
-            <a:r>
-              <a:rPr lang="en-US" b="0" i="0" dirty="0">
-                <a:solidFill>
-                  <a:srgbClr val="000000"/>
-                </a:solidFill>
-                <a:effectLst/>
-                <a:latin typeface="Open Sans" panose="020B0606030504020204" pitchFamily="34" charset="0"/>
-              </a:rPr>
-              <a:t>Removes the scale and performance issues that existed for identity assignment” – what does sit mean?</a:t>
-            </a:r>
-            <a:r>
-              <a:rPr lang="en-US" dirty="0"/>
-              <a:t> </a:t>
-            </a:r>
-          </a:p>
-          <a:p>
-            <a:r>
-              <a:rPr lang="en-US" dirty="0"/>
-              <a:t>Webhook vs volume mount?</a:t>
-            </a:r>
-          </a:p>
-          <a:p>
-            <a:r>
-              <a:rPr lang="en-US" dirty="0"/>
-              <a:t>Installing </a:t>
-            </a:r>
-            <a:r>
-              <a:rPr lang="en-US" dirty="0" err="1"/>
-              <a:t>azwi</a:t>
-            </a:r>
-            <a:r>
-              <a:rPr lang="en-US" dirty="0"/>
-              <a:t> on Windows?</a:t>
-            </a:r>
-          </a:p>
-          <a:p>
-            <a:r>
-              <a:rPr lang="en-US" dirty="0"/>
-              <a:t>Enabling OIDC discovery on other k8s implementations</a:t>
-            </a:r>
-          </a:p>
-          <a:p>
-            <a:r>
-              <a:rPr lang="en-US" dirty="0"/>
-              <a:t>Rotating signing key</a:t>
-            </a:r>
-          </a:p>
-          <a:p>
-            <a:pPr lvl="1"/>
-            <a:r>
-              <a:rPr lang="en-US" dirty="0"/>
-              <a:t>AKS default: 6 months</a:t>
-            </a:r>
-          </a:p>
-          <a:p>
-            <a:pPr lvl="1"/>
-            <a:r>
-              <a:rPr lang="en-US" dirty="0"/>
-              <a:t>AAD cache: 1h </a:t>
-            </a:r>
-          </a:p>
-          <a:p>
-            <a:pPr lvl="1"/>
-            <a:r>
-              <a:rPr lang="en-US" dirty="0"/>
-              <a:t>Manual rotation?</a:t>
-            </a:r>
-          </a:p>
-          <a:p>
-            <a:endParaRPr lang="en-US" dirty="0"/>
-          </a:p>
-        </p:txBody>
-      </p:sp>
-    </p:spTree>
-    <p:extLst>
-      <p:ext uri="{BB962C8B-B14F-4D97-AF65-F5344CB8AC3E}">
-        <p14:creationId xmlns:p14="http://schemas.microsoft.com/office/powerpoint/2010/main" val="3900243296"/>
-      </p:ext>
-    </p:extLst>
-  </p:cSld>
-  <p:clrMapOvr>
-    <a:masterClrMapping/>
-  </p:clrMapOvr>
-</p:sld>
-</file>
-
-<file path=ppt/slides/slide13.xml><?xml version="1.0" encoding="utf-8"?>
-<p:sld xmlns:a="http://schemas.openxmlformats.org/drawingml/2006/main" xmlns:r="http://schemas.openxmlformats.org/officeDocument/2006/relationships" xmlns:p="http://schemas.openxmlformats.org/presentationml/2006/main">
-  <p:cSld>
-    <p:spTree>
-      <p:nvGrpSpPr>
-        <p:cNvPr id="1" name=""/>
-        <p:cNvGrpSpPr/>
-        <p:nvPr/>
-      </p:nvGrpSpPr>
-      <p:grpSpPr>
-        <a:xfrm>
-          <a:off x="0" y="0"/>
-          <a:ext cx="0" cy="0"/>
-          <a:chOff x="0" y="0"/>
-          <a:chExt cx="0" cy="0"/>
-        </a:xfrm>
-      </p:grpSpPr>
-      <p:sp>
-        <p:nvSpPr>
-          <p:cNvPr id="2" name="Title 1">
-            <a:extLst>
-              <a:ext uri="{FF2B5EF4-FFF2-40B4-BE49-F238E27FC236}">
-                <a16:creationId xmlns:a16="http://schemas.microsoft.com/office/drawing/2014/main" id="{F7194958-2871-8D00-D8C1-8135F170D02E}"/>
-              </a:ext>
-            </a:extLst>
-          </p:cNvPr>
-          <p:cNvSpPr>
-            <a:spLocks noGrp="1"/>
-          </p:cNvSpPr>
-          <p:nvPr>
-            <p:ph type="title"/>
-          </p:nvPr>
-        </p:nvSpPr>
-        <p:spPr/>
-        <p:txBody>
-          <a:bodyPr/>
-          <a:lstStyle/>
-          <a:p>
-            <a:r>
-              <a:rPr lang="en-US" dirty="0"/>
-              <a:t>Resources</a:t>
-            </a:r>
-          </a:p>
-        </p:txBody>
-      </p:sp>
-      <p:sp>
-        <p:nvSpPr>
-          <p:cNvPr id="3" name="Content Placeholder 2">
-            <a:extLst>
-              <a:ext uri="{FF2B5EF4-FFF2-40B4-BE49-F238E27FC236}">
-                <a16:creationId xmlns:a16="http://schemas.microsoft.com/office/drawing/2014/main" id="{9985DBE4-91E3-9038-92DA-6B340E298903}"/>
-              </a:ext>
-            </a:extLst>
-          </p:cNvPr>
-          <p:cNvSpPr>
-            <a:spLocks noGrp="1"/>
-          </p:cNvSpPr>
-          <p:nvPr>
-            <p:ph idx="1"/>
-          </p:nvPr>
-        </p:nvSpPr>
-        <p:spPr/>
-        <p:txBody>
-          <a:bodyPr/>
-          <a:lstStyle/>
-          <a:p>
-            <a:r>
-              <a:rPr lang="en-US" dirty="0">
-                <a:hlinkClick r:id="rId2"/>
-              </a:rPr>
-              <a:t>Kubernetes and AAD Workload Identity</a:t>
-            </a:r>
-            <a:endParaRPr lang="en-US" dirty="0"/>
-          </a:p>
-          <a:p>
-            <a:r>
-              <a:rPr lang="en-US" dirty="0">
-                <a:hlinkClick r:id="rId3"/>
-              </a:rPr>
-              <a:t>AAD Workload Identity (Preview)</a:t>
-            </a:r>
-            <a:endParaRPr lang="en-US" dirty="0"/>
-          </a:p>
-          <a:p>
-            <a:r>
-              <a:rPr lang="en-US" dirty="0">
-                <a:hlinkClick r:id="rId4"/>
-              </a:rPr>
-              <a:t>Setup</a:t>
-            </a:r>
-            <a:endParaRPr lang="en-US" dirty="0"/>
-          </a:p>
-          <a:p>
-            <a:r>
-              <a:rPr lang="en-US" dirty="0">
-                <a:hlinkClick r:id="rId5"/>
-              </a:rPr>
-              <a:t>Sample</a:t>
-            </a:r>
-            <a:endParaRPr lang="en-US" dirty="0"/>
-          </a:p>
-          <a:p>
-            <a:r>
-              <a:rPr lang="en-US" dirty="0">
-                <a:hlinkClick r:id="rId6"/>
-              </a:rPr>
-              <a:t>My sample</a:t>
-            </a:r>
-            <a:endParaRPr lang="en-US" dirty="0"/>
-          </a:p>
-          <a:p>
-            <a:r>
-              <a:rPr lang="en-US" dirty="0">
-                <a:hlinkClick r:id="rId7"/>
-              </a:rPr>
-              <a:t>Deployment with self-managed clusters</a:t>
-            </a:r>
-            <a:endParaRPr lang="en-US" dirty="0"/>
-          </a:p>
-        </p:txBody>
-      </p:sp>
-    </p:spTree>
-    <p:extLst>
-      <p:ext uri="{BB962C8B-B14F-4D97-AF65-F5344CB8AC3E}">
-        <p14:creationId xmlns:p14="http://schemas.microsoft.com/office/powerpoint/2010/main" val="2981304641"/>
-      </p:ext>
-    </p:extLst>
-  </p:cSld>
-  <p:clrMapOvr>
-    <a:masterClrMapping/>
-  </p:clrMapOvr>
-</p:sld>
-</file>
-
-<file path=ppt/slides/slide2.xml><?xml version="1.0" encoding="utf-8"?>
-<p:sld xmlns:a="http://schemas.openxmlformats.org/drawingml/2006/main" xmlns:r="http://schemas.openxmlformats.org/officeDocument/2006/relationships" xmlns:p="http://schemas.openxmlformats.org/presentationml/2006/main">
-  <p:cSld>
-    <p:spTree>
-      <p:nvGrpSpPr>
-        <p:cNvPr id="1" name=""/>
-        <p:cNvGrpSpPr/>
-        <p:nvPr/>
-      </p:nvGrpSpPr>
-      <p:grpSpPr>
-        <a:xfrm>
-          <a:off x="0" y="0"/>
-          <a:ext cx="0" cy="0"/>
-          <a:chOff x="0" y="0"/>
-          <a:chExt cx="0" cy="0"/>
-        </a:xfrm>
-      </p:grpSpPr>
-      <p:sp>
-        <p:nvSpPr>
-          <p:cNvPr id="2" name="Title 1">
-            <a:extLst>
-              <a:ext uri="{FF2B5EF4-FFF2-40B4-BE49-F238E27FC236}">
-                <a16:creationId xmlns:a16="http://schemas.microsoft.com/office/drawing/2014/main" id="{95D348BE-EEE8-C0EB-FA68-3EBDE0237549}"/>
-              </a:ext>
-            </a:extLst>
-          </p:cNvPr>
-          <p:cNvSpPr>
-            <a:spLocks noGrp="1"/>
-          </p:cNvSpPr>
-          <p:nvPr>
-            <p:ph type="title"/>
-          </p:nvPr>
-        </p:nvSpPr>
-        <p:spPr/>
-        <p:txBody>
-          <a:bodyPr/>
-          <a:lstStyle/>
-          <a:p>
-            <a:r>
-              <a:rPr lang="en-US" dirty="0"/>
-              <a:t>Problem</a:t>
-            </a:r>
-          </a:p>
-        </p:txBody>
-      </p:sp>
-      <p:sp>
-        <p:nvSpPr>
-          <p:cNvPr id="3" name="Content Placeholder 2">
-            <a:extLst>
-              <a:ext uri="{FF2B5EF4-FFF2-40B4-BE49-F238E27FC236}">
-                <a16:creationId xmlns:a16="http://schemas.microsoft.com/office/drawing/2014/main" id="{97BE6744-FC00-3193-A361-7CA26995FCAD}"/>
-              </a:ext>
-            </a:extLst>
-          </p:cNvPr>
-          <p:cNvSpPr>
-            <a:spLocks noGrp="1"/>
-          </p:cNvSpPr>
-          <p:nvPr>
-            <p:ph idx="1"/>
-          </p:nvPr>
-        </p:nvSpPr>
-        <p:spPr/>
-        <p:txBody>
-          <a:bodyPr/>
-          <a:lstStyle/>
-          <a:p>
-            <a:pPr marL="0" indent="0">
-              <a:buNone/>
-            </a:pPr>
-            <a:r>
-              <a:rPr lang="en-US" dirty="0"/>
-              <a:t>Control pod application access to external APIs </a:t>
-            </a:r>
-          </a:p>
-        </p:txBody>
-      </p:sp>
-    </p:spTree>
-    <p:extLst>
-      <p:ext uri="{BB962C8B-B14F-4D97-AF65-F5344CB8AC3E}">
-        <p14:creationId xmlns:p14="http://schemas.microsoft.com/office/powerpoint/2010/main" val="127694338"/>
-      </p:ext>
-    </p:extLst>
-  </p:cSld>
-  <p:clrMapOvr>
-    <a:masterClrMapping/>
-  </p:clrMapOvr>
-</p:sld>
-</file>
-
-<file path=ppt/slides/slide3.xml><?xml version="1.0" encoding="utf-8"?>
-<p:sld xmlns:a="http://schemas.openxmlformats.org/drawingml/2006/main" xmlns:r="http://schemas.openxmlformats.org/officeDocument/2006/relationships" xmlns:p="http://schemas.openxmlformats.org/presentationml/2006/main">
-  <p:cSld>
-    <p:spTree>
-      <p:nvGrpSpPr>
-        <p:cNvPr id="1" name=""/>
-        <p:cNvGrpSpPr/>
-        <p:nvPr/>
-      </p:nvGrpSpPr>
-      <p:grpSpPr>
-        <a:xfrm>
-          <a:off x="0" y="0"/>
-          <a:ext cx="0" cy="0"/>
-          <a:chOff x="0" y="0"/>
-          <a:chExt cx="0" cy="0"/>
-        </a:xfrm>
-      </p:grpSpPr>
-      <p:sp>
-        <p:nvSpPr>
-          <p:cNvPr id="2" name="Title 1">
-            <a:extLst>
-              <a:ext uri="{FF2B5EF4-FFF2-40B4-BE49-F238E27FC236}">
-                <a16:creationId xmlns:a16="http://schemas.microsoft.com/office/drawing/2014/main" id="{0FCBAF9B-D853-D019-12AE-029505334849}"/>
-              </a:ext>
-            </a:extLst>
-          </p:cNvPr>
-          <p:cNvSpPr>
-            <a:spLocks noGrp="1"/>
-          </p:cNvSpPr>
-          <p:nvPr>
-            <p:ph type="title"/>
-          </p:nvPr>
-        </p:nvSpPr>
-        <p:spPr/>
-        <p:txBody>
-          <a:bodyPr/>
-          <a:lstStyle/>
-          <a:p>
-            <a:r>
-              <a:rPr lang="en-US" dirty="0"/>
-              <a:t>Solution objective</a:t>
-            </a:r>
-          </a:p>
-        </p:txBody>
-      </p:sp>
-      <p:sp>
-        <p:nvSpPr>
-          <p:cNvPr id="3" name="Content Placeholder 2">
-            <a:extLst>
-              <a:ext uri="{FF2B5EF4-FFF2-40B4-BE49-F238E27FC236}">
-                <a16:creationId xmlns:a16="http://schemas.microsoft.com/office/drawing/2014/main" id="{65D056EA-C952-A6EB-5667-5868FB7D4E02}"/>
-              </a:ext>
-            </a:extLst>
-          </p:cNvPr>
-          <p:cNvSpPr>
-            <a:spLocks noGrp="1"/>
-          </p:cNvSpPr>
-          <p:nvPr>
-            <p:ph idx="1"/>
-          </p:nvPr>
-        </p:nvSpPr>
-        <p:spPr/>
-        <p:txBody>
-          <a:bodyPr/>
-          <a:lstStyle/>
-          <a:p>
-            <a:r>
-              <a:rPr lang="en-US" dirty="0"/>
-              <a:t>Use existing control surface (Azure AD) when available</a:t>
-            </a:r>
-          </a:p>
-          <a:p>
-            <a:r>
-              <a:rPr lang="en-US" dirty="0"/>
-              <a:t>Use OAuth2</a:t>
-            </a:r>
-          </a:p>
-          <a:p>
-            <a:r>
-              <a:rPr lang="en-US" dirty="0"/>
-              <a:t>Protect token signing keys</a:t>
-            </a:r>
-          </a:p>
-          <a:p>
-            <a:r>
-              <a:rPr lang="en-US" dirty="0"/>
-              <a:t>Deployment agnostic (AKS or not)</a:t>
-            </a:r>
-          </a:p>
-        </p:txBody>
-      </p:sp>
-    </p:spTree>
-    <p:extLst>
-      <p:ext uri="{BB962C8B-B14F-4D97-AF65-F5344CB8AC3E}">
-        <p14:creationId xmlns:p14="http://schemas.microsoft.com/office/powerpoint/2010/main" val="3305616793"/>
-      </p:ext>
-    </p:extLst>
-  </p:cSld>
-  <p:clrMapOvr>
-    <a:masterClrMapping/>
-  </p:clrMapOvr>
-</p:sld>
-</file>
-
-<file path=ppt/slides/slide4.xml><?xml version="1.0" encoding="utf-8"?>
-<p:sld xmlns:a="http://schemas.openxmlformats.org/drawingml/2006/main" xmlns:r="http://schemas.openxmlformats.org/officeDocument/2006/relationships" xmlns:p="http://schemas.openxmlformats.org/presentationml/2006/main">
-  <p:cSld>
-    <p:spTree>
-      <p:nvGrpSpPr>
-        <p:cNvPr id="1" name=""/>
-        <p:cNvGrpSpPr/>
-        <p:nvPr/>
-      </p:nvGrpSpPr>
-      <p:grpSpPr>
-        <a:xfrm>
-          <a:off x="0" y="0"/>
-          <a:ext cx="0" cy="0"/>
-          <a:chOff x="0" y="0"/>
-          <a:chExt cx="0" cy="0"/>
-        </a:xfrm>
-      </p:grpSpPr>
-      <p:sp>
-        <p:nvSpPr>
-          <p:cNvPr id="9" name="Rectangle: Rounded Corners 8">
-            <a:extLst>
-              <a:ext uri="{FF2B5EF4-FFF2-40B4-BE49-F238E27FC236}">
-                <a16:creationId xmlns:a16="http://schemas.microsoft.com/office/drawing/2014/main" id="{29FFD78B-E009-3169-DCA4-3EEC0E999B18}"/>
-              </a:ext>
-            </a:extLst>
-          </p:cNvPr>
-          <p:cNvSpPr/>
-          <p:nvPr/>
-        </p:nvSpPr>
-        <p:spPr>
-          <a:xfrm>
-            <a:off x="696686" y="2101402"/>
-            <a:ext cx="3736536" cy="2239103"/>
-          </a:xfrm>
-          <a:prstGeom prst="roundRect">
-            <a:avLst/>
-          </a:prstGeom>
-          <a:noFill/>
-        </p:spPr>
-        <p:style>
-          <a:lnRef idx="2">
-            <a:schemeClr val="accent1">
-              <a:shade val="50000"/>
-            </a:schemeClr>
-          </a:lnRef>
-          <a:fillRef idx="1">
-            <a:schemeClr val="accent1"/>
-          </a:fillRef>
-          <a:effectRef idx="0">
-            <a:schemeClr val="accent1"/>
-          </a:effectRef>
-          <a:fontRef idx="minor">
-            <a:schemeClr val="lt1"/>
-          </a:fontRef>
-        </p:style>
-        <p:txBody>
-          <a:bodyPr rtlCol="0" anchor="t" anchorCtr="0"/>
-          <a:lstStyle/>
-          <a:p>
-            <a:pPr algn="ctr"/>
-            <a:r>
-              <a:rPr lang="en-US" dirty="0">
-                <a:solidFill>
-                  <a:schemeClr val="tx1"/>
-                </a:solidFill>
-              </a:rPr>
-              <a:t>Cluster</a:t>
-            </a:r>
-          </a:p>
-        </p:txBody>
-      </p:sp>
-      <p:sp>
-        <p:nvSpPr>
-          <p:cNvPr id="2" name="Title 1">
-            <a:extLst>
-              <a:ext uri="{FF2B5EF4-FFF2-40B4-BE49-F238E27FC236}">
-                <a16:creationId xmlns:a16="http://schemas.microsoft.com/office/drawing/2014/main" id="{AF30C5C2-C4DD-C74E-31A4-242C2039E3DE}"/>
-              </a:ext>
-            </a:extLst>
-          </p:cNvPr>
-          <p:cNvSpPr>
-            <a:spLocks noGrp="1"/>
-          </p:cNvSpPr>
-          <p:nvPr>
-            <p:ph type="title"/>
-          </p:nvPr>
-        </p:nvSpPr>
-        <p:spPr/>
-        <p:txBody>
-          <a:bodyPr/>
-          <a:lstStyle/>
-          <a:p>
-            <a:r>
-              <a:rPr lang="en-US" dirty="0"/>
-              <a:t>Solution architecture</a:t>
-            </a:r>
-          </a:p>
-        </p:txBody>
-      </p:sp>
-      <p:sp>
-        <p:nvSpPr>
-          <p:cNvPr id="4" name="Isosceles Triangle 3">
-            <a:extLst>
-              <a:ext uri="{FF2B5EF4-FFF2-40B4-BE49-F238E27FC236}">
-                <a16:creationId xmlns:a16="http://schemas.microsoft.com/office/drawing/2014/main" id="{0C269861-2229-5573-5DA5-F6F535A55210}"/>
-              </a:ext>
-            </a:extLst>
-          </p:cNvPr>
-          <p:cNvSpPr/>
-          <p:nvPr/>
-        </p:nvSpPr>
-        <p:spPr>
-          <a:xfrm>
-            <a:off x="7604394" y="1859101"/>
-            <a:ext cx="2510508" cy="2239103"/>
-          </a:xfrm>
-          <a:prstGeom prst="triangle">
-            <a:avLst/>
-          </a:prstGeom>
-        </p:spPr>
-        <p:style>
-          <a:lnRef idx="2">
-            <a:schemeClr val="accent1">
-              <a:shade val="50000"/>
-            </a:schemeClr>
-          </a:lnRef>
-          <a:fillRef idx="1">
-            <a:schemeClr val="accent1"/>
-          </a:fillRef>
-          <a:effectRef idx="0">
-            <a:schemeClr val="accent1"/>
-          </a:effectRef>
-          <a:fontRef idx="minor">
-            <a:schemeClr val="lt1"/>
-          </a:fontRef>
-        </p:style>
-        <p:txBody>
-          <a:bodyPr rtlCol="0" anchor="ctr"/>
-          <a:lstStyle/>
-          <a:p>
-            <a:pPr algn="ctr"/>
-            <a:r>
-              <a:rPr lang="en-US" dirty="0"/>
-              <a:t>AAD</a:t>
-            </a:r>
-          </a:p>
-        </p:txBody>
-      </p:sp>
-      <p:sp>
-        <p:nvSpPr>
-          <p:cNvPr id="6" name="Rectangle: Rounded Corners 5">
-            <a:extLst>
-              <a:ext uri="{FF2B5EF4-FFF2-40B4-BE49-F238E27FC236}">
-                <a16:creationId xmlns:a16="http://schemas.microsoft.com/office/drawing/2014/main" id="{02F75916-2AF6-29AF-988C-C43B69154519}"/>
-              </a:ext>
-            </a:extLst>
-          </p:cNvPr>
-          <p:cNvSpPr/>
-          <p:nvPr/>
-        </p:nvSpPr>
-        <p:spPr>
-          <a:xfrm>
-            <a:off x="1729706" y="2695381"/>
-            <a:ext cx="2612572" cy="1325563"/>
-          </a:xfrm>
-          <a:prstGeom prst="roundRect">
-            <a:avLst/>
-          </a:prstGeom>
-        </p:spPr>
-        <p:style>
-          <a:lnRef idx="2">
-            <a:schemeClr val="accent1">
-              <a:shade val="50000"/>
-            </a:schemeClr>
-          </a:lnRef>
-          <a:fillRef idx="1">
-            <a:schemeClr val="accent1"/>
-          </a:fillRef>
-          <a:effectRef idx="0">
-            <a:schemeClr val="accent1"/>
-          </a:effectRef>
-          <a:fontRef idx="minor">
-            <a:schemeClr val="lt1"/>
-          </a:fontRef>
-        </p:style>
-        <p:txBody>
-          <a:bodyPr rtlCol="0" anchor="ctr"/>
-          <a:lstStyle/>
-          <a:p>
-            <a:pPr algn="ctr"/>
-            <a:r>
-              <a:rPr lang="en-US" dirty="0"/>
-              <a:t>Client app</a:t>
-            </a:r>
-          </a:p>
-        </p:txBody>
-      </p:sp>
-      <p:pic>
-        <p:nvPicPr>
-          <p:cNvPr id="8" name="Picture 7">
-            <a:extLst>
-              <a:ext uri="{FF2B5EF4-FFF2-40B4-BE49-F238E27FC236}">
-                <a16:creationId xmlns:a16="http://schemas.microsoft.com/office/drawing/2014/main" id="{6199D834-3F49-D3F8-68A4-0A981CCF0997}"/>
-              </a:ext>
-            </a:extLst>
-          </p:cNvPr>
-          <p:cNvPicPr>
-            <a:picLocks noChangeAspect="1"/>
-          </p:cNvPicPr>
-          <p:nvPr/>
-        </p:nvPicPr>
-        <p:blipFill>
-          <a:blip r:embed="rId2"/>
-          <a:stretch>
-            <a:fillRect/>
-          </a:stretch>
-        </p:blipFill>
-        <p:spPr>
-          <a:xfrm>
-            <a:off x="652813" y="2005456"/>
-            <a:ext cx="722631" cy="715877"/>
-          </a:xfrm>
-          <a:prstGeom prst="rect">
-            <a:avLst/>
-          </a:prstGeom>
-        </p:spPr>
-      </p:pic>
-      <p:sp>
-        <p:nvSpPr>
-          <p:cNvPr id="10" name="Arrow: Bent 9">
-            <a:extLst>
-              <a:ext uri="{FF2B5EF4-FFF2-40B4-BE49-F238E27FC236}">
-                <a16:creationId xmlns:a16="http://schemas.microsoft.com/office/drawing/2014/main" id="{376D270B-9AFA-BF18-21A6-45CFE6B26F21}"/>
-              </a:ext>
-            </a:extLst>
-          </p:cNvPr>
-          <p:cNvSpPr/>
-          <p:nvPr/>
-        </p:nvSpPr>
-        <p:spPr>
-          <a:xfrm rot="10800000" flipH="1">
-            <a:off x="1175416" y="2974739"/>
-            <a:ext cx="618741" cy="516842"/>
-          </a:xfrm>
-          <a:prstGeom prst="bentArrow">
-            <a:avLst/>
-          </a:prstGeom>
-          <a:solidFill>
-            <a:schemeClr val="accent6"/>
-          </a:solidFill>
-        </p:spPr>
-        <p:style>
-          <a:lnRef idx="2">
-            <a:schemeClr val="accent1">
-              <a:shade val="50000"/>
-            </a:schemeClr>
-          </a:lnRef>
-          <a:fillRef idx="1">
-            <a:schemeClr val="accent1"/>
-          </a:fillRef>
-          <a:effectRef idx="0">
-            <a:schemeClr val="accent1"/>
-          </a:effectRef>
-          <a:fontRef idx="minor">
-            <a:schemeClr val="lt1"/>
-          </a:fontRef>
-        </p:style>
-        <p:txBody>
-          <a:bodyPr rtlCol="0" anchor="ctr"/>
-          <a:lstStyle/>
-          <a:p>
-            <a:pPr algn="ctr"/>
-            <a:endParaRPr lang="en-US">
-              <a:solidFill>
-                <a:schemeClr val="tx1"/>
-              </a:solidFill>
-            </a:endParaRPr>
-          </a:p>
-        </p:txBody>
-      </p:sp>
-      <p:sp>
-        <p:nvSpPr>
-          <p:cNvPr id="11" name="TextBox 10">
-            <a:extLst>
-              <a:ext uri="{FF2B5EF4-FFF2-40B4-BE49-F238E27FC236}">
-                <a16:creationId xmlns:a16="http://schemas.microsoft.com/office/drawing/2014/main" id="{D71392CE-C49C-9E69-6328-686976BADD52}"/>
-              </a:ext>
-            </a:extLst>
-          </p:cNvPr>
-          <p:cNvSpPr txBox="1"/>
-          <p:nvPr/>
-        </p:nvSpPr>
-        <p:spPr>
-          <a:xfrm>
-            <a:off x="723928" y="3463162"/>
-            <a:ext cx="1070229" cy="307777"/>
-          </a:xfrm>
-          <a:prstGeom prst="rect">
-            <a:avLst/>
-          </a:prstGeom>
-          <a:noFill/>
-        </p:spPr>
-        <p:txBody>
-          <a:bodyPr wrap="none" rtlCol="0">
-            <a:spAutoFit/>
-          </a:bodyPr>
-          <a:lstStyle/>
-          <a:p>
-            <a:r>
-              <a:rPr lang="en-US" sz="1400" dirty="0"/>
-              <a:t>1. API Token</a:t>
-            </a:r>
-          </a:p>
-        </p:txBody>
-      </p:sp>
-      <p:sp>
-        <p:nvSpPr>
-          <p:cNvPr id="12" name="Arrow: Right 11">
-            <a:extLst>
-              <a:ext uri="{FF2B5EF4-FFF2-40B4-BE49-F238E27FC236}">
-                <a16:creationId xmlns:a16="http://schemas.microsoft.com/office/drawing/2014/main" id="{9C68A105-2B28-412B-9252-0003627EA391}"/>
-              </a:ext>
-            </a:extLst>
-          </p:cNvPr>
-          <p:cNvSpPr/>
-          <p:nvPr/>
-        </p:nvSpPr>
-        <p:spPr>
-          <a:xfrm>
-            <a:off x="4031888" y="2974739"/>
-            <a:ext cx="4128224" cy="325611"/>
-          </a:xfrm>
-          <a:prstGeom prst="rightArrow">
-            <a:avLst/>
-          </a:prstGeom>
-          <a:solidFill>
-            <a:schemeClr val="accent6"/>
-          </a:solidFill>
-        </p:spPr>
-        <p:style>
-          <a:lnRef idx="2">
-            <a:schemeClr val="accent1">
-              <a:shade val="50000"/>
-            </a:schemeClr>
-          </a:lnRef>
-          <a:fillRef idx="1">
-            <a:schemeClr val="accent1"/>
-          </a:fillRef>
-          <a:effectRef idx="0">
-            <a:schemeClr val="accent1"/>
-          </a:effectRef>
-          <a:fontRef idx="minor">
-            <a:schemeClr val="lt1"/>
-          </a:fontRef>
-        </p:style>
-        <p:txBody>
-          <a:bodyPr rtlCol="0" anchor="ctr"/>
-          <a:lstStyle/>
-          <a:p>
-            <a:pPr algn="ctr"/>
-            <a:endParaRPr lang="en-US"/>
-          </a:p>
-        </p:txBody>
-      </p:sp>
-      <p:sp>
-        <p:nvSpPr>
-          <p:cNvPr id="13" name="TextBox 12">
-            <a:extLst>
-              <a:ext uri="{FF2B5EF4-FFF2-40B4-BE49-F238E27FC236}">
-                <a16:creationId xmlns:a16="http://schemas.microsoft.com/office/drawing/2014/main" id="{096EF4DC-3583-2835-5AAB-4F95A291E050}"/>
-              </a:ext>
-            </a:extLst>
-          </p:cNvPr>
-          <p:cNvSpPr txBox="1"/>
-          <p:nvPr/>
-        </p:nvSpPr>
-        <p:spPr>
-          <a:xfrm>
-            <a:off x="5291549" y="2545417"/>
-            <a:ext cx="2028632" cy="523220"/>
-          </a:xfrm>
-          <a:prstGeom prst="rect">
-            <a:avLst/>
-          </a:prstGeom>
-          <a:noFill/>
-        </p:spPr>
-        <p:txBody>
-          <a:bodyPr wrap="none" rtlCol="0">
-            <a:spAutoFit/>
-          </a:bodyPr>
-          <a:lstStyle/>
-          <a:p>
-            <a:r>
-              <a:rPr lang="en-US" sz="1400" dirty="0"/>
-              <a:t>2. OAuth2 Client Creds</a:t>
-            </a:r>
-          </a:p>
-          <a:p>
-            <a:r>
-              <a:rPr lang="en-US" sz="1400" dirty="0"/>
-              <a:t>w/ k8s token as assertion</a:t>
-            </a:r>
-          </a:p>
-        </p:txBody>
-      </p:sp>
-      <p:sp>
-        <p:nvSpPr>
-          <p:cNvPr id="15" name="Arrow: Right 14">
-            <a:extLst>
-              <a:ext uri="{FF2B5EF4-FFF2-40B4-BE49-F238E27FC236}">
-                <a16:creationId xmlns:a16="http://schemas.microsoft.com/office/drawing/2014/main" id="{0EDA8897-9D59-4419-9B68-2A4F14CEFC94}"/>
-              </a:ext>
-            </a:extLst>
-          </p:cNvPr>
-          <p:cNvSpPr/>
-          <p:nvPr/>
-        </p:nvSpPr>
-        <p:spPr>
-          <a:xfrm>
-            <a:off x="4031888" y="2086052"/>
-            <a:ext cx="4128224" cy="325611"/>
-          </a:xfrm>
-          <a:prstGeom prst="rightArrow">
-            <a:avLst/>
-          </a:prstGeom>
-          <a:solidFill>
-            <a:schemeClr val="accent6">
-              <a:alpha val="50000"/>
-            </a:schemeClr>
-          </a:solidFill>
-        </p:spPr>
-        <p:style>
-          <a:lnRef idx="2">
-            <a:schemeClr val="accent1">
-              <a:shade val="50000"/>
-            </a:schemeClr>
-          </a:lnRef>
-          <a:fillRef idx="1">
-            <a:schemeClr val="accent1"/>
-          </a:fillRef>
-          <a:effectRef idx="0">
-            <a:schemeClr val="accent1"/>
-          </a:effectRef>
-          <a:fontRef idx="minor">
-            <a:schemeClr val="lt1"/>
-          </a:fontRef>
-        </p:style>
-        <p:txBody>
-          <a:bodyPr rtlCol="0" anchor="ctr"/>
-          <a:lstStyle/>
-          <a:p>
-            <a:pPr algn="ctr"/>
-            <a:endParaRPr lang="en-US"/>
-          </a:p>
-        </p:txBody>
-      </p:sp>
-      <p:sp>
-        <p:nvSpPr>
-          <p:cNvPr id="16" name="TextBox 15">
-            <a:extLst>
-              <a:ext uri="{FF2B5EF4-FFF2-40B4-BE49-F238E27FC236}">
-                <a16:creationId xmlns:a16="http://schemas.microsoft.com/office/drawing/2014/main" id="{21674FA6-B2EB-0F08-10A1-207557B1F625}"/>
-              </a:ext>
-            </a:extLst>
-          </p:cNvPr>
-          <p:cNvSpPr txBox="1"/>
-          <p:nvPr/>
-        </p:nvSpPr>
-        <p:spPr>
-          <a:xfrm>
-            <a:off x="5291549" y="1571320"/>
-            <a:ext cx="1605807" cy="523220"/>
-          </a:xfrm>
-          <a:prstGeom prst="rect">
-            <a:avLst/>
-          </a:prstGeom>
-          <a:noFill/>
-        </p:spPr>
-        <p:txBody>
-          <a:bodyPr wrap="square" rtlCol="0">
-            <a:spAutoFit/>
-          </a:bodyPr>
-          <a:lstStyle/>
-          <a:p>
-            <a:r>
-              <a:rPr lang="en-US" sz="1400" dirty="0"/>
-              <a:t>3. OIDC .well-known and </a:t>
-            </a:r>
-            <a:r>
-              <a:rPr lang="en-US" sz="1400" dirty="0" err="1"/>
-              <a:t>jwks</a:t>
-            </a:r>
-            <a:endParaRPr lang="en-US" sz="1400" dirty="0"/>
-          </a:p>
-        </p:txBody>
-      </p:sp>
-      <p:sp>
-        <p:nvSpPr>
-          <p:cNvPr id="17" name="Arrow: Right 16">
-            <a:extLst>
-              <a:ext uri="{FF2B5EF4-FFF2-40B4-BE49-F238E27FC236}">
-                <a16:creationId xmlns:a16="http://schemas.microsoft.com/office/drawing/2014/main" id="{ED93D80F-7D61-176B-50EB-6BFD908B79C0}"/>
-              </a:ext>
-            </a:extLst>
-          </p:cNvPr>
-          <p:cNvSpPr/>
-          <p:nvPr/>
-        </p:nvSpPr>
-        <p:spPr>
-          <a:xfrm rot="10800000">
-            <a:off x="4031888" y="3678885"/>
-            <a:ext cx="4128224" cy="325611"/>
-          </a:xfrm>
-          <a:prstGeom prst="rightArrow">
-            <a:avLst/>
-          </a:prstGeom>
-          <a:solidFill>
-            <a:schemeClr val="accent6"/>
-          </a:solidFill>
-        </p:spPr>
-        <p:style>
-          <a:lnRef idx="2">
-            <a:schemeClr val="accent1">
-              <a:shade val="50000"/>
-            </a:schemeClr>
-          </a:lnRef>
-          <a:fillRef idx="1">
-            <a:schemeClr val="accent1"/>
-          </a:fillRef>
-          <a:effectRef idx="0">
-            <a:schemeClr val="accent1"/>
-          </a:effectRef>
-          <a:fontRef idx="minor">
-            <a:schemeClr val="lt1"/>
-          </a:fontRef>
-        </p:style>
-        <p:txBody>
-          <a:bodyPr rtlCol="0" anchor="ctr"/>
-          <a:lstStyle/>
-          <a:p>
-            <a:pPr algn="ctr"/>
-            <a:endParaRPr lang="en-US"/>
-          </a:p>
-        </p:txBody>
-      </p:sp>
-      <p:sp>
-        <p:nvSpPr>
-          <p:cNvPr id="18" name="TextBox 17">
-            <a:extLst>
-              <a:ext uri="{FF2B5EF4-FFF2-40B4-BE49-F238E27FC236}">
-                <a16:creationId xmlns:a16="http://schemas.microsoft.com/office/drawing/2014/main" id="{AA5F37CC-BCEE-815F-5028-CEA5A1435D43}"/>
-              </a:ext>
-            </a:extLst>
-          </p:cNvPr>
-          <p:cNvSpPr txBox="1"/>
-          <p:nvPr/>
-        </p:nvSpPr>
-        <p:spPr>
-          <a:xfrm>
-            <a:off x="5291549" y="3308461"/>
-            <a:ext cx="1569725" cy="523220"/>
-          </a:xfrm>
-          <a:prstGeom prst="rect">
-            <a:avLst/>
-          </a:prstGeom>
-          <a:noFill/>
-        </p:spPr>
-        <p:txBody>
-          <a:bodyPr wrap="none" rtlCol="0">
-            <a:spAutoFit/>
-          </a:bodyPr>
-          <a:lstStyle/>
-          <a:p>
-            <a:r>
-              <a:rPr lang="en-US" sz="1400" dirty="0"/>
-              <a:t>4. AAD application </a:t>
-            </a:r>
-          </a:p>
-          <a:p>
-            <a:r>
-              <a:rPr lang="en-US" sz="1400" dirty="0"/>
-              <a:t>access token</a:t>
-            </a:r>
-          </a:p>
-        </p:txBody>
-      </p:sp>
-    </p:spTree>
-    <p:extLst>
-      <p:ext uri="{BB962C8B-B14F-4D97-AF65-F5344CB8AC3E}">
-        <p14:creationId xmlns:p14="http://schemas.microsoft.com/office/powerpoint/2010/main" val="3672435010"/>
-      </p:ext>
-    </p:extLst>
-  </p:cSld>
-  <p:clrMapOvr>
-    <a:masterClrMapping/>
-  </p:clrMapOvr>
-</p:sld>
-</file>
-
-<file path=ppt/slides/slide5.xml><?xml version="1.0" encoding="utf-8"?>
-<p:sld xmlns:a="http://schemas.openxmlformats.org/drawingml/2006/main" xmlns:r="http://schemas.openxmlformats.org/officeDocument/2006/relationships" xmlns:p="http://schemas.openxmlformats.org/presentationml/2006/main">
-  <p:cSld>
-    <p:spTree>
-      <p:nvGrpSpPr>
-        <p:cNvPr id="1" name=""/>
-        <p:cNvGrpSpPr/>
-        <p:nvPr/>
-      </p:nvGrpSpPr>
-      <p:grpSpPr>
-        <a:xfrm>
-          <a:off x="0" y="0"/>
-          <a:ext cx="0" cy="0"/>
-          <a:chOff x="0" y="0"/>
-          <a:chExt cx="0" cy="0"/>
-        </a:xfrm>
-      </p:grpSpPr>
-      <p:sp>
-        <p:nvSpPr>
-          <p:cNvPr id="2" name="Title 1">
-            <a:extLst>
-              <a:ext uri="{FF2B5EF4-FFF2-40B4-BE49-F238E27FC236}">
-                <a16:creationId xmlns:a16="http://schemas.microsoft.com/office/drawing/2014/main" id="{199CE317-AF1D-43B9-734B-9E598BE110BC}"/>
-              </a:ext>
-            </a:extLst>
-          </p:cNvPr>
-          <p:cNvSpPr>
-            <a:spLocks noGrp="1"/>
-          </p:cNvSpPr>
-          <p:nvPr>
-            <p:ph type="title"/>
-          </p:nvPr>
-        </p:nvSpPr>
-        <p:spPr/>
-        <p:txBody>
-          <a:bodyPr/>
-          <a:lstStyle/>
-          <a:p>
-            <a:r>
-              <a:rPr lang="en-US" dirty="0"/>
-              <a:t>Basic process</a:t>
-            </a:r>
-          </a:p>
-        </p:txBody>
-      </p:sp>
-      <p:sp>
-        <p:nvSpPr>
-          <p:cNvPr id="3" name="Content Placeholder 2">
-            <a:extLst>
-              <a:ext uri="{FF2B5EF4-FFF2-40B4-BE49-F238E27FC236}">
-                <a16:creationId xmlns:a16="http://schemas.microsoft.com/office/drawing/2014/main" id="{380A853C-09C1-1832-7587-EE6F7A4E8B9B}"/>
-              </a:ext>
-            </a:extLst>
-          </p:cNvPr>
-          <p:cNvSpPr>
-            <a:spLocks noGrp="1"/>
-          </p:cNvSpPr>
-          <p:nvPr>
-            <p:ph idx="1"/>
-          </p:nvPr>
-        </p:nvSpPr>
-        <p:spPr/>
-        <p:txBody>
-          <a:bodyPr>
-            <a:normAutofit fontScale="85000" lnSpcReduction="20000"/>
-          </a:bodyPr>
-          <a:lstStyle/>
-          <a:p>
-            <a:pPr marL="0" indent="0">
-              <a:buNone/>
-            </a:pPr>
-            <a:r>
-              <a:rPr lang="en-US" dirty="0"/>
-              <a:t>Cluster</a:t>
-            </a:r>
-          </a:p>
-          <a:p>
-            <a:r>
-              <a:rPr lang="en-US" dirty="0"/>
-              <a:t>Enable OIDC metadata discovery</a:t>
-            </a:r>
-          </a:p>
-          <a:p>
-            <a:r>
-              <a:rPr lang="en-US" dirty="0"/>
-              <a:t>Get cluster OIDC .well-known </a:t>
-            </a:r>
-            <a:r>
-              <a:rPr lang="en-US" dirty="0" err="1"/>
-              <a:t>url</a:t>
-            </a:r>
-            <a:endParaRPr lang="en-US" dirty="0"/>
-          </a:p>
-          <a:p>
-            <a:pPr marL="0" indent="0">
-              <a:buNone/>
-            </a:pPr>
-            <a:r>
-              <a:rPr lang="en-US" dirty="0"/>
-              <a:t>Pod/deployment</a:t>
-            </a:r>
-          </a:p>
-          <a:p>
-            <a:r>
-              <a:rPr lang="en-US" dirty="0"/>
-              <a:t>Create a service account</a:t>
-            </a:r>
-          </a:p>
-          <a:p>
-            <a:r>
-              <a:rPr lang="en-US" dirty="0"/>
-              <a:t>Assign it to a pod</a:t>
-            </a:r>
-          </a:p>
-          <a:p>
-            <a:r>
-              <a:rPr lang="en-US" dirty="0"/>
-              <a:t>Configure pod to have access to service account’s k8s API token</a:t>
-            </a:r>
-          </a:p>
-          <a:p>
-            <a:pPr marL="0" indent="0">
-              <a:buNone/>
-            </a:pPr>
-            <a:r>
-              <a:rPr lang="en-US" dirty="0"/>
-              <a:t>AAD</a:t>
-            </a:r>
-          </a:p>
-          <a:p>
-            <a:r>
-              <a:rPr lang="en-US" dirty="0"/>
-              <a:t>Register client as application</a:t>
-            </a:r>
-          </a:p>
-          <a:p>
-            <a:r>
-              <a:rPr lang="en-US" dirty="0"/>
-              <a:t>Configure federated identity for the app</a:t>
-            </a:r>
-          </a:p>
-          <a:p>
-            <a:r>
-              <a:rPr lang="en-US" dirty="0"/>
-              <a:t>Assign required API permissions</a:t>
-            </a:r>
-          </a:p>
-        </p:txBody>
-      </p:sp>
-    </p:spTree>
-    <p:extLst>
-      <p:ext uri="{BB962C8B-B14F-4D97-AF65-F5344CB8AC3E}">
-        <p14:creationId xmlns:p14="http://schemas.microsoft.com/office/powerpoint/2010/main" val="1746983618"/>
-      </p:ext>
-    </p:extLst>
-  </p:cSld>
-  <p:clrMapOvr>
-    <a:masterClrMapping/>
-  </p:clrMapOvr>
-</p:sld>
-</file>
-
-<file path=ppt/slides/slide6.xml><?xml version="1.0" encoding="utf-8"?>
-<p:sld xmlns:a="http://schemas.openxmlformats.org/drawingml/2006/main" xmlns:r="http://schemas.openxmlformats.org/officeDocument/2006/relationships" xmlns:p="http://schemas.openxmlformats.org/presentationml/2006/main">
-  <p:cSld>
-    <p:spTree>
-      <p:nvGrpSpPr>
-        <p:cNvPr id="1" name=""/>
-        <p:cNvGrpSpPr/>
-        <p:nvPr/>
-      </p:nvGrpSpPr>
-      <p:grpSpPr>
-        <a:xfrm>
-          <a:off x="0" y="0"/>
-          <a:ext cx="0" cy="0"/>
-          <a:chOff x="0" y="0"/>
-          <a:chExt cx="0" cy="0"/>
-        </a:xfrm>
-      </p:grpSpPr>
-      <p:sp>
-        <p:nvSpPr>
-          <p:cNvPr id="2" name="Title 1">
-            <a:extLst>
-              <a:ext uri="{FF2B5EF4-FFF2-40B4-BE49-F238E27FC236}">
-                <a16:creationId xmlns:a16="http://schemas.microsoft.com/office/drawing/2014/main" id="{72B4DBDD-7E60-7252-22BA-5924EDF320AC}"/>
-              </a:ext>
-            </a:extLst>
-          </p:cNvPr>
-          <p:cNvSpPr>
-            <a:spLocks noGrp="1"/>
-          </p:cNvSpPr>
-          <p:nvPr>
-            <p:ph type="title"/>
-          </p:nvPr>
-        </p:nvSpPr>
-        <p:spPr/>
-        <p:txBody>
-          <a:bodyPr/>
-          <a:lstStyle/>
-          <a:p>
-            <a:r>
-              <a:rPr lang="en-US" dirty="0"/>
-              <a:t>Cluster</a:t>
-            </a:r>
-          </a:p>
-        </p:txBody>
-      </p:sp>
-      <p:sp>
-        <p:nvSpPr>
-          <p:cNvPr id="3" name="Content Placeholder 2">
-            <a:extLst>
-              <a:ext uri="{FF2B5EF4-FFF2-40B4-BE49-F238E27FC236}">
-                <a16:creationId xmlns:a16="http://schemas.microsoft.com/office/drawing/2014/main" id="{E1431765-6C2F-6DD8-56B5-7EEB63030DAE}"/>
-              </a:ext>
-            </a:extLst>
-          </p:cNvPr>
-          <p:cNvSpPr>
-            <a:spLocks noGrp="1"/>
-          </p:cNvSpPr>
-          <p:nvPr>
-            <p:ph idx="1"/>
-          </p:nvPr>
-        </p:nvSpPr>
-        <p:spPr/>
-        <p:txBody>
-          <a:bodyPr/>
-          <a:lstStyle/>
-          <a:p>
-            <a:r>
-              <a:rPr lang="en-US" dirty="0">
-                <a:hlinkClick r:id="rId2"/>
-              </a:rPr>
-              <a:t>AKS</a:t>
-            </a:r>
-            <a:endParaRPr lang="en-US" dirty="0"/>
-          </a:p>
-          <a:p>
-            <a:pPr lvl="1"/>
-            <a:r>
-              <a:rPr lang="en-US" dirty="0"/>
-              <a:t>Requires </a:t>
-            </a:r>
-            <a:r>
-              <a:rPr lang="en-US" dirty="0" err="1"/>
-              <a:t>aks</a:t>
-            </a:r>
-            <a:r>
-              <a:rPr lang="en-US" dirty="0"/>
-              <a:t>-preview and </a:t>
-            </a:r>
-            <a:r>
-              <a:rPr lang="en-US" dirty="0" err="1"/>
-              <a:t>WorkloadIdentity</a:t>
-            </a:r>
-            <a:r>
-              <a:rPr lang="en-US" dirty="0"/>
-              <a:t> enabled</a:t>
-            </a:r>
-          </a:p>
-          <a:p>
-            <a:pPr lvl="1"/>
-            <a:r>
-              <a:rPr lang="en-US" dirty="0"/>
-              <a:t>Az </a:t>
-            </a:r>
-            <a:r>
-              <a:rPr lang="en-US" dirty="0" err="1"/>
-              <a:t>aks</a:t>
-            </a:r>
-            <a:r>
-              <a:rPr lang="en-US" dirty="0"/>
-              <a:t> create … --enable-</a:t>
-            </a:r>
-            <a:r>
-              <a:rPr lang="en-US" dirty="0" err="1"/>
-              <a:t>oidc</a:t>
-            </a:r>
-            <a:r>
-              <a:rPr lang="en-US" dirty="0"/>
-              <a:t>-issuer</a:t>
-            </a:r>
-          </a:p>
-          <a:p>
-            <a:pPr lvl="1"/>
-            <a:r>
-              <a:rPr lang="en-US" dirty="0"/>
-              <a:t>Get issuer </a:t>
-            </a:r>
-            <a:r>
-              <a:rPr lang="en-US" dirty="0" err="1"/>
-              <a:t>uri</a:t>
-            </a:r>
-            <a:r>
-              <a:rPr lang="en-US" dirty="0"/>
-              <a:t>: </a:t>
-            </a:r>
-            <a:r>
-              <a:rPr lang="en-US" dirty="0" err="1"/>
-              <a:t>az</a:t>
-            </a:r>
-            <a:r>
-              <a:rPr lang="en-US" dirty="0"/>
-              <a:t> </a:t>
-            </a:r>
-            <a:r>
-              <a:rPr lang="en-US" dirty="0" err="1"/>
-              <a:t>aks</a:t>
-            </a:r>
-            <a:r>
-              <a:rPr lang="en-US" dirty="0"/>
-              <a:t> show –n… --query "</a:t>
-            </a:r>
-            <a:r>
-              <a:rPr lang="en-US" dirty="0" err="1"/>
-              <a:t>oidcIssuerProfile.issuerUrl</a:t>
-            </a:r>
-            <a:r>
-              <a:rPr lang="en-US" dirty="0"/>
-              <a:t>"</a:t>
-            </a:r>
-          </a:p>
-          <a:p>
-            <a:endParaRPr lang="en-US" dirty="0"/>
-          </a:p>
-          <a:p>
-            <a:r>
-              <a:rPr lang="en-US" dirty="0" err="1"/>
-              <a:t>Minikube</a:t>
-            </a:r>
-            <a:r>
-              <a:rPr lang="en-US" dirty="0"/>
-              <a:t>? – is it possible?</a:t>
-            </a:r>
-          </a:p>
-          <a:p>
-            <a:r>
-              <a:rPr lang="en-US" dirty="0"/>
-              <a:t>Other, common k8s implementations?</a:t>
-            </a:r>
-          </a:p>
-        </p:txBody>
-      </p:sp>
-    </p:spTree>
-    <p:extLst>
-      <p:ext uri="{BB962C8B-B14F-4D97-AF65-F5344CB8AC3E}">
-        <p14:creationId xmlns:p14="http://schemas.microsoft.com/office/powerpoint/2010/main" val="197514350"/>
-      </p:ext>
-    </p:extLst>
-  </p:cSld>
-  <p:clrMapOvr>
-    <a:masterClrMapping/>
-  </p:clrMapOvr>
-</p:sld>
-</file>
-
-<file path=ppt/slides/slide7.xml><?xml version="1.0" encoding="utf-8"?>
-<p:sld xmlns:a="http://schemas.openxmlformats.org/drawingml/2006/main" xmlns:r="http://schemas.openxmlformats.org/officeDocument/2006/relationships" xmlns:p="http://schemas.openxmlformats.org/presentationml/2006/main">
-  <p:cSld>
-    <p:spTree>
-      <p:nvGrpSpPr>
-        <p:cNvPr id="1" name=""/>
-        <p:cNvGrpSpPr/>
-        <p:nvPr/>
-      </p:nvGrpSpPr>
-      <p:grpSpPr>
-        <a:xfrm>
-          <a:off x="0" y="0"/>
-          <a:ext cx="0" cy="0"/>
-          <a:chOff x="0" y="0"/>
-          <a:chExt cx="0" cy="0"/>
-        </a:xfrm>
-      </p:grpSpPr>
-      <p:sp>
-        <p:nvSpPr>
-          <p:cNvPr id="2" name="Title 1">
-            <a:extLst>
-              <a:ext uri="{FF2B5EF4-FFF2-40B4-BE49-F238E27FC236}">
-                <a16:creationId xmlns:a16="http://schemas.microsoft.com/office/drawing/2014/main" id="{33886FA7-003C-EC3F-92EF-C7C5AF4C27BE}"/>
-              </a:ext>
-            </a:extLst>
-          </p:cNvPr>
-          <p:cNvSpPr>
-            <a:spLocks noGrp="1"/>
-          </p:cNvSpPr>
-          <p:nvPr>
-            <p:ph type="title"/>
-          </p:nvPr>
-        </p:nvSpPr>
-        <p:spPr/>
-        <p:txBody>
-          <a:bodyPr/>
-          <a:lstStyle/>
-          <a:p>
-            <a:r>
-              <a:rPr lang="en-US" dirty="0"/>
-              <a:t>Deployment</a:t>
-            </a:r>
-          </a:p>
-        </p:txBody>
-      </p:sp>
-      <p:sp>
-        <p:nvSpPr>
-          <p:cNvPr id="4" name="TextBox 3">
-            <a:extLst>
-              <a:ext uri="{FF2B5EF4-FFF2-40B4-BE49-F238E27FC236}">
-                <a16:creationId xmlns:a16="http://schemas.microsoft.com/office/drawing/2014/main" id="{01D00F56-A18D-1396-3DF6-C2DFBA937E92}"/>
-              </a:ext>
-            </a:extLst>
-          </p:cNvPr>
-          <p:cNvSpPr txBox="1"/>
-          <p:nvPr/>
-        </p:nvSpPr>
-        <p:spPr>
-          <a:xfrm>
-            <a:off x="4236334" y="798653"/>
-            <a:ext cx="4182555" cy="5262979"/>
-          </a:xfrm>
-          <a:prstGeom prst="rect">
-            <a:avLst/>
-          </a:prstGeom>
-          <a:noFill/>
-          <a:ln>
-            <a:solidFill>
-              <a:schemeClr val="accent1">
-                <a:shade val="50000"/>
-              </a:schemeClr>
-            </a:solidFill>
-          </a:ln>
-        </p:spPr>
-        <p:txBody>
-          <a:bodyPr wrap="none" rtlCol="0">
-            <a:spAutoFit/>
-          </a:bodyPr>
-          <a:lstStyle/>
-          <a:p>
-            <a:r>
-              <a:rPr lang="en-US" sz="1200" dirty="0" err="1">
-                <a:latin typeface="Courier New" panose="02070309020205020404" pitchFamily="49" charset="0"/>
-                <a:cs typeface="Courier New" panose="02070309020205020404" pitchFamily="49" charset="0"/>
-              </a:rPr>
-              <a:t>apiVersion</a:t>
-            </a:r>
-            <a:r>
-              <a:rPr lang="en-US" sz="1200" dirty="0">
-                <a:latin typeface="Courier New" panose="02070309020205020404" pitchFamily="49" charset="0"/>
-                <a:cs typeface="Courier New" panose="02070309020205020404" pitchFamily="49" charset="0"/>
-              </a:rPr>
-              <a:t>: v1</a:t>
-            </a:r>
-          </a:p>
-          <a:p>
-            <a:r>
-              <a:rPr lang="en-US" sz="1200" dirty="0">
-                <a:latin typeface="Courier New" panose="02070309020205020404" pitchFamily="49" charset="0"/>
-                <a:cs typeface="Courier New" panose="02070309020205020404" pitchFamily="49" charset="0"/>
-              </a:rPr>
-              <a:t>kind: </a:t>
-            </a:r>
-            <a:r>
-              <a:rPr lang="en-US" sz="1200" dirty="0" err="1">
-                <a:latin typeface="Courier New" panose="02070309020205020404" pitchFamily="49" charset="0"/>
-                <a:cs typeface="Courier New" panose="02070309020205020404" pitchFamily="49" charset="0"/>
-              </a:rPr>
-              <a:t>ServiceAccount</a:t>
-            </a:r>
-            <a:endParaRPr lang="en-US" sz="1200" dirty="0">
-              <a:latin typeface="Courier New" panose="02070309020205020404" pitchFamily="49" charset="0"/>
-              <a:cs typeface="Courier New" panose="02070309020205020404" pitchFamily="49" charset="0"/>
-            </a:endParaRPr>
-          </a:p>
-          <a:p>
-            <a:r>
-              <a:rPr lang="en-US" sz="1200" dirty="0">
-                <a:latin typeface="Courier New" panose="02070309020205020404" pitchFamily="49" charset="0"/>
-                <a:cs typeface="Courier New" panose="02070309020205020404" pitchFamily="49" charset="0"/>
-              </a:rPr>
-              <a:t>metadata:</a:t>
-            </a:r>
-          </a:p>
-          <a:p>
-            <a:r>
-              <a:rPr lang="en-US" sz="1200" dirty="0">
-                <a:latin typeface="Courier New" panose="02070309020205020404" pitchFamily="49" charset="0"/>
-                <a:cs typeface="Courier New" panose="02070309020205020404" pitchFamily="49" charset="0"/>
-              </a:rPr>
-              <a:t>  name: client.app1</a:t>
-            </a:r>
-          </a:p>
-          <a:p>
-            <a:r>
-              <a:rPr lang="en-US" sz="1200" dirty="0">
-                <a:latin typeface="Courier New" panose="02070309020205020404" pitchFamily="49" charset="0"/>
-                <a:cs typeface="Courier New" panose="02070309020205020404" pitchFamily="49" charset="0"/>
-              </a:rPr>
-              <a:t>---</a:t>
-            </a:r>
-          </a:p>
-          <a:p>
-            <a:r>
-              <a:rPr lang="en-US" sz="1200" dirty="0" err="1">
-                <a:latin typeface="Courier New" panose="02070309020205020404" pitchFamily="49" charset="0"/>
-                <a:cs typeface="Courier New" panose="02070309020205020404" pitchFamily="49" charset="0"/>
-              </a:rPr>
-              <a:t>apiVersion</a:t>
-            </a:r>
-            <a:r>
-              <a:rPr lang="en-US" sz="1200" dirty="0">
-                <a:latin typeface="Courier New" panose="02070309020205020404" pitchFamily="49" charset="0"/>
-                <a:cs typeface="Courier New" panose="02070309020205020404" pitchFamily="49" charset="0"/>
-              </a:rPr>
-              <a:t>: apps/v1</a:t>
-            </a:r>
-          </a:p>
-          <a:p>
-            <a:r>
-              <a:rPr lang="en-US" sz="1200" dirty="0">
-                <a:latin typeface="Courier New" panose="02070309020205020404" pitchFamily="49" charset="0"/>
-                <a:cs typeface="Courier New" panose="02070309020205020404" pitchFamily="49" charset="0"/>
-              </a:rPr>
-              <a:t>kind: Deployment</a:t>
-            </a:r>
-          </a:p>
-          <a:p>
-            <a:r>
-              <a:rPr lang="en-US" sz="1200" dirty="0">
-                <a:latin typeface="Courier New" panose="02070309020205020404" pitchFamily="49" charset="0"/>
-                <a:cs typeface="Courier New" panose="02070309020205020404" pitchFamily="49" charset="0"/>
-              </a:rPr>
-              <a:t>metadata:</a:t>
-            </a:r>
-          </a:p>
-          <a:p>
-            <a:r>
-              <a:rPr lang="en-US" sz="1200" dirty="0">
-                <a:latin typeface="Courier New" panose="02070309020205020404" pitchFamily="49" charset="0"/>
-                <a:cs typeface="Courier New" panose="02070309020205020404" pitchFamily="49" charset="0"/>
-              </a:rPr>
-              <a:t>  …</a:t>
-            </a:r>
-          </a:p>
-          <a:p>
-            <a:r>
-              <a:rPr lang="en-US" sz="1200" dirty="0">
-                <a:latin typeface="Courier New" panose="02070309020205020404" pitchFamily="49" charset="0"/>
-                <a:cs typeface="Courier New" panose="02070309020205020404" pitchFamily="49" charset="0"/>
-              </a:rPr>
-              <a:t>spec:</a:t>
-            </a:r>
-          </a:p>
-          <a:p>
-            <a:r>
-              <a:rPr lang="en-US" sz="1200" dirty="0">
-                <a:latin typeface="Courier New" panose="02070309020205020404" pitchFamily="49" charset="0"/>
-                <a:cs typeface="Courier New" panose="02070309020205020404" pitchFamily="49" charset="0"/>
-              </a:rPr>
-              <a:t>    …</a:t>
-            </a:r>
-          </a:p>
-          <a:p>
-            <a:r>
-              <a:rPr lang="en-US" sz="1200" dirty="0">
-                <a:latin typeface="Courier New" panose="02070309020205020404" pitchFamily="49" charset="0"/>
-                <a:cs typeface="Courier New" panose="02070309020205020404" pitchFamily="49" charset="0"/>
-              </a:rPr>
-              <a:t>    spec:</a:t>
-            </a:r>
-          </a:p>
-          <a:p>
-            <a:r>
-              <a:rPr lang="en-US" sz="1200" dirty="0">
-                <a:latin typeface="Courier New" panose="02070309020205020404" pitchFamily="49" charset="0"/>
-                <a:cs typeface="Courier New" panose="02070309020205020404" pitchFamily="49" charset="0"/>
-              </a:rPr>
-              <a:t>      containers:</a:t>
-            </a:r>
-          </a:p>
-          <a:p>
-            <a:r>
-              <a:rPr lang="en-US" sz="1200" dirty="0">
-                <a:latin typeface="Courier New" panose="02070309020205020404" pitchFamily="49" charset="0"/>
-                <a:cs typeface="Courier New" panose="02070309020205020404" pitchFamily="49" charset="0"/>
-              </a:rPr>
-              <a:t>        - name: </a:t>
-            </a:r>
-            <a:r>
-              <a:rPr lang="en-US" sz="1200" dirty="0" err="1">
-                <a:latin typeface="Courier New" panose="02070309020205020404" pitchFamily="49" charset="0"/>
-                <a:cs typeface="Courier New" panose="02070309020205020404" pitchFamily="49" charset="0"/>
-              </a:rPr>
-              <a:t>api</a:t>
-            </a:r>
-            <a:r>
-              <a:rPr lang="en-US" sz="1200" dirty="0">
-                <a:latin typeface="Courier New" panose="02070309020205020404" pitchFamily="49" charset="0"/>
-                <a:cs typeface="Courier New" panose="02070309020205020404" pitchFamily="49" charset="0"/>
-              </a:rPr>
-              <a:t>-client</a:t>
-            </a:r>
-          </a:p>
-          <a:p>
-            <a:r>
-              <a:rPr lang="en-US" sz="1200" dirty="0">
-                <a:latin typeface="Courier New" panose="02070309020205020404" pitchFamily="49" charset="0"/>
-                <a:cs typeface="Courier New" panose="02070309020205020404" pitchFamily="49" charset="0"/>
-              </a:rPr>
-              <a:t> …</a:t>
-            </a:r>
-          </a:p>
-          <a:p>
-            <a:r>
-              <a:rPr lang="en-US" sz="1200" dirty="0">
-                <a:latin typeface="Courier New" panose="02070309020205020404" pitchFamily="49" charset="0"/>
-                <a:cs typeface="Courier New" panose="02070309020205020404" pitchFamily="49" charset="0"/>
-              </a:rPr>
-              <a:t> </a:t>
-            </a:r>
-            <a:r>
-              <a:rPr lang="en-US" sz="1200" dirty="0" err="1">
-                <a:latin typeface="Courier New" panose="02070309020205020404" pitchFamily="49" charset="0"/>
-                <a:cs typeface="Courier New" panose="02070309020205020404" pitchFamily="49" charset="0"/>
-              </a:rPr>
-              <a:t>volumeMounts</a:t>
-            </a:r>
-            <a:r>
-              <a:rPr lang="en-US" sz="1200" dirty="0">
-                <a:latin typeface="Courier New" panose="02070309020205020404" pitchFamily="49" charset="0"/>
-                <a:cs typeface="Courier New" panose="02070309020205020404" pitchFamily="49" charset="0"/>
-              </a:rPr>
-              <a:t>:</a:t>
-            </a:r>
-          </a:p>
-          <a:p>
-            <a:r>
-              <a:rPr lang="en-US" sz="1200" dirty="0">
-                <a:latin typeface="Courier New" panose="02070309020205020404" pitchFamily="49" charset="0"/>
-                <a:cs typeface="Courier New" panose="02070309020205020404" pitchFamily="49" charset="0"/>
-              </a:rPr>
-              <a:t> - name: token-vol</a:t>
-            </a:r>
-          </a:p>
-          <a:p>
-            <a:r>
-              <a:rPr lang="en-US" sz="1200" dirty="0">
-                <a:latin typeface="Courier New" panose="02070309020205020404" pitchFamily="49" charset="0"/>
-                <a:cs typeface="Courier New" panose="02070309020205020404" pitchFamily="49" charset="0"/>
-              </a:rPr>
-              <a:t>   </a:t>
-            </a:r>
-            <a:r>
-              <a:rPr lang="en-US" sz="1200" dirty="0" err="1">
-                <a:latin typeface="Courier New" panose="02070309020205020404" pitchFamily="49" charset="0"/>
-                <a:cs typeface="Courier New" panose="02070309020205020404" pitchFamily="49" charset="0"/>
-              </a:rPr>
-              <a:t>mountPath</a:t>
-            </a:r>
-            <a:r>
-              <a:rPr lang="en-US" sz="1200" dirty="0">
-                <a:latin typeface="Courier New" panose="02070309020205020404" pitchFamily="49" charset="0"/>
-                <a:cs typeface="Courier New" panose="02070309020205020404" pitchFamily="49" charset="0"/>
-              </a:rPr>
-              <a:t>: "/service-account"</a:t>
-            </a:r>
-          </a:p>
-          <a:p>
-            <a:r>
-              <a:rPr lang="en-US" sz="1200" dirty="0">
-                <a:latin typeface="Courier New" panose="02070309020205020404" pitchFamily="49" charset="0"/>
-                <a:cs typeface="Courier New" panose="02070309020205020404" pitchFamily="49" charset="0"/>
-              </a:rPr>
-              <a:t>   </a:t>
-            </a:r>
-            <a:r>
-              <a:rPr lang="en-US" sz="1200" dirty="0" err="1">
-                <a:latin typeface="Courier New" panose="02070309020205020404" pitchFamily="49" charset="0"/>
-                <a:cs typeface="Courier New" panose="02070309020205020404" pitchFamily="49" charset="0"/>
-              </a:rPr>
-              <a:t>readOnly</a:t>
-            </a:r>
-            <a:r>
-              <a:rPr lang="en-US" sz="1200" dirty="0">
-                <a:latin typeface="Courier New" panose="02070309020205020404" pitchFamily="49" charset="0"/>
-                <a:cs typeface="Courier New" panose="02070309020205020404" pitchFamily="49" charset="0"/>
-              </a:rPr>
-              <a:t>: true</a:t>
-            </a:r>
-          </a:p>
-          <a:p>
-            <a:r>
-              <a:rPr lang="en-US" sz="1200" dirty="0">
-                <a:latin typeface="Courier New" panose="02070309020205020404" pitchFamily="49" charset="0"/>
-                <a:cs typeface="Courier New" panose="02070309020205020404" pitchFamily="49" charset="0"/>
-              </a:rPr>
-              <a:t>      </a:t>
-            </a:r>
-            <a:r>
-              <a:rPr lang="en-US" sz="1200" dirty="0" err="1">
-                <a:latin typeface="Courier New" panose="02070309020205020404" pitchFamily="49" charset="0"/>
-                <a:cs typeface="Courier New" panose="02070309020205020404" pitchFamily="49" charset="0"/>
-              </a:rPr>
-              <a:t>serviceAccountName</a:t>
-            </a:r>
-            <a:r>
-              <a:rPr lang="en-US" sz="1200" dirty="0">
-                <a:latin typeface="Courier New" panose="02070309020205020404" pitchFamily="49" charset="0"/>
-                <a:cs typeface="Courier New" panose="02070309020205020404" pitchFamily="49" charset="0"/>
-              </a:rPr>
-              <a:t>: client.app1</a:t>
-            </a:r>
-          </a:p>
-          <a:p>
-            <a:r>
-              <a:rPr lang="en-US" sz="1200" dirty="0">
-                <a:latin typeface="Courier New" panose="02070309020205020404" pitchFamily="49" charset="0"/>
-                <a:cs typeface="Courier New" panose="02070309020205020404" pitchFamily="49" charset="0"/>
-              </a:rPr>
-              <a:t>      volumes:</a:t>
-            </a:r>
-          </a:p>
-          <a:p>
-            <a:r>
-              <a:rPr lang="en-US" sz="1200" dirty="0">
-                <a:latin typeface="Courier New" panose="02070309020205020404" pitchFamily="49" charset="0"/>
-                <a:cs typeface="Courier New" panose="02070309020205020404" pitchFamily="49" charset="0"/>
-              </a:rPr>
-              <a:t>      - name: token-vol</a:t>
-            </a:r>
-          </a:p>
-          <a:p>
-            <a:r>
-              <a:rPr lang="en-US" sz="1200" dirty="0">
-                <a:latin typeface="Courier New" panose="02070309020205020404" pitchFamily="49" charset="0"/>
-                <a:cs typeface="Courier New" panose="02070309020205020404" pitchFamily="49" charset="0"/>
-              </a:rPr>
-              <a:t>        projected:</a:t>
-            </a:r>
-          </a:p>
-          <a:p>
-            <a:r>
-              <a:rPr lang="en-US" sz="1200" dirty="0">
-                <a:latin typeface="Courier New" panose="02070309020205020404" pitchFamily="49" charset="0"/>
-                <a:cs typeface="Courier New" panose="02070309020205020404" pitchFamily="49" charset="0"/>
-              </a:rPr>
-              <a:t> sources:</a:t>
-            </a:r>
-          </a:p>
-          <a:p>
-            <a:r>
-              <a:rPr lang="en-US" sz="1200" dirty="0">
-                <a:latin typeface="Courier New" panose="02070309020205020404" pitchFamily="49" charset="0"/>
-                <a:cs typeface="Courier New" panose="02070309020205020404" pitchFamily="49" charset="0"/>
-              </a:rPr>
-              <a:t> - </a:t>
-            </a:r>
-            <a:r>
-              <a:rPr lang="en-US" sz="1200" dirty="0" err="1">
-                <a:latin typeface="Courier New" panose="02070309020205020404" pitchFamily="49" charset="0"/>
-                <a:cs typeface="Courier New" panose="02070309020205020404" pitchFamily="49" charset="0"/>
-              </a:rPr>
-              <a:t>serviceAccountToken</a:t>
-            </a:r>
-            <a:r>
-              <a:rPr lang="en-US" sz="1200" dirty="0">
-                <a:latin typeface="Courier New" panose="02070309020205020404" pitchFamily="49" charset="0"/>
-                <a:cs typeface="Courier New" panose="02070309020205020404" pitchFamily="49" charset="0"/>
-              </a:rPr>
-              <a:t>:</a:t>
-            </a:r>
-          </a:p>
-          <a:p>
-            <a:r>
-              <a:rPr lang="en-US" sz="1200" dirty="0">
-                <a:latin typeface="Courier New" panose="02070309020205020404" pitchFamily="49" charset="0"/>
-                <a:cs typeface="Courier New" panose="02070309020205020404" pitchFamily="49" charset="0"/>
-              </a:rPr>
-              <a:t>     audience: "</a:t>
-            </a:r>
-            <a:r>
-              <a:rPr lang="en-US" sz="1200" dirty="0" err="1">
-                <a:latin typeface="Courier New" panose="02070309020205020404" pitchFamily="49" charset="0"/>
-                <a:cs typeface="Courier New" panose="02070309020205020404" pitchFamily="49" charset="0"/>
-              </a:rPr>
-              <a:t>api</a:t>
-            </a:r>
-            <a:r>
-              <a:rPr lang="en-US" sz="1200" dirty="0">
-                <a:latin typeface="Courier New" panose="02070309020205020404" pitchFamily="49" charset="0"/>
-                <a:cs typeface="Courier New" panose="02070309020205020404" pitchFamily="49" charset="0"/>
-              </a:rPr>
-              <a:t>://</a:t>
-            </a:r>
-            <a:r>
-              <a:rPr lang="en-US" sz="1200" dirty="0" err="1">
-                <a:latin typeface="Courier New" panose="02070309020205020404" pitchFamily="49" charset="0"/>
-                <a:cs typeface="Courier New" panose="02070309020205020404" pitchFamily="49" charset="0"/>
-              </a:rPr>
-              <a:t>AzureADTokenExchange</a:t>
-            </a:r>
-            <a:r>
-              <a:rPr lang="en-US" sz="1200" dirty="0">
-                <a:latin typeface="Courier New" panose="02070309020205020404" pitchFamily="49" charset="0"/>
-                <a:cs typeface="Courier New" panose="02070309020205020404" pitchFamily="49" charset="0"/>
-              </a:rPr>
-              <a:t>"</a:t>
-            </a:r>
-          </a:p>
-          <a:p>
-            <a:r>
-              <a:rPr lang="en-US" sz="1200" dirty="0">
-                <a:latin typeface="Courier New" panose="02070309020205020404" pitchFamily="49" charset="0"/>
-                <a:cs typeface="Courier New" panose="02070309020205020404" pitchFamily="49" charset="0"/>
-              </a:rPr>
-              <a:t>     </a:t>
-            </a:r>
-            <a:r>
-              <a:rPr lang="en-US" sz="1200" dirty="0" err="1">
-                <a:latin typeface="Courier New" panose="02070309020205020404" pitchFamily="49" charset="0"/>
-                <a:cs typeface="Courier New" panose="02070309020205020404" pitchFamily="49" charset="0"/>
-              </a:rPr>
-              <a:t>expirationSeconds</a:t>
-            </a:r>
-            <a:r>
-              <a:rPr lang="en-US" sz="1200" dirty="0">
-                <a:latin typeface="Courier New" panose="02070309020205020404" pitchFamily="49" charset="0"/>
-                <a:cs typeface="Courier New" panose="02070309020205020404" pitchFamily="49" charset="0"/>
-              </a:rPr>
-              <a:t>: 3600</a:t>
-            </a:r>
-          </a:p>
-          <a:p>
-            <a:r>
-              <a:rPr lang="en-US" sz="1200" dirty="0">
-                <a:latin typeface="Courier New" panose="02070309020205020404" pitchFamily="49" charset="0"/>
-                <a:cs typeface="Courier New" panose="02070309020205020404" pitchFamily="49" charset="0"/>
-              </a:rPr>
-              <a:t>     path: token</a:t>
-            </a:r>
-          </a:p>
-        </p:txBody>
-      </p:sp>
-      <p:sp>
-        <p:nvSpPr>
-          <p:cNvPr id="5" name="Speech Bubble: Rectangle with Corners Rounded 4">
-            <a:extLst>
-              <a:ext uri="{FF2B5EF4-FFF2-40B4-BE49-F238E27FC236}">
-                <a16:creationId xmlns:a16="http://schemas.microsoft.com/office/drawing/2014/main" id="{E2D6614D-DF0E-1B0A-2C55-29F2773F69EE}"/>
-              </a:ext>
-            </a:extLst>
-          </p:cNvPr>
-          <p:cNvSpPr/>
-          <p:nvPr/>
-        </p:nvSpPr>
-        <p:spPr>
-          <a:xfrm>
-            <a:off x="986664" y="1690688"/>
-            <a:ext cx="1713053" cy="1209556"/>
-          </a:xfrm>
-          <a:prstGeom prst="wedgeRoundRectCallout">
-            <a:avLst>
-              <a:gd name="adj1" fmla="val 174438"/>
-              <a:gd name="adj2" fmla="val 167763"/>
-              <a:gd name="adj3" fmla="val 16667"/>
-            </a:avLst>
-          </a:prstGeom>
-        </p:spPr>
-        <p:style>
-          <a:lnRef idx="2">
-            <a:schemeClr val="accent1">
-              <a:shade val="50000"/>
-            </a:schemeClr>
-          </a:lnRef>
-          <a:fillRef idx="1">
-            <a:schemeClr val="accent1"/>
-          </a:fillRef>
-          <a:effectRef idx="0">
-            <a:schemeClr val="accent1"/>
-          </a:effectRef>
-          <a:fontRef idx="minor">
-            <a:schemeClr val="lt1"/>
-          </a:fontRef>
-        </p:style>
-        <p:txBody>
-          <a:bodyPr rtlCol="0" anchor="ctr"/>
-          <a:lstStyle/>
-          <a:p>
-            <a:pPr algn="ctr"/>
-            <a:r>
-              <a:rPr lang="en-US" dirty="0"/>
-              <a:t>Associate a service account to pod</a:t>
-            </a:r>
-          </a:p>
-        </p:txBody>
-      </p:sp>
-      <p:sp>
-        <p:nvSpPr>
-          <p:cNvPr id="6" name="Speech Bubble: Rectangle with Corners Rounded 5">
-            <a:extLst>
-              <a:ext uri="{FF2B5EF4-FFF2-40B4-BE49-F238E27FC236}">
-                <a16:creationId xmlns:a16="http://schemas.microsoft.com/office/drawing/2014/main" id="{ABAF99F8-47FC-2DB5-921E-838E463A510A}"/>
-              </a:ext>
-            </a:extLst>
-          </p:cNvPr>
-          <p:cNvSpPr/>
-          <p:nvPr/>
-        </p:nvSpPr>
-        <p:spPr>
-          <a:xfrm>
-            <a:off x="9640747" y="1942437"/>
-            <a:ext cx="1713053" cy="1209556"/>
-          </a:xfrm>
-          <a:prstGeom prst="wedgeRoundRectCallout">
-            <a:avLst>
-              <a:gd name="adj1" fmla="val -238400"/>
-              <a:gd name="adj2" fmla="val 93122"/>
-              <a:gd name="adj3" fmla="val 16667"/>
-            </a:avLst>
-          </a:prstGeom>
-        </p:spPr>
-        <p:style>
-          <a:lnRef idx="2">
-            <a:schemeClr val="accent1">
-              <a:shade val="50000"/>
-            </a:schemeClr>
-          </a:lnRef>
-          <a:fillRef idx="1">
-            <a:schemeClr val="accent1"/>
-          </a:fillRef>
-          <a:effectRef idx="0">
-            <a:schemeClr val="accent1"/>
-          </a:effectRef>
-          <a:fontRef idx="minor">
-            <a:schemeClr val="lt1"/>
-          </a:fontRef>
-        </p:style>
-        <p:txBody>
-          <a:bodyPr rtlCol="0" anchor="ctr"/>
-          <a:lstStyle/>
-          <a:p>
-            <a:pPr algn="ctr"/>
-            <a:r>
-              <a:rPr lang="en-US" dirty="0"/>
-              <a:t>Provide token to app code</a:t>
-            </a:r>
-          </a:p>
-        </p:txBody>
-      </p:sp>
-      <p:sp>
-        <p:nvSpPr>
-          <p:cNvPr id="7" name="Speech Bubble: Rectangle with Corners Rounded 6">
-            <a:extLst>
-              <a:ext uri="{FF2B5EF4-FFF2-40B4-BE49-F238E27FC236}">
-                <a16:creationId xmlns:a16="http://schemas.microsoft.com/office/drawing/2014/main" id="{8188C2D2-14D4-CCC6-2436-B1E279B02061}"/>
-              </a:ext>
-            </a:extLst>
-          </p:cNvPr>
-          <p:cNvSpPr/>
-          <p:nvPr/>
-        </p:nvSpPr>
-        <p:spPr>
-          <a:xfrm>
-            <a:off x="9756494" y="4130052"/>
-            <a:ext cx="1713053" cy="1209556"/>
-          </a:xfrm>
-          <a:prstGeom prst="wedgeRoundRectCallout">
-            <a:avLst>
-              <a:gd name="adj1" fmla="val -193130"/>
-              <a:gd name="adj2" fmla="val 49102"/>
-              <a:gd name="adj3" fmla="val 16667"/>
-            </a:avLst>
-          </a:prstGeom>
-        </p:spPr>
-        <p:style>
-          <a:lnRef idx="2">
-            <a:schemeClr val="accent1">
-              <a:shade val="50000"/>
-            </a:schemeClr>
-          </a:lnRef>
-          <a:fillRef idx="1">
-            <a:schemeClr val="accent1"/>
-          </a:fillRef>
-          <a:effectRef idx="0">
-            <a:schemeClr val="accent1"/>
-          </a:effectRef>
-          <a:fontRef idx="minor">
-            <a:schemeClr val="lt1"/>
-          </a:fontRef>
-        </p:style>
-        <p:txBody>
-          <a:bodyPr rtlCol="0" anchor="ctr"/>
-          <a:lstStyle/>
-          <a:p>
-            <a:pPr algn="ctr"/>
-            <a:r>
-              <a:rPr lang="en-US" dirty="0"/>
-              <a:t>Configure token</a:t>
-            </a:r>
-          </a:p>
-        </p:txBody>
-      </p:sp>
-      <p:sp>
-        <p:nvSpPr>
-          <p:cNvPr id="8" name="Speech Bubble: Rectangle with Corners Rounded 7">
-            <a:extLst>
-              <a:ext uri="{FF2B5EF4-FFF2-40B4-BE49-F238E27FC236}">
-                <a16:creationId xmlns:a16="http://schemas.microsoft.com/office/drawing/2014/main" id="{242EDFD2-DB77-8490-0C17-D87938770EC5}"/>
-              </a:ext>
-            </a:extLst>
-          </p:cNvPr>
-          <p:cNvSpPr/>
-          <p:nvPr/>
-        </p:nvSpPr>
-        <p:spPr>
-          <a:xfrm>
-            <a:off x="986664" y="1690688"/>
-            <a:ext cx="1713053" cy="1209556"/>
-          </a:xfrm>
-          <a:prstGeom prst="wedgeRoundRectCallout">
-            <a:avLst>
-              <a:gd name="adj1" fmla="val 150789"/>
-              <a:gd name="adj2" fmla="val -88696"/>
-              <a:gd name="adj3" fmla="val 16667"/>
-            </a:avLst>
-          </a:prstGeom>
-        </p:spPr>
-        <p:style>
-          <a:lnRef idx="2">
-            <a:schemeClr val="accent1">
-              <a:shade val="50000"/>
-            </a:schemeClr>
-          </a:lnRef>
-          <a:fillRef idx="1">
-            <a:schemeClr val="accent1"/>
-          </a:fillRef>
-          <a:effectRef idx="0">
-            <a:schemeClr val="accent1"/>
-          </a:effectRef>
-          <a:fontRef idx="minor">
-            <a:schemeClr val="lt1"/>
-          </a:fontRef>
-        </p:style>
-        <p:txBody>
-          <a:bodyPr rtlCol="0" anchor="ctr"/>
-          <a:lstStyle/>
-          <a:p>
-            <a:pPr algn="ctr"/>
-            <a:r>
-              <a:rPr lang="en-US" dirty="0"/>
-              <a:t>Associate a service account to pod</a:t>
-            </a:r>
-          </a:p>
-        </p:txBody>
-      </p:sp>
-    </p:spTree>
-    <p:extLst>
-      <p:ext uri="{BB962C8B-B14F-4D97-AF65-F5344CB8AC3E}">
-        <p14:creationId xmlns:p14="http://schemas.microsoft.com/office/powerpoint/2010/main" val="3327896021"/>
-      </p:ext>
-    </p:extLst>
-  </p:cSld>
-  <p:clrMapOvr>
-    <a:masterClrMapping/>
-  </p:clrMapOvr>
-</p:sld>
-</file>
-
-<file path=ppt/slides/slide8.xml><?xml version="1.0" encoding="utf-8"?>
-<p:sld xmlns:a="http://schemas.openxmlformats.org/drawingml/2006/main" xmlns:r="http://schemas.openxmlformats.org/officeDocument/2006/relationships" xmlns:p="http://schemas.openxmlformats.org/presentationml/2006/main">
-  <p:cSld>
-    <p:spTree>
-      <p:nvGrpSpPr>
-        <p:cNvPr id="1" name=""/>
-        <p:cNvGrpSpPr/>
-        <p:nvPr/>
-      </p:nvGrpSpPr>
-      <p:grpSpPr>
-        <a:xfrm>
-          <a:off x="0" y="0"/>
-          <a:ext cx="0" cy="0"/>
-          <a:chOff x="0" y="0"/>
-          <a:chExt cx="0" cy="0"/>
-        </a:xfrm>
-      </p:grpSpPr>
-      <p:sp>
-        <p:nvSpPr>
-          <p:cNvPr id="2" name="Title 1">
-            <a:extLst>
-              <a:ext uri="{FF2B5EF4-FFF2-40B4-BE49-F238E27FC236}">
                 <a16:creationId xmlns:a16="http://schemas.microsoft.com/office/drawing/2014/main" id="{F5455867-293D-DD90-6676-611D85E4383B}"/>
               </a:ext>
             </a:extLst>
@@ -7104,6 +4733,2832 @@
 </p:sld>
 </file>
 
+<file path=ppt/slides/slide11.xml><?xml version="1.0" encoding="utf-8"?>
+<p:sld xmlns:a="http://schemas.openxmlformats.org/drawingml/2006/main" xmlns:r="http://schemas.openxmlformats.org/officeDocument/2006/relationships" xmlns:p="http://schemas.openxmlformats.org/presentationml/2006/main">
+  <p:cSld>
+    <p:spTree>
+      <p:nvGrpSpPr>
+        <p:cNvPr id="1" name=""/>
+        <p:cNvGrpSpPr/>
+        <p:nvPr/>
+      </p:nvGrpSpPr>
+      <p:grpSpPr>
+        <a:xfrm>
+          <a:off x="0" y="0"/>
+          <a:ext cx="0" cy="0"/>
+          <a:chOff x="0" y="0"/>
+          <a:chExt cx="0" cy="0"/>
+        </a:xfrm>
+      </p:grpSpPr>
+      <p:sp>
+        <p:nvSpPr>
+          <p:cNvPr id="2" name="Title 1">
+            <a:extLst>
+              <a:ext uri="{FF2B5EF4-FFF2-40B4-BE49-F238E27FC236}">
+                <a16:creationId xmlns:a16="http://schemas.microsoft.com/office/drawing/2014/main" id="{04E15E0D-189C-B3F6-F4E7-BA43F3D5CD50}"/>
+              </a:ext>
+            </a:extLst>
+          </p:cNvPr>
+          <p:cNvSpPr>
+            <a:spLocks noGrp="1"/>
+          </p:cNvSpPr>
+          <p:nvPr>
+            <p:ph type="title"/>
+          </p:nvPr>
+        </p:nvSpPr>
+        <p:spPr/>
+        <p:txBody>
+          <a:bodyPr/>
+          <a:lstStyle/>
+          <a:p>
+            <a:r>
+              <a:rPr lang="en-US" dirty="0"/>
+              <a:t>Application code</a:t>
+            </a:r>
+          </a:p>
+        </p:txBody>
+      </p:sp>
+      <p:sp>
+        <p:nvSpPr>
+          <p:cNvPr id="4" name="TextBox 3">
+            <a:extLst>
+              <a:ext uri="{FF2B5EF4-FFF2-40B4-BE49-F238E27FC236}">
+                <a16:creationId xmlns:a16="http://schemas.microsoft.com/office/drawing/2014/main" id="{4A13DAA5-E1E5-F130-C991-FDAC89E90640}"/>
+              </a:ext>
+            </a:extLst>
+          </p:cNvPr>
+          <p:cNvSpPr txBox="1"/>
+          <p:nvPr/>
+        </p:nvSpPr>
+        <p:spPr>
+          <a:xfrm>
+            <a:off x="838200" y="1414562"/>
+            <a:ext cx="9946954" cy="5447645"/>
+          </a:xfrm>
+          <a:prstGeom prst="rect">
+            <a:avLst/>
+          </a:prstGeom>
+          <a:noFill/>
+          <a:ln>
+            <a:solidFill>
+              <a:schemeClr val="accent1">
+                <a:shade val="50000"/>
+              </a:schemeClr>
+            </a:solidFill>
+          </a:ln>
+        </p:spPr>
+        <p:txBody>
+          <a:bodyPr wrap="none" rtlCol="0">
+            <a:spAutoFit/>
+          </a:bodyPr>
+          <a:lstStyle/>
+          <a:p>
+            <a:r>
+              <a:rPr lang="en-US" sz="1200" dirty="0">
+                <a:latin typeface="Courier New" panose="02070309020205020404" pitchFamily="49" charset="0"/>
+                <a:cs typeface="Courier New" panose="02070309020205020404" pitchFamily="49" charset="0"/>
+              </a:rPr>
+              <a:t>string k8sToken = </a:t>
+            </a:r>
+            <a:r>
+              <a:rPr lang="en-US" sz="1200" dirty="0" err="1">
+                <a:latin typeface="Courier New" panose="02070309020205020404" pitchFamily="49" charset="0"/>
+                <a:cs typeface="Courier New" panose="02070309020205020404" pitchFamily="49" charset="0"/>
+              </a:rPr>
+              <a:t>String.Empty</a:t>
+            </a:r>
+            <a:r>
+              <a:rPr lang="en-US" sz="1200" dirty="0">
+                <a:latin typeface="Courier New" panose="02070309020205020404" pitchFamily="49" charset="0"/>
+                <a:cs typeface="Courier New" panose="02070309020205020404" pitchFamily="49" charset="0"/>
+              </a:rPr>
+              <a:t>;</a:t>
+            </a:r>
+          </a:p>
+          <a:p>
+            <a:r>
+              <a:rPr lang="en-US" sz="1200" dirty="0">
+                <a:latin typeface="Courier New" panose="02070309020205020404" pitchFamily="49" charset="0"/>
+                <a:cs typeface="Courier New" panose="02070309020205020404" pitchFamily="49" charset="0"/>
+              </a:rPr>
+              <a:t>try</a:t>
+            </a:r>
+          </a:p>
+          <a:p>
+            <a:r>
+              <a:rPr lang="en-US" sz="1200" dirty="0">
+                <a:latin typeface="Courier New" panose="02070309020205020404" pitchFamily="49" charset="0"/>
+                <a:cs typeface="Courier New" panose="02070309020205020404" pitchFamily="49" charset="0"/>
+              </a:rPr>
+              <a:t>{</a:t>
+            </a:r>
+          </a:p>
+          <a:p>
+            <a:r>
+              <a:rPr lang="en-US" sz="1200" dirty="0">
+                <a:latin typeface="Courier New" panose="02070309020205020404" pitchFamily="49" charset="0"/>
+                <a:cs typeface="Courier New" panose="02070309020205020404" pitchFamily="49" charset="0"/>
+              </a:rPr>
+              <a:t>   using (var </a:t>
+            </a:r>
+            <a:r>
+              <a:rPr lang="en-US" sz="1200" dirty="0" err="1">
+                <a:latin typeface="Courier New" panose="02070309020205020404" pitchFamily="49" charset="0"/>
+                <a:cs typeface="Courier New" panose="02070309020205020404" pitchFamily="49" charset="0"/>
+              </a:rPr>
+              <a:t>sr</a:t>
+            </a:r>
+            <a:r>
+              <a:rPr lang="en-US" sz="1200" dirty="0">
+                <a:latin typeface="Courier New" panose="02070309020205020404" pitchFamily="49" charset="0"/>
+                <a:cs typeface="Courier New" panose="02070309020205020404" pitchFamily="49" charset="0"/>
+              </a:rPr>
+              <a:t> = new </a:t>
+            </a:r>
+            <a:r>
+              <a:rPr lang="en-US" sz="1200" dirty="0" err="1">
+                <a:latin typeface="Courier New" panose="02070309020205020404" pitchFamily="49" charset="0"/>
+                <a:cs typeface="Courier New" panose="02070309020205020404" pitchFamily="49" charset="0"/>
+              </a:rPr>
+              <a:t>StreamReader</a:t>
+            </a:r>
+            <a:r>
+              <a:rPr lang="en-US" sz="1200" dirty="0">
+                <a:latin typeface="Courier New" panose="02070309020205020404" pitchFamily="49" charset="0"/>
+                <a:cs typeface="Courier New" panose="02070309020205020404" pitchFamily="49" charset="0"/>
+              </a:rPr>
+              <a:t>("/service-account/token"))</a:t>
+            </a:r>
+          </a:p>
+          <a:p>
+            <a:r>
+              <a:rPr lang="en-US" sz="1200" dirty="0">
+                <a:latin typeface="Courier New" panose="02070309020205020404" pitchFamily="49" charset="0"/>
+                <a:cs typeface="Courier New" panose="02070309020205020404" pitchFamily="49" charset="0"/>
+              </a:rPr>
+              <a:t>   {</a:t>
+            </a:r>
+          </a:p>
+          <a:p>
+            <a:r>
+              <a:rPr lang="en-US" sz="1200" dirty="0">
+                <a:latin typeface="Courier New" panose="02070309020205020404" pitchFamily="49" charset="0"/>
+                <a:cs typeface="Courier New" panose="02070309020205020404" pitchFamily="49" charset="0"/>
+              </a:rPr>
+              <a:t>      k8sToken = await </a:t>
+            </a:r>
+            <a:r>
+              <a:rPr lang="en-US" sz="1200" dirty="0" err="1">
+                <a:latin typeface="Courier New" panose="02070309020205020404" pitchFamily="49" charset="0"/>
+                <a:cs typeface="Courier New" panose="02070309020205020404" pitchFamily="49" charset="0"/>
+              </a:rPr>
+              <a:t>sr.ReadToEndAsync</a:t>
+            </a:r>
+            <a:r>
+              <a:rPr lang="en-US" sz="1200" dirty="0">
+                <a:latin typeface="Courier New" panose="02070309020205020404" pitchFamily="49" charset="0"/>
+                <a:cs typeface="Courier New" panose="02070309020205020404" pitchFamily="49" charset="0"/>
+              </a:rPr>
+              <a:t>();</a:t>
+            </a:r>
+          </a:p>
+          <a:p>
+            <a:r>
+              <a:rPr lang="en-US" sz="1200" dirty="0">
+                <a:latin typeface="Courier New" panose="02070309020205020404" pitchFamily="49" charset="0"/>
+                <a:cs typeface="Courier New" panose="02070309020205020404" pitchFamily="49" charset="0"/>
+              </a:rPr>
+              <a:t>   }</a:t>
+            </a:r>
+          </a:p>
+          <a:p>
+            <a:r>
+              <a:rPr lang="en-US" sz="1200" dirty="0">
+                <a:latin typeface="Courier New" panose="02070309020205020404" pitchFamily="49" charset="0"/>
+                <a:cs typeface="Courier New" panose="02070309020205020404" pitchFamily="49" charset="0"/>
+              </a:rPr>
+              <a:t>} catch(Exception ex)</a:t>
+            </a:r>
+          </a:p>
+          <a:p>
+            <a:r>
+              <a:rPr lang="en-US" sz="1200" dirty="0">
+                <a:latin typeface="Courier New" panose="02070309020205020404" pitchFamily="49" charset="0"/>
+                <a:cs typeface="Courier New" panose="02070309020205020404" pitchFamily="49" charset="0"/>
+              </a:rPr>
+              <a:t>{</a:t>
+            </a:r>
+          </a:p>
+          <a:p>
+            <a:r>
+              <a:rPr lang="en-US" sz="1200" dirty="0">
+                <a:latin typeface="Courier New" panose="02070309020205020404" pitchFamily="49" charset="0"/>
+                <a:cs typeface="Courier New" panose="02070309020205020404" pitchFamily="49" charset="0"/>
+              </a:rPr>
+              <a:t>   _</a:t>
+            </a:r>
+            <a:r>
+              <a:rPr lang="en-US" sz="1200" dirty="0" err="1">
+                <a:latin typeface="Courier New" panose="02070309020205020404" pitchFamily="49" charset="0"/>
+                <a:cs typeface="Courier New" panose="02070309020205020404" pitchFamily="49" charset="0"/>
+              </a:rPr>
+              <a:t>logger.LogError</a:t>
+            </a:r>
+            <a:r>
+              <a:rPr lang="en-US" sz="1200" dirty="0">
+                <a:latin typeface="Courier New" panose="02070309020205020404" pitchFamily="49" charset="0"/>
+                <a:cs typeface="Courier New" panose="02070309020205020404" pitchFamily="49" charset="0"/>
+              </a:rPr>
+              <a:t>(</a:t>
+            </a:r>
+            <a:r>
+              <a:rPr lang="en-US" sz="1200" dirty="0" err="1">
+                <a:latin typeface="Courier New" panose="02070309020205020404" pitchFamily="49" charset="0"/>
+                <a:cs typeface="Courier New" panose="02070309020205020404" pitchFamily="49" charset="0"/>
+              </a:rPr>
+              <a:t>ex.Message</a:t>
+            </a:r>
+            <a:r>
+              <a:rPr lang="en-US" sz="1200" dirty="0">
+                <a:latin typeface="Courier New" panose="02070309020205020404" pitchFamily="49" charset="0"/>
+                <a:cs typeface="Courier New" panose="02070309020205020404" pitchFamily="49" charset="0"/>
+              </a:rPr>
+              <a:t>);</a:t>
+            </a:r>
+          </a:p>
+          <a:p>
+            <a:r>
+              <a:rPr lang="en-US" sz="1200" dirty="0">
+                <a:latin typeface="Courier New" panose="02070309020205020404" pitchFamily="49" charset="0"/>
+                <a:cs typeface="Courier New" panose="02070309020205020404" pitchFamily="49" charset="0"/>
+              </a:rPr>
+              <a:t>}</a:t>
+            </a:r>
+          </a:p>
+          <a:p>
+            <a:r>
+              <a:rPr lang="en-US" sz="1200" dirty="0">
+                <a:latin typeface="Courier New" panose="02070309020205020404" pitchFamily="49" charset="0"/>
+                <a:cs typeface="Courier New" panose="02070309020205020404" pitchFamily="49" charset="0"/>
+              </a:rPr>
+              <a:t>if(!</a:t>
+            </a:r>
+            <a:r>
+              <a:rPr lang="en-US" sz="1200" dirty="0" err="1">
+                <a:latin typeface="Courier New" panose="02070309020205020404" pitchFamily="49" charset="0"/>
+                <a:cs typeface="Courier New" panose="02070309020205020404" pitchFamily="49" charset="0"/>
+              </a:rPr>
+              <a:t>string.IsNullOrEmpty</a:t>
+            </a:r>
+            <a:r>
+              <a:rPr lang="en-US" sz="1200" dirty="0">
+                <a:latin typeface="Courier New" panose="02070309020205020404" pitchFamily="49" charset="0"/>
+                <a:cs typeface="Courier New" panose="02070309020205020404" pitchFamily="49" charset="0"/>
+              </a:rPr>
+              <a:t>(k8sToken))</a:t>
+            </a:r>
+          </a:p>
+          <a:p>
+            <a:r>
+              <a:rPr lang="en-US" sz="1200" dirty="0">
+                <a:latin typeface="Courier New" panose="02070309020205020404" pitchFamily="49" charset="0"/>
+                <a:cs typeface="Courier New" panose="02070309020205020404" pitchFamily="49" charset="0"/>
+              </a:rPr>
+              <a:t>{</a:t>
+            </a:r>
+          </a:p>
+          <a:p>
+            <a:r>
+              <a:rPr lang="en-US" sz="1200" dirty="0">
+                <a:latin typeface="Courier New" panose="02070309020205020404" pitchFamily="49" charset="0"/>
+                <a:cs typeface="Courier New" panose="02070309020205020404" pitchFamily="49" charset="0"/>
+              </a:rPr>
+              <a:t>   var </a:t>
+            </a:r>
+            <a:r>
+              <a:rPr lang="en-US" sz="1200" dirty="0" err="1">
+                <a:latin typeface="Courier New" panose="02070309020205020404" pitchFamily="49" charset="0"/>
+                <a:cs typeface="Courier New" panose="02070309020205020404" pitchFamily="49" charset="0"/>
+              </a:rPr>
+              <a:t>msal</a:t>
+            </a:r>
+            <a:r>
+              <a:rPr lang="en-US" sz="1200" dirty="0">
+                <a:latin typeface="Courier New" panose="02070309020205020404" pitchFamily="49" charset="0"/>
+                <a:cs typeface="Courier New" panose="02070309020205020404" pitchFamily="49" charset="0"/>
+              </a:rPr>
+              <a:t> = </a:t>
+            </a:r>
+            <a:r>
+              <a:rPr lang="en-US" sz="1200" dirty="0" err="1">
+                <a:latin typeface="Courier New" panose="02070309020205020404" pitchFamily="49" charset="0"/>
+                <a:cs typeface="Courier New" panose="02070309020205020404" pitchFamily="49" charset="0"/>
+              </a:rPr>
+              <a:t>ConfidentialClientApplicationBuilder</a:t>
+            </a:r>
+            <a:endParaRPr lang="en-US" sz="1200" dirty="0">
+              <a:latin typeface="Courier New" panose="02070309020205020404" pitchFamily="49" charset="0"/>
+              <a:cs typeface="Courier New" panose="02070309020205020404" pitchFamily="49" charset="0"/>
+            </a:endParaRPr>
+          </a:p>
+          <a:p>
+            <a:r>
+              <a:rPr lang="en-US" sz="1200" dirty="0">
+                <a:latin typeface="Courier New" panose="02070309020205020404" pitchFamily="49" charset="0"/>
+                <a:cs typeface="Courier New" panose="02070309020205020404" pitchFamily="49" charset="0"/>
+              </a:rPr>
+              <a:t>     .Create(_</a:t>
+            </a:r>
+            <a:r>
+              <a:rPr lang="en-US" sz="1200" dirty="0" err="1">
+                <a:latin typeface="Courier New" panose="02070309020205020404" pitchFamily="49" charset="0"/>
+                <a:cs typeface="Courier New" panose="02070309020205020404" pitchFamily="49" charset="0"/>
+              </a:rPr>
+              <a:t>clientId</a:t>
+            </a:r>
+            <a:r>
+              <a:rPr lang="en-US" sz="1200" dirty="0">
+                <a:latin typeface="Courier New" panose="02070309020205020404" pitchFamily="49" charset="0"/>
+                <a:cs typeface="Courier New" panose="02070309020205020404" pitchFamily="49" charset="0"/>
+              </a:rPr>
+              <a:t>)</a:t>
+            </a:r>
+          </a:p>
+          <a:p>
+            <a:r>
+              <a:rPr lang="en-US" sz="1200" dirty="0">
+                <a:latin typeface="Courier New" panose="02070309020205020404" pitchFamily="49" charset="0"/>
+                <a:cs typeface="Courier New" panose="02070309020205020404" pitchFamily="49" charset="0"/>
+              </a:rPr>
+              <a:t>     .</a:t>
+            </a:r>
+            <a:r>
+              <a:rPr lang="en-US" sz="1200" dirty="0" err="1">
+                <a:latin typeface="Courier New" panose="02070309020205020404" pitchFamily="49" charset="0"/>
+                <a:cs typeface="Courier New" panose="02070309020205020404" pitchFamily="49" charset="0"/>
+              </a:rPr>
+              <a:t>WithAuthority</a:t>
+            </a:r>
+            <a:r>
+              <a:rPr lang="en-US" sz="1200" dirty="0">
+                <a:latin typeface="Courier New" panose="02070309020205020404" pitchFamily="49" charset="0"/>
+                <a:cs typeface="Courier New" panose="02070309020205020404" pitchFamily="49" charset="0"/>
+              </a:rPr>
+              <a:t>($"https://login.microsoftonline.com/{_</a:t>
+            </a:r>
+            <a:r>
+              <a:rPr lang="en-US" sz="1200" dirty="0" err="1">
+                <a:latin typeface="Courier New" panose="02070309020205020404" pitchFamily="49" charset="0"/>
+                <a:cs typeface="Courier New" panose="02070309020205020404" pitchFamily="49" charset="0"/>
+              </a:rPr>
+              <a:t>tenantId</a:t>
+            </a:r>
+            <a:r>
+              <a:rPr lang="en-US" sz="1200" dirty="0">
+                <a:latin typeface="Courier New" panose="02070309020205020404" pitchFamily="49" charset="0"/>
+                <a:cs typeface="Courier New" panose="02070309020205020404" pitchFamily="49" charset="0"/>
+              </a:rPr>
+              <a:t>}/")</a:t>
+            </a:r>
+          </a:p>
+          <a:p>
+            <a:r>
+              <a:rPr lang="en-US" sz="1200" dirty="0">
+                <a:latin typeface="Courier New" panose="02070309020205020404" pitchFamily="49" charset="0"/>
+                <a:cs typeface="Courier New" panose="02070309020205020404" pitchFamily="49" charset="0"/>
+              </a:rPr>
+              <a:t>     .</a:t>
+            </a:r>
+            <a:r>
+              <a:rPr lang="en-US" sz="1200" dirty="0" err="1">
+                <a:latin typeface="Courier New" panose="02070309020205020404" pitchFamily="49" charset="0"/>
+                <a:cs typeface="Courier New" panose="02070309020205020404" pitchFamily="49" charset="0"/>
+              </a:rPr>
+              <a:t>WithClientAssertion</a:t>
+            </a:r>
+            <a:r>
+              <a:rPr lang="en-US" sz="1200" dirty="0">
+                <a:latin typeface="Courier New" panose="02070309020205020404" pitchFamily="49" charset="0"/>
+                <a:cs typeface="Courier New" panose="02070309020205020404" pitchFamily="49" charset="0"/>
+              </a:rPr>
+              <a:t>(k8sToken)</a:t>
+            </a:r>
+          </a:p>
+          <a:p>
+            <a:r>
+              <a:rPr lang="en-US" sz="1200" dirty="0">
+                <a:latin typeface="Courier New" panose="02070309020205020404" pitchFamily="49" charset="0"/>
+                <a:cs typeface="Courier New" panose="02070309020205020404" pitchFamily="49" charset="0"/>
+              </a:rPr>
+              <a:t>     .Build();</a:t>
+            </a:r>
+          </a:p>
+          <a:p>
+            <a:r>
+              <a:rPr lang="en-US" sz="1200" dirty="0">
+                <a:latin typeface="Courier New" panose="02070309020205020404" pitchFamily="49" charset="0"/>
+                <a:cs typeface="Courier New" panose="02070309020205020404" pitchFamily="49" charset="0"/>
+              </a:rPr>
+              <a:t>   try</a:t>
+            </a:r>
+          </a:p>
+          <a:p>
+            <a:r>
+              <a:rPr lang="en-US" sz="1200" dirty="0">
+                <a:latin typeface="Courier New" panose="02070309020205020404" pitchFamily="49" charset="0"/>
+                <a:cs typeface="Courier New" panose="02070309020205020404" pitchFamily="49" charset="0"/>
+              </a:rPr>
+              <a:t>   {</a:t>
+            </a:r>
+          </a:p>
+          <a:p>
+            <a:r>
+              <a:rPr lang="en-US" sz="1200" dirty="0">
+                <a:latin typeface="Courier New" panose="02070309020205020404" pitchFamily="49" charset="0"/>
+                <a:cs typeface="Courier New" panose="02070309020205020404" pitchFamily="49" charset="0"/>
+              </a:rPr>
+              <a:t>      var tokens = await </a:t>
+            </a:r>
+            <a:r>
+              <a:rPr lang="en-US" sz="1200" dirty="0" err="1">
+                <a:latin typeface="Courier New" panose="02070309020205020404" pitchFamily="49" charset="0"/>
+                <a:cs typeface="Courier New" panose="02070309020205020404" pitchFamily="49" charset="0"/>
+              </a:rPr>
+              <a:t>msal.AcquireTokenForClient</a:t>
+            </a:r>
+            <a:r>
+              <a:rPr lang="en-US" sz="1200" dirty="0">
+                <a:latin typeface="Courier New" panose="02070309020205020404" pitchFamily="49" charset="0"/>
+                <a:cs typeface="Courier New" panose="02070309020205020404" pitchFamily="49" charset="0"/>
+              </a:rPr>
+              <a:t>(new string[] { api://xyz/.default" }).</a:t>
+            </a:r>
+            <a:r>
+              <a:rPr lang="en-US" sz="1200" dirty="0" err="1">
+                <a:latin typeface="Courier New" panose="02070309020205020404" pitchFamily="49" charset="0"/>
+                <a:cs typeface="Courier New" panose="02070309020205020404" pitchFamily="49" charset="0"/>
+              </a:rPr>
+              <a:t>ExecuteAsync</a:t>
+            </a:r>
+            <a:r>
+              <a:rPr lang="en-US" sz="1200" dirty="0">
+                <a:latin typeface="Courier New" panose="02070309020205020404" pitchFamily="49" charset="0"/>
+                <a:cs typeface="Courier New" panose="02070309020205020404" pitchFamily="49" charset="0"/>
+              </a:rPr>
+              <a:t>();</a:t>
+            </a:r>
+          </a:p>
+          <a:p>
+            <a:r>
+              <a:rPr lang="en-US" sz="1200" dirty="0">
+                <a:latin typeface="Courier New" panose="02070309020205020404" pitchFamily="49" charset="0"/>
+                <a:cs typeface="Courier New" panose="02070309020205020404" pitchFamily="49" charset="0"/>
+              </a:rPr>
+              <a:t>      // Call your API with </a:t>
+            </a:r>
+            <a:r>
+              <a:rPr lang="en-US" sz="1200" dirty="0" err="1">
+                <a:latin typeface="Courier New" panose="02070309020205020404" pitchFamily="49" charset="0"/>
+                <a:cs typeface="Courier New" panose="02070309020205020404" pitchFamily="49" charset="0"/>
+              </a:rPr>
+              <a:t>tokens.AccessToken</a:t>
+            </a:r>
+            <a:r>
+              <a:rPr lang="en-US" sz="1200" dirty="0">
+                <a:latin typeface="Courier New" panose="02070309020205020404" pitchFamily="49" charset="0"/>
+                <a:cs typeface="Courier New" panose="02070309020205020404" pitchFamily="49" charset="0"/>
+              </a:rPr>
+              <a:t> in Authorization header</a:t>
+            </a:r>
+          </a:p>
+          <a:p>
+            <a:r>
+              <a:rPr lang="en-US" sz="1200" dirty="0">
+                <a:latin typeface="Courier New" panose="02070309020205020404" pitchFamily="49" charset="0"/>
+                <a:cs typeface="Courier New" panose="02070309020205020404" pitchFamily="49" charset="0"/>
+              </a:rPr>
+              <a:t>   }</a:t>
+            </a:r>
+          </a:p>
+          <a:p>
+            <a:r>
+              <a:rPr lang="en-US" sz="1200" dirty="0">
+                <a:latin typeface="Courier New" panose="02070309020205020404" pitchFamily="49" charset="0"/>
+                <a:cs typeface="Courier New" panose="02070309020205020404" pitchFamily="49" charset="0"/>
+              </a:rPr>
+              <a:t>   catch (</a:t>
+            </a:r>
+            <a:r>
+              <a:rPr lang="en-US" sz="1200" dirty="0" err="1">
+                <a:latin typeface="Courier New" panose="02070309020205020404" pitchFamily="49" charset="0"/>
+                <a:cs typeface="Courier New" panose="02070309020205020404" pitchFamily="49" charset="0"/>
+              </a:rPr>
+              <a:t>MsalServiceException</a:t>
+            </a:r>
+            <a:r>
+              <a:rPr lang="en-US" sz="1200" dirty="0">
+                <a:latin typeface="Courier New" panose="02070309020205020404" pitchFamily="49" charset="0"/>
+                <a:cs typeface="Courier New" panose="02070309020205020404" pitchFamily="49" charset="0"/>
+              </a:rPr>
+              <a:t> ex)</a:t>
+            </a:r>
+          </a:p>
+          <a:p>
+            <a:r>
+              <a:rPr lang="en-US" sz="1200" dirty="0">
+                <a:latin typeface="Courier New" panose="02070309020205020404" pitchFamily="49" charset="0"/>
+                <a:cs typeface="Courier New" panose="02070309020205020404" pitchFamily="49" charset="0"/>
+              </a:rPr>
+              <a:t>   {</a:t>
+            </a:r>
+          </a:p>
+          <a:p>
+            <a:r>
+              <a:rPr lang="en-US" sz="1200" dirty="0">
+                <a:latin typeface="Courier New" panose="02070309020205020404" pitchFamily="49" charset="0"/>
+                <a:cs typeface="Courier New" panose="02070309020205020404" pitchFamily="49" charset="0"/>
+              </a:rPr>
+              <a:t>      _</a:t>
+            </a:r>
+            <a:r>
+              <a:rPr lang="en-US" sz="1200" dirty="0" err="1">
+                <a:latin typeface="Courier New" panose="02070309020205020404" pitchFamily="49" charset="0"/>
+                <a:cs typeface="Courier New" panose="02070309020205020404" pitchFamily="49" charset="0"/>
+              </a:rPr>
+              <a:t>logger.LogError</a:t>
+            </a:r>
+            <a:r>
+              <a:rPr lang="en-US" sz="1200" dirty="0">
+                <a:latin typeface="Courier New" panose="02070309020205020404" pitchFamily="49" charset="0"/>
+                <a:cs typeface="Courier New" panose="02070309020205020404" pitchFamily="49" charset="0"/>
+              </a:rPr>
+              <a:t>(</a:t>
+            </a:r>
+            <a:r>
+              <a:rPr lang="en-US" sz="1200" dirty="0" err="1">
+                <a:latin typeface="Courier New" panose="02070309020205020404" pitchFamily="49" charset="0"/>
+                <a:cs typeface="Courier New" panose="02070309020205020404" pitchFamily="49" charset="0"/>
+              </a:rPr>
+              <a:t>ex.Message</a:t>
+            </a:r>
+            <a:r>
+              <a:rPr lang="en-US" sz="1200" dirty="0">
+                <a:latin typeface="Courier New" panose="02070309020205020404" pitchFamily="49" charset="0"/>
+                <a:cs typeface="Courier New" panose="02070309020205020404" pitchFamily="49" charset="0"/>
+              </a:rPr>
+              <a:t>);</a:t>
+            </a:r>
+          </a:p>
+          <a:p>
+            <a:r>
+              <a:rPr lang="en-US" sz="1200" dirty="0">
+                <a:latin typeface="Courier New" panose="02070309020205020404" pitchFamily="49" charset="0"/>
+                <a:cs typeface="Courier New" panose="02070309020205020404" pitchFamily="49" charset="0"/>
+              </a:rPr>
+              <a:t>   }</a:t>
+            </a:r>
+          </a:p>
+          <a:p>
+            <a:r>
+              <a:rPr lang="en-US" sz="1200" dirty="0">
+                <a:latin typeface="Courier New" panose="02070309020205020404" pitchFamily="49" charset="0"/>
+                <a:cs typeface="Courier New" panose="02070309020205020404" pitchFamily="49" charset="0"/>
+              </a:rPr>
+              <a:t>}</a:t>
+            </a:r>
+          </a:p>
+        </p:txBody>
+      </p:sp>
+    </p:spTree>
+    <p:extLst>
+      <p:ext uri="{BB962C8B-B14F-4D97-AF65-F5344CB8AC3E}">
+        <p14:creationId xmlns:p14="http://schemas.microsoft.com/office/powerpoint/2010/main" val="2135755873"/>
+      </p:ext>
+    </p:extLst>
+  </p:cSld>
+  <p:clrMapOvr>
+    <a:masterClrMapping/>
+  </p:clrMapOvr>
+</p:sld>
+</file>
+
+<file path=ppt/slides/slide12.xml><?xml version="1.0" encoding="utf-8"?>
+<p:sld xmlns:a="http://schemas.openxmlformats.org/drawingml/2006/main" xmlns:r="http://schemas.openxmlformats.org/officeDocument/2006/relationships" xmlns:p="http://schemas.openxmlformats.org/presentationml/2006/main">
+  <p:cSld>
+    <p:spTree>
+      <p:nvGrpSpPr>
+        <p:cNvPr id="1" name=""/>
+        <p:cNvGrpSpPr/>
+        <p:nvPr/>
+      </p:nvGrpSpPr>
+      <p:grpSpPr>
+        <a:xfrm>
+          <a:off x="0" y="0"/>
+          <a:ext cx="0" cy="0"/>
+          <a:chOff x="0" y="0"/>
+          <a:chExt cx="0" cy="0"/>
+        </a:xfrm>
+      </p:grpSpPr>
+      <p:sp>
+        <p:nvSpPr>
+          <p:cNvPr id="2" name="Title 1">
+            <a:extLst>
+              <a:ext uri="{FF2B5EF4-FFF2-40B4-BE49-F238E27FC236}">
+                <a16:creationId xmlns:a16="http://schemas.microsoft.com/office/drawing/2014/main" id="{F3CCFEB6-8281-4FB7-2CFD-9BA611625675}"/>
+              </a:ext>
+            </a:extLst>
+          </p:cNvPr>
+          <p:cNvSpPr>
+            <a:spLocks noGrp="1"/>
+          </p:cNvSpPr>
+          <p:nvPr>
+            <p:ph type="title"/>
+          </p:nvPr>
+        </p:nvSpPr>
+        <p:spPr/>
+        <p:txBody>
+          <a:bodyPr/>
+          <a:lstStyle/>
+          <a:p>
+            <a:r>
+              <a:rPr lang="en-US" dirty="0"/>
+              <a:t>Demo</a:t>
+            </a:r>
+          </a:p>
+        </p:txBody>
+      </p:sp>
+      <p:sp>
+        <p:nvSpPr>
+          <p:cNvPr id="3" name="Content Placeholder 2">
+            <a:extLst>
+              <a:ext uri="{FF2B5EF4-FFF2-40B4-BE49-F238E27FC236}">
+                <a16:creationId xmlns:a16="http://schemas.microsoft.com/office/drawing/2014/main" id="{0DE0458F-B881-C7C4-B4CB-3FE111108402}"/>
+              </a:ext>
+            </a:extLst>
+          </p:cNvPr>
+          <p:cNvSpPr>
+            <a:spLocks noGrp="1"/>
+          </p:cNvSpPr>
+          <p:nvPr>
+            <p:ph idx="1"/>
+          </p:nvPr>
+        </p:nvSpPr>
+        <p:spPr/>
+        <p:txBody>
+          <a:bodyPr/>
+          <a:lstStyle/>
+          <a:p>
+            <a:r>
+              <a:rPr lang="en-US" dirty="0"/>
+              <a:t>AKS cluster create script</a:t>
+            </a:r>
+          </a:p>
+          <a:p>
+            <a:r>
+              <a:rPr lang="en-US" dirty="0"/>
+              <a:t>Deployment </a:t>
+            </a:r>
+            <a:r>
+              <a:rPr lang="en-US" dirty="0" err="1"/>
+              <a:t>yaml</a:t>
+            </a:r>
+            <a:endParaRPr lang="en-US" dirty="0"/>
+          </a:p>
+          <a:p>
+            <a:r>
+              <a:rPr lang="en-US" dirty="0"/>
+              <a:t>AAD configuration</a:t>
+            </a:r>
+          </a:p>
+          <a:p>
+            <a:r>
+              <a:rPr lang="en-US" dirty="0"/>
+              <a:t>Code</a:t>
+            </a:r>
+          </a:p>
+          <a:p>
+            <a:r>
+              <a:rPr lang="en-US" dirty="0"/>
+              <a:t>Executing web app</a:t>
+            </a:r>
+          </a:p>
+        </p:txBody>
+      </p:sp>
+    </p:spTree>
+    <p:extLst>
+      <p:ext uri="{BB962C8B-B14F-4D97-AF65-F5344CB8AC3E}">
+        <p14:creationId xmlns:p14="http://schemas.microsoft.com/office/powerpoint/2010/main" val="3949258812"/>
+      </p:ext>
+    </p:extLst>
+  </p:cSld>
+  <p:clrMapOvr>
+    <a:masterClrMapping/>
+  </p:clrMapOvr>
+</p:sld>
+</file>
+
+<file path=ppt/slides/slide13.xml><?xml version="1.0" encoding="utf-8"?>
+<p:sld xmlns:a="http://schemas.openxmlformats.org/drawingml/2006/main" xmlns:r="http://schemas.openxmlformats.org/officeDocument/2006/relationships" xmlns:p="http://schemas.openxmlformats.org/presentationml/2006/main">
+  <p:cSld>
+    <p:spTree>
+      <p:nvGrpSpPr>
+        <p:cNvPr id="1" name=""/>
+        <p:cNvGrpSpPr/>
+        <p:nvPr/>
+      </p:nvGrpSpPr>
+      <p:grpSpPr>
+        <a:xfrm>
+          <a:off x="0" y="0"/>
+          <a:ext cx="0" cy="0"/>
+          <a:chOff x="0" y="0"/>
+          <a:chExt cx="0" cy="0"/>
+        </a:xfrm>
+      </p:grpSpPr>
+      <p:sp>
+        <p:nvSpPr>
+          <p:cNvPr id="2" name="Title 1">
+            <a:extLst>
+              <a:ext uri="{FF2B5EF4-FFF2-40B4-BE49-F238E27FC236}">
+                <a16:creationId xmlns:a16="http://schemas.microsoft.com/office/drawing/2014/main" id="{1F682176-80D9-A652-F48F-1AF67A0769FB}"/>
+              </a:ext>
+            </a:extLst>
+          </p:cNvPr>
+          <p:cNvSpPr>
+            <a:spLocks noGrp="1"/>
+          </p:cNvSpPr>
+          <p:nvPr>
+            <p:ph type="title"/>
+          </p:nvPr>
+        </p:nvSpPr>
+        <p:spPr/>
+        <p:txBody>
+          <a:bodyPr/>
+          <a:lstStyle/>
+          <a:p>
+            <a:r>
+              <a:rPr lang="en-US" dirty="0"/>
+              <a:t>Benefits</a:t>
+            </a:r>
+          </a:p>
+        </p:txBody>
+      </p:sp>
+      <p:sp>
+        <p:nvSpPr>
+          <p:cNvPr id="3" name="Content Placeholder 2">
+            <a:extLst>
+              <a:ext uri="{FF2B5EF4-FFF2-40B4-BE49-F238E27FC236}">
+                <a16:creationId xmlns:a16="http://schemas.microsoft.com/office/drawing/2014/main" id="{6214D4A4-D452-6C03-7CF3-4CC27886F2D7}"/>
+              </a:ext>
+            </a:extLst>
+          </p:cNvPr>
+          <p:cNvSpPr>
+            <a:spLocks noGrp="1"/>
+          </p:cNvSpPr>
+          <p:nvPr>
+            <p:ph idx="1"/>
+          </p:nvPr>
+        </p:nvSpPr>
+        <p:spPr/>
+        <p:txBody>
+          <a:bodyPr/>
+          <a:lstStyle/>
+          <a:p>
+            <a:r>
+              <a:rPr lang="en-US" dirty="0"/>
+              <a:t>Native K8s APIs, any cloud, both Windows and Linux</a:t>
+            </a:r>
+          </a:p>
+          <a:p>
+            <a:r>
+              <a:rPr lang="en-US" dirty="0"/>
+              <a:t>Access control remains in AAD</a:t>
+            </a:r>
+          </a:p>
+          <a:p>
+            <a:r>
+              <a:rPr lang="en-US" dirty="0"/>
+              <a:t>[Protection of secrets - secrets never leave their source]</a:t>
+            </a:r>
+          </a:p>
+          <a:p>
+            <a:r>
+              <a:rPr lang="en-US" dirty="0"/>
+              <a:t>OAuth2 standard</a:t>
+            </a:r>
+          </a:p>
+          <a:p>
+            <a:endParaRPr lang="en-US" dirty="0"/>
+          </a:p>
+          <a:p>
+            <a:endParaRPr lang="en-US" dirty="0"/>
+          </a:p>
+        </p:txBody>
+      </p:sp>
+    </p:spTree>
+    <p:extLst>
+      <p:ext uri="{BB962C8B-B14F-4D97-AF65-F5344CB8AC3E}">
+        <p14:creationId xmlns:p14="http://schemas.microsoft.com/office/powerpoint/2010/main" val="3741307148"/>
+      </p:ext>
+    </p:extLst>
+  </p:cSld>
+  <p:clrMapOvr>
+    <a:masterClrMapping/>
+  </p:clrMapOvr>
+</p:sld>
+</file>
+
+<file path=ppt/slides/slide14.xml><?xml version="1.0" encoding="utf-8"?>
+<p:sld xmlns:a="http://schemas.openxmlformats.org/drawingml/2006/main" xmlns:r="http://schemas.openxmlformats.org/officeDocument/2006/relationships" xmlns:p="http://schemas.openxmlformats.org/presentationml/2006/main" show="0">
+  <p:cSld>
+    <p:spTree>
+      <p:nvGrpSpPr>
+        <p:cNvPr id="1" name=""/>
+        <p:cNvGrpSpPr/>
+        <p:nvPr/>
+      </p:nvGrpSpPr>
+      <p:grpSpPr>
+        <a:xfrm>
+          <a:off x="0" y="0"/>
+          <a:ext cx="0" cy="0"/>
+          <a:chOff x="0" y="0"/>
+          <a:chExt cx="0" cy="0"/>
+        </a:xfrm>
+      </p:grpSpPr>
+      <p:sp>
+        <p:nvSpPr>
+          <p:cNvPr id="2" name="Title 1">
+            <a:extLst>
+              <a:ext uri="{FF2B5EF4-FFF2-40B4-BE49-F238E27FC236}">
+                <a16:creationId xmlns:a16="http://schemas.microsoft.com/office/drawing/2014/main" id="{E80FAF17-FCC4-5930-AAD2-492ABC933D28}"/>
+              </a:ext>
+            </a:extLst>
+          </p:cNvPr>
+          <p:cNvSpPr>
+            <a:spLocks noGrp="1"/>
+          </p:cNvSpPr>
+          <p:nvPr>
+            <p:ph type="title"/>
+          </p:nvPr>
+        </p:nvSpPr>
+        <p:spPr/>
+        <p:txBody>
+          <a:bodyPr/>
+          <a:lstStyle/>
+          <a:p>
+            <a:r>
+              <a:rPr lang="en-US" dirty="0"/>
+              <a:t>Issues</a:t>
+            </a:r>
+          </a:p>
+        </p:txBody>
+      </p:sp>
+      <p:sp>
+        <p:nvSpPr>
+          <p:cNvPr id="3" name="Content Placeholder 2">
+            <a:extLst>
+              <a:ext uri="{FF2B5EF4-FFF2-40B4-BE49-F238E27FC236}">
+                <a16:creationId xmlns:a16="http://schemas.microsoft.com/office/drawing/2014/main" id="{B8B1FDF5-FFCC-B7B3-6255-5F5A6ACC0A00}"/>
+              </a:ext>
+            </a:extLst>
+          </p:cNvPr>
+          <p:cNvSpPr>
+            <a:spLocks noGrp="1"/>
+          </p:cNvSpPr>
+          <p:nvPr>
+            <p:ph idx="1"/>
+          </p:nvPr>
+        </p:nvSpPr>
+        <p:spPr/>
+        <p:txBody>
+          <a:bodyPr>
+            <a:normAutofit/>
+          </a:bodyPr>
+          <a:lstStyle/>
+          <a:p>
+            <a:r>
+              <a:rPr lang="en-US" dirty="0"/>
+              <a:t>“</a:t>
+            </a:r>
+            <a:r>
+              <a:rPr lang="en-US" b="0" i="0" dirty="0">
+                <a:solidFill>
+                  <a:srgbClr val="000000"/>
+                </a:solidFill>
+                <a:effectLst/>
+                <a:latin typeface="Open Sans" panose="020B0606030504020204" pitchFamily="34" charset="0"/>
+              </a:rPr>
+              <a:t>Removes the scale and performance issues that existed for identity assignment” – what does sit mean?</a:t>
+            </a:r>
+            <a:r>
+              <a:rPr lang="en-US" dirty="0"/>
+              <a:t> </a:t>
+            </a:r>
+          </a:p>
+          <a:p>
+            <a:r>
+              <a:rPr lang="en-US" dirty="0"/>
+              <a:t>Webhook vs volume mount?</a:t>
+            </a:r>
+          </a:p>
+          <a:p>
+            <a:r>
+              <a:rPr lang="en-US" dirty="0"/>
+              <a:t>Installing </a:t>
+            </a:r>
+            <a:r>
+              <a:rPr lang="en-US" dirty="0" err="1"/>
+              <a:t>azwi</a:t>
+            </a:r>
+            <a:r>
+              <a:rPr lang="en-US" dirty="0"/>
+              <a:t> on Windows?</a:t>
+            </a:r>
+          </a:p>
+          <a:p>
+            <a:r>
+              <a:rPr lang="en-US" dirty="0"/>
+              <a:t>Enabling OIDC discovery on other k8s implementations</a:t>
+            </a:r>
+          </a:p>
+          <a:p>
+            <a:r>
+              <a:rPr lang="en-US" dirty="0"/>
+              <a:t>Rotating signing key</a:t>
+            </a:r>
+          </a:p>
+          <a:p>
+            <a:pPr lvl="1"/>
+            <a:r>
+              <a:rPr lang="en-US" dirty="0"/>
+              <a:t>AKS default: 6 months</a:t>
+            </a:r>
+          </a:p>
+          <a:p>
+            <a:pPr lvl="1"/>
+            <a:r>
+              <a:rPr lang="en-US" dirty="0"/>
+              <a:t>AAD cache: 1h </a:t>
+            </a:r>
+          </a:p>
+          <a:p>
+            <a:pPr lvl="1"/>
+            <a:r>
+              <a:rPr lang="en-US" dirty="0"/>
+              <a:t>Manual rotation?</a:t>
+            </a:r>
+          </a:p>
+          <a:p>
+            <a:endParaRPr lang="en-US" dirty="0"/>
+          </a:p>
+        </p:txBody>
+      </p:sp>
+    </p:spTree>
+    <p:extLst>
+      <p:ext uri="{BB962C8B-B14F-4D97-AF65-F5344CB8AC3E}">
+        <p14:creationId xmlns:p14="http://schemas.microsoft.com/office/powerpoint/2010/main" val="3900243296"/>
+      </p:ext>
+    </p:extLst>
+  </p:cSld>
+  <p:clrMapOvr>
+    <a:masterClrMapping/>
+  </p:clrMapOvr>
+</p:sld>
+</file>
+
+<file path=ppt/slides/slide15.xml><?xml version="1.0" encoding="utf-8"?>
+<p:sld xmlns:a="http://schemas.openxmlformats.org/drawingml/2006/main" xmlns:r="http://schemas.openxmlformats.org/officeDocument/2006/relationships" xmlns:p="http://schemas.openxmlformats.org/presentationml/2006/main">
+  <p:cSld>
+    <p:spTree>
+      <p:nvGrpSpPr>
+        <p:cNvPr id="1" name=""/>
+        <p:cNvGrpSpPr/>
+        <p:nvPr/>
+      </p:nvGrpSpPr>
+      <p:grpSpPr>
+        <a:xfrm>
+          <a:off x="0" y="0"/>
+          <a:ext cx="0" cy="0"/>
+          <a:chOff x="0" y="0"/>
+          <a:chExt cx="0" cy="0"/>
+        </a:xfrm>
+      </p:grpSpPr>
+      <p:sp>
+        <p:nvSpPr>
+          <p:cNvPr id="2" name="Title 1">
+            <a:extLst>
+              <a:ext uri="{FF2B5EF4-FFF2-40B4-BE49-F238E27FC236}">
+                <a16:creationId xmlns:a16="http://schemas.microsoft.com/office/drawing/2014/main" id="{F7194958-2871-8D00-D8C1-8135F170D02E}"/>
+              </a:ext>
+            </a:extLst>
+          </p:cNvPr>
+          <p:cNvSpPr>
+            <a:spLocks noGrp="1"/>
+          </p:cNvSpPr>
+          <p:nvPr>
+            <p:ph type="title"/>
+          </p:nvPr>
+        </p:nvSpPr>
+        <p:spPr/>
+        <p:txBody>
+          <a:bodyPr/>
+          <a:lstStyle/>
+          <a:p>
+            <a:r>
+              <a:rPr lang="en-US" dirty="0"/>
+              <a:t>Resources</a:t>
+            </a:r>
+          </a:p>
+        </p:txBody>
+      </p:sp>
+      <p:sp>
+        <p:nvSpPr>
+          <p:cNvPr id="3" name="Content Placeholder 2">
+            <a:extLst>
+              <a:ext uri="{FF2B5EF4-FFF2-40B4-BE49-F238E27FC236}">
+                <a16:creationId xmlns:a16="http://schemas.microsoft.com/office/drawing/2014/main" id="{9985DBE4-91E3-9038-92DA-6B340E298903}"/>
+              </a:ext>
+            </a:extLst>
+          </p:cNvPr>
+          <p:cNvSpPr>
+            <a:spLocks noGrp="1"/>
+          </p:cNvSpPr>
+          <p:nvPr>
+            <p:ph idx="1"/>
+          </p:nvPr>
+        </p:nvSpPr>
+        <p:spPr/>
+        <p:txBody>
+          <a:bodyPr/>
+          <a:lstStyle/>
+          <a:p>
+            <a:r>
+              <a:rPr lang="en-US" dirty="0">
+                <a:hlinkClick r:id="rId2"/>
+              </a:rPr>
+              <a:t>Kubernetes and AAD Workload Identity</a:t>
+            </a:r>
+            <a:endParaRPr lang="en-US" dirty="0"/>
+          </a:p>
+          <a:p>
+            <a:r>
+              <a:rPr lang="en-US" dirty="0">
+                <a:hlinkClick r:id="rId3"/>
+              </a:rPr>
+              <a:t>AAD Workload Identity (Preview)</a:t>
+            </a:r>
+            <a:endParaRPr lang="en-US" dirty="0"/>
+          </a:p>
+          <a:p>
+            <a:r>
+              <a:rPr lang="en-US" dirty="0">
+                <a:hlinkClick r:id="rId4"/>
+              </a:rPr>
+              <a:t>Setup</a:t>
+            </a:r>
+            <a:endParaRPr lang="en-US" dirty="0"/>
+          </a:p>
+          <a:p>
+            <a:r>
+              <a:rPr lang="en-US" dirty="0">
+                <a:hlinkClick r:id="rId5"/>
+              </a:rPr>
+              <a:t>Sample</a:t>
+            </a:r>
+            <a:endParaRPr lang="en-US" dirty="0"/>
+          </a:p>
+          <a:p>
+            <a:r>
+              <a:rPr lang="en-US" dirty="0">
+                <a:hlinkClick r:id="rId6"/>
+              </a:rPr>
+              <a:t>My sample</a:t>
+            </a:r>
+            <a:endParaRPr lang="en-US" dirty="0"/>
+          </a:p>
+          <a:p>
+            <a:r>
+              <a:rPr lang="en-US" dirty="0">
+                <a:hlinkClick r:id="rId7"/>
+              </a:rPr>
+              <a:t>Deployment with self-managed clusters</a:t>
+            </a:r>
+            <a:endParaRPr lang="en-US" dirty="0"/>
+          </a:p>
+        </p:txBody>
+      </p:sp>
+    </p:spTree>
+    <p:extLst>
+      <p:ext uri="{BB962C8B-B14F-4D97-AF65-F5344CB8AC3E}">
+        <p14:creationId xmlns:p14="http://schemas.microsoft.com/office/powerpoint/2010/main" val="2981304641"/>
+      </p:ext>
+    </p:extLst>
+  </p:cSld>
+  <p:clrMapOvr>
+    <a:masterClrMapping/>
+  </p:clrMapOvr>
+</p:sld>
+</file>
+
+<file path=ppt/slides/slide2.xml><?xml version="1.0" encoding="utf-8"?>
+<p:sld xmlns:a="http://schemas.openxmlformats.org/drawingml/2006/main" xmlns:r="http://schemas.openxmlformats.org/officeDocument/2006/relationships" xmlns:p="http://schemas.openxmlformats.org/presentationml/2006/main">
+  <p:cSld>
+    <p:spTree>
+      <p:nvGrpSpPr>
+        <p:cNvPr id="1" name=""/>
+        <p:cNvGrpSpPr/>
+        <p:nvPr/>
+      </p:nvGrpSpPr>
+      <p:grpSpPr>
+        <a:xfrm>
+          <a:off x="0" y="0"/>
+          <a:ext cx="0" cy="0"/>
+          <a:chOff x="0" y="0"/>
+          <a:chExt cx="0" cy="0"/>
+        </a:xfrm>
+      </p:grpSpPr>
+      <p:sp>
+        <p:nvSpPr>
+          <p:cNvPr id="2" name="Title 1">
+            <a:extLst>
+              <a:ext uri="{FF2B5EF4-FFF2-40B4-BE49-F238E27FC236}">
+                <a16:creationId xmlns:a16="http://schemas.microsoft.com/office/drawing/2014/main" id="{95D348BE-EEE8-C0EB-FA68-3EBDE0237549}"/>
+              </a:ext>
+            </a:extLst>
+          </p:cNvPr>
+          <p:cNvSpPr>
+            <a:spLocks noGrp="1"/>
+          </p:cNvSpPr>
+          <p:nvPr>
+            <p:ph type="title"/>
+          </p:nvPr>
+        </p:nvSpPr>
+        <p:spPr/>
+        <p:txBody>
+          <a:bodyPr/>
+          <a:lstStyle/>
+          <a:p>
+            <a:r>
+              <a:rPr lang="en-US" dirty="0"/>
+              <a:t>Issue</a:t>
+            </a:r>
+          </a:p>
+        </p:txBody>
+      </p:sp>
+      <p:sp>
+        <p:nvSpPr>
+          <p:cNvPr id="3" name="Content Placeholder 2">
+            <a:extLst>
+              <a:ext uri="{FF2B5EF4-FFF2-40B4-BE49-F238E27FC236}">
+                <a16:creationId xmlns:a16="http://schemas.microsoft.com/office/drawing/2014/main" id="{97BE6744-FC00-3193-A361-7CA26995FCAD}"/>
+              </a:ext>
+            </a:extLst>
+          </p:cNvPr>
+          <p:cNvSpPr>
+            <a:spLocks noGrp="1"/>
+          </p:cNvSpPr>
+          <p:nvPr>
+            <p:ph idx="1"/>
+          </p:nvPr>
+        </p:nvSpPr>
+        <p:spPr/>
+        <p:txBody>
+          <a:bodyPr/>
+          <a:lstStyle/>
+          <a:p>
+            <a:pPr marL="0" indent="0">
+              <a:buNone/>
+            </a:pPr>
+            <a:r>
+              <a:rPr lang="en-US" dirty="0"/>
+              <a:t>Control application access to APIs </a:t>
+            </a:r>
+          </a:p>
+        </p:txBody>
+      </p:sp>
+    </p:spTree>
+    <p:extLst>
+      <p:ext uri="{BB962C8B-B14F-4D97-AF65-F5344CB8AC3E}">
+        <p14:creationId xmlns:p14="http://schemas.microsoft.com/office/powerpoint/2010/main" val="127694338"/>
+      </p:ext>
+    </p:extLst>
+  </p:cSld>
+  <p:clrMapOvr>
+    <a:masterClrMapping/>
+  </p:clrMapOvr>
+</p:sld>
+</file>
+
+<file path=ppt/slides/slide3.xml><?xml version="1.0" encoding="utf-8"?>
+<p:sld xmlns:a="http://schemas.openxmlformats.org/drawingml/2006/main" xmlns:r="http://schemas.openxmlformats.org/officeDocument/2006/relationships" xmlns:p="http://schemas.openxmlformats.org/presentationml/2006/main">
+  <p:cSld>
+    <p:spTree>
+      <p:nvGrpSpPr>
+        <p:cNvPr id="1" name=""/>
+        <p:cNvGrpSpPr/>
+        <p:nvPr/>
+      </p:nvGrpSpPr>
+      <p:grpSpPr>
+        <a:xfrm>
+          <a:off x="0" y="0"/>
+          <a:ext cx="0" cy="0"/>
+          <a:chOff x="0" y="0"/>
+          <a:chExt cx="0" cy="0"/>
+        </a:xfrm>
+      </p:grpSpPr>
+      <p:sp>
+        <p:nvSpPr>
+          <p:cNvPr id="2" name="Title 1">
+            <a:extLst>
+              <a:ext uri="{FF2B5EF4-FFF2-40B4-BE49-F238E27FC236}">
+                <a16:creationId xmlns:a16="http://schemas.microsoft.com/office/drawing/2014/main" id="{425BCEE2-51FD-0A9C-0CD8-9DB9F296612A}"/>
+              </a:ext>
+            </a:extLst>
+          </p:cNvPr>
+          <p:cNvSpPr>
+            <a:spLocks noGrp="1"/>
+          </p:cNvSpPr>
+          <p:nvPr>
+            <p:ph type="title"/>
+          </p:nvPr>
+        </p:nvSpPr>
+        <p:spPr/>
+        <p:txBody>
+          <a:bodyPr/>
+          <a:lstStyle/>
+          <a:p>
+            <a:r>
+              <a:rPr lang="en-US" dirty="0"/>
+              <a:t>Authentication and authorization</a:t>
+            </a:r>
+          </a:p>
+        </p:txBody>
+      </p:sp>
+      <p:sp>
+        <p:nvSpPr>
+          <p:cNvPr id="4" name="Rectangle: Rounded Corners 3">
+            <a:extLst>
+              <a:ext uri="{FF2B5EF4-FFF2-40B4-BE49-F238E27FC236}">
+                <a16:creationId xmlns:a16="http://schemas.microsoft.com/office/drawing/2014/main" id="{9348A471-273A-2D50-7685-360332FDD755}"/>
+              </a:ext>
+            </a:extLst>
+          </p:cNvPr>
+          <p:cNvSpPr/>
+          <p:nvPr/>
+        </p:nvSpPr>
+        <p:spPr>
+          <a:xfrm>
+            <a:off x="838200" y="2686722"/>
+            <a:ext cx="1839558" cy="1484555"/>
+          </a:xfrm>
+          <a:prstGeom prst="roundRect">
+            <a:avLst/>
+          </a:prstGeom>
+        </p:spPr>
+        <p:style>
+          <a:lnRef idx="2">
+            <a:schemeClr val="accent1">
+              <a:shade val="50000"/>
+            </a:schemeClr>
+          </a:lnRef>
+          <a:fillRef idx="1">
+            <a:schemeClr val="accent1"/>
+          </a:fillRef>
+          <a:effectRef idx="0">
+            <a:schemeClr val="accent1"/>
+          </a:effectRef>
+          <a:fontRef idx="minor">
+            <a:schemeClr val="lt1"/>
+          </a:fontRef>
+        </p:style>
+        <p:txBody>
+          <a:bodyPr rtlCol="0" anchor="ctr"/>
+          <a:lstStyle/>
+          <a:p>
+            <a:pPr algn="ctr"/>
+            <a:r>
+              <a:rPr lang="en-US" dirty="0"/>
+              <a:t>Authentication</a:t>
+            </a:r>
+          </a:p>
+          <a:p>
+            <a:pPr algn="ctr"/>
+            <a:r>
+              <a:rPr lang="en-US" dirty="0"/>
+              <a:t>Who are you?</a:t>
+            </a:r>
+          </a:p>
+        </p:txBody>
+      </p:sp>
+      <p:sp>
+        <p:nvSpPr>
+          <p:cNvPr id="5" name="Rectangle: Rounded Corners 4">
+            <a:extLst>
+              <a:ext uri="{FF2B5EF4-FFF2-40B4-BE49-F238E27FC236}">
+                <a16:creationId xmlns:a16="http://schemas.microsoft.com/office/drawing/2014/main" id="{BBEC8F55-A153-FFE2-C20F-9E4688B4175D}"/>
+              </a:ext>
+            </a:extLst>
+          </p:cNvPr>
+          <p:cNvSpPr/>
+          <p:nvPr/>
+        </p:nvSpPr>
+        <p:spPr>
+          <a:xfrm>
+            <a:off x="4873213" y="2753957"/>
+            <a:ext cx="1839558" cy="1484555"/>
+          </a:xfrm>
+          <a:prstGeom prst="roundRect">
+            <a:avLst/>
+          </a:prstGeom>
+        </p:spPr>
+        <p:style>
+          <a:lnRef idx="2">
+            <a:schemeClr val="accent1">
+              <a:shade val="50000"/>
+            </a:schemeClr>
+          </a:lnRef>
+          <a:fillRef idx="1">
+            <a:schemeClr val="accent1"/>
+          </a:fillRef>
+          <a:effectRef idx="0">
+            <a:schemeClr val="accent1"/>
+          </a:effectRef>
+          <a:fontRef idx="minor">
+            <a:schemeClr val="lt1"/>
+          </a:fontRef>
+        </p:style>
+        <p:txBody>
+          <a:bodyPr rtlCol="0" anchor="ctr"/>
+          <a:lstStyle/>
+          <a:p>
+            <a:pPr algn="ctr"/>
+            <a:r>
+              <a:rPr lang="en-US" dirty="0"/>
+              <a:t>Authorization</a:t>
+            </a:r>
+          </a:p>
+          <a:p>
+            <a:pPr algn="ctr"/>
+            <a:r>
+              <a:rPr lang="en-US" dirty="0"/>
+              <a:t>Is this allowed?</a:t>
+            </a:r>
+          </a:p>
+        </p:txBody>
+      </p:sp>
+      <p:sp>
+        <p:nvSpPr>
+          <p:cNvPr id="6" name="Rectangle: Rounded Corners 5">
+            <a:extLst>
+              <a:ext uri="{FF2B5EF4-FFF2-40B4-BE49-F238E27FC236}">
+                <a16:creationId xmlns:a16="http://schemas.microsoft.com/office/drawing/2014/main" id="{8CF29A18-917B-4B71-2FC6-3003AF8BDDD5}"/>
+              </a:ext>
+            </a:extLst>
+          </p:cNvPr>
+          <p:cNvSpPr/>
+          <p:nvPr/>
+        </p:nvSpPr>
+        <p:spPr>
+          <a:xfrm>
+            <a:off x="8908226" y="2748578"/>
+            <a:ext cx="1839558" cy="1484555"/>
+          </a:xfrm>
+          <a:prstGeom prst="roundRect">
+            <a:avLst/>
+          </a:prstGeom>
+        </p:spPr>
+        <p:style>
+          <a:lnRef idx="2">
+            <a:schemeClr val="accent1">
+              <a:shade val="50000"/>
+            </a:schemeClr>
+          </a:lnRef>
+          <a:fillRef idx="1">
+            <a:schemeClr val="accent1"/>
+          </a:fillRef>
+          <a:effectRef idx="0">
+            <a:schemeClr val="accent1"/>
+          </a:effectRef>
+          <a:fontRef idx="minor">
+            <a:schemeClr val="lt1"/>
+          </a:fontRef>
+        </p:style>
+        <p:txBody>
+          <a:bodyPr rtlCol="0" anchor="ctr"/>
+          <a:lstStyle/>
+          <a:p>
+            <a:pPr algn="ctr"/>
+            <a:r>
+              <a:rPr lang="en-US" dirty="0"/>
+              <a:t>Resource</a:t>
+            </a:r>
+          </a:p>
+          <a:p>
+            <a:pPr algn="ctr"/>
+            <a:r>
+              <a:rPr lang="en-US" dirty="0"/>
+              <a:t>Do/give something</a:t>
+            </a:r>
+          </a:p>
+        </p:txBody>
+      </p:sp>
+      <p:sp>
+        <p:nvSpPr>
+          <p:cNvPr id="9" name="Arrow: Left 8">
+            <a:extLst>
+              <a:ext uri="{FF2B5EF4-FFF2-40B4-BE49-F238E27FC236}">
+                <a16:creationId xmlns:a16="http://schemas.microsoft.com/office/drawing/2014/main" id="{BDE7E386-B29D-1ED3-1A1D-6B40F04C8D85}"/>
+              </a:ext>
+            </a:extLst>
+          </p:cNvPr>
+          <p:cNvSpPr/>
+          <p:nvPr/>
+        </p:nvSpPr>
+        <p:spPr>
+          <a:xfrm>
+            <a:off x="6890719" y="3195018"/>
+            <a:ext cx="1839558" cy="623944"/>
+          </a:xfrm>
+          <a:prstGeom prst="leftArrow">
+            <a:avLst/>
+          </a:prstGeom>
+        </p:spPr>
+        <p:style>
+          <a:lnRef idx="2">
+            <a:schemeClr val="accent1">
+              <a:shade val="50000"/>
+            </a:schemeClr>
+          </a:lnRef>
+          <a:fillRef idx="1">
+            <a:schemeClr val="accent1"/>
+          </a:fillRef>
+          <a:effectRef idx="0">
+            <a:schemeClr val="accent1"/>
+          </a:effectRef>
+          <a:fontRef idx="minor">
+            <a:schemeClr val="lt1"/>
+          </a:fontRef>
+        </p:style>
+        <p:txBody>
+          <a:bodyPr rtlCol="0" anchor="ctr"/>
+          <a:lstStyle/>
+          <a:p>
+            <a:pPr algn="ctr"/>
+            <a:r>
+              <a:rPr lang="en-US" dirty="0"/>
+              <a:t>Requires</a:t>
+            </a:r>
+          </a:p>
+        </p:txBody>
+      </p:sp>
+      <p:sp>
+        <p:nvSpPr>
+          <p:cNvPr id="10" name="Arrow: Left 9">
+            <a:extLst>
+              <a:ext uri="{FF2B5EF4-FFF2-40B4-BE49-F238E27FC236}">
+                <a16:creationId xmlns:a16="http://schemas.microsoft.com/office/drawing/2014/main" id="{B5B1C739-EAFE-1E40-F623-59D683B89609}"/>
+              </a:ext>
+            </a:extLst>
+          </p:cNvPr>
+          <p:cNvSpPr/>
+          <p:nvPr/>
+        </p:nvSpPr>
+        <p:spPr>
+          <a:xfrm>
+            <a:off x="2855706" y="3211153"/>
+            <a:ext cx="1839558" cy="623944"/>
+          </a:xfrm>
+          <a:prstGeom prst="leftArrow">
+            <a:avLst/>
+          </a:prstGeom>
+        </p:spPr>
+        <p:style>
+          <a:lnRef idx="2">
+            <a:schemeClr val="accent1">
+              <a:shade val="50000"/>
+            </a:schemeClr>
+          </a:lnRef>
+          <a:fillRef idx="1">
+            <a:schemeClr val="accent1"/>
+          </a:fillRef>
+          <a:effectRef idx="0">
+            <a:schemeClr val="accent1"/>
+          </a:effectRef>
+          <a:fontRef idx="minor">
+            <a:schemeClr val="lt1"/>
+          </a:fontRef>
+        </p:style>
+        <p:txBody>
+          <a:bodyPr rtlCol="0" anchor="ctr"/>
+          <a:lstStyle/>
+          <a:p>
+            <a:pPr algn="ctr"/>
+            <a:r>
+              <a:rPr lang="en-US" dirty="0"/>
+              <a:t>Requires</a:t>
+            </a:r>
+          </a:p>
+        </p:txBody>
+      </p:sp>
+      <p:sp>
+        <p:nvSpPr>
+          <p:cNvPr id="12" name="TextBox 11">
+            <a:extLst>
+              <a:ext uri="{FF2B5EF4-FFF2-40B4-BE49-F238E27FC236}">
+                <a16:creationId xmlns:a16="http://schemas.microsoft.com/office/drawing/2014/main" id="{04B3479D-3359-059A-8AE3-0E4388E5EA66}"/>
+              </a:ext>
+            </a:extLst>
+          </p:cNvPr>
+          <p:cNvSpPr txBox="1"/>
+          <p:nvPr/>
+        </p:nvSpPr>
+        <p:spPr>
+          <a:xfrm>
+            <a:off x="783191" y="4561241"/>
+            <a:ext cx="2072515" cy="923330"/>
+          </a:xfrm>
+          <a:prstGeom prst="rect">
+            <a:avLst/>
+          </a:prstGeom>
+          <a:noFill/>
+        </p:spPr>
+        <p:txBody>
+          <a:bodyPr wrap="square" rtlCol="0">
+            <a:spAutoFit/>
+          </a:bodyPr>
+          <a:lstStyle/>
+          <a:p>
+            <a:r>
+              <a:rPr lang="en-US" dirty="0"/>
+              <a:t>Critical: protection of a secret/unique material</a:t>
+            </a:r>
+          </a:p>
+        </p:txBody>
+      </p:sp>
+      <p:sp>
+        <p:nvSpPr>
+          <p:cNvPr id="13" name="TextBox 12">
+            <a:extLst>
+              <a:ext uri="{FF2B5EF4-FFF2-40B4-BE49-F238E27FC236}">
+                <a16:creationId xmlns:a16="http://schemas.microsoft.com/office/drawing/2014/main" id="{E0B29ACC-C0C9-6EA0-BA9B-96D5E20412F3}"/>
+              </a:ext>
+            </a:extLst>
+          </p:cNvPr>
+          <p:cNvSpPr txBox="1"/>
+          <p:nvPr/>
+        </p:nvSpPr>
+        <p:spPr>
+          <a:xfrm>
+            <a:off x="5099125" y="4819426"/>
+            <a:ext cx="184731" cy="369332"/>
+          </a:xfrm>
+          <a:prstGeom prst="rect">
+            <a:avLst/>
+          </a:prstGeom>
+          <a:noFill/>
+        </p:spPr>
+        <p:txBody>
+          <a:bodyPr wrap="none" rtlCol="0">
+            <a:spAutoFit/>
+          </a:bodyPr>
+          <a:lstStyle/>
+          <a:p>
+            <a:endParaRPr lang="en-US" dirty="0"/>
+          </a:p>
+        </p:txBody>
+      </p:sp>
+      <p:sp>
+        <p:nvSpPr>
+          <p:cNvPr id="14" name="TextBox 13">
+            <a:extLst>
+              <a:ext uri="{FF2B5EF4-FFF2-40B4-BE49-F238E27FC236}">
+                <a16:creationId xmlns:a16="http://schemas.microsoft.com/office/drawing/2014/main" id="{7F9BBEB7-635E-E95D-46D4-6A510DA624F1}"/>
+              </a:ext>
+            </a:extLst>
+          </p:cNvPr>
+          <p:cNvSpPr txBox="1"/>
+          <p:nvPr/>
+        </p:nvSpPr>
+        <p:spPr>
+          <a:xfrm>
+            <a:off x="4845708" y="4561241"/>
+            <a:ext cx="2072515" cy="646331"/>
+          </a:xfrm>
+          <a:prstGeom prst="rect">
+            <a:avLst/>
+          </a:prstGeom>
+          <a:noFill/>
+        </p:spPr>
+        <p:txBody>
+          <a:bodyPr wrap="square" rtlCol="0">
+            <a:spAutoFit/>
+          </a:bodyPr>
+          <a:lstStyle/>
+          <a:p>
+            <a:r>
+              <a:rPr lang="en-US" dirty="0"/>
+              <a:t>Critical: consistent control surface</a:t>
+            </a:r>
+          </a:p>
+        </p:txBody>
+      </p:sp>
+      <p:sp>
+        <p:nvSpPr>
+          <p:cNvPr id="15" name="TextBox 14">
+            <a:extLst>
+              <a:ext uri="{FF2B5EF4-FFF2-40B4-BE49-F238E27FC236}">
+                <a16:creationId xmlns:a16="http://schemas.microsoft.com/office/drawing/2014/main" id="{D01568E9-BC3D-BBDA-D36A-D262B4CD0BDD}"/>
+              </a:ext>
+            </a:extLst>
+          </p:cNvPr>
+          <p:cNvSpPr txBox="1"/>
+          <p:nvPr/>
+        </p:nvSpPr>
+        <p:spPr>
+          <a:xfrm>
+            <a:off x="8908225" y="4561240"/>
+            <a:ext cx="2072515" cy="646331"/>
+          </a:xfrm>
+          <a:prstGeom prst="rect">
+            <a:avLst/>
+          </a:prstGeom>
+          <a:noFill/>
+        </p:spPr>
+        <p:txBody>
+          <a:bodyPr wrap="square" rtlCol="0">
+            <a:spAutoFit/>
+          </a:bodyPr>
+          <a:lstStyle/>
+          <a:p>
+            <a:r>
+              <a:rPr lang="en-US" dirty="0"/>
+              <a:t>Critical: secure validation</a:t>
+            </a:r>
+          </a:p>
+        </p:txBody>
+      </p:sp>
+    </p:spTree>
+    <p:extLst>
+      <p:ext uri="{BB962C8B-B14F-4D97-AF65-F5344CB8AC3E}">
+        <p14:creationId xmlns:p14="http://schemas.microsoft.com/office/powerpoint/2010/main" val="1035150817"/>
+      </p:ext>
+    </p:extLst>
+  </p:cSld>
+  <p:clrMapOvr>
+    <a:masterClrMapping/>
+  </p:clrMapOvr>
+</p:sld>
+</file>
+
+<file path=ppt/slides/slide4.xml><?xml version="1.0" encoding="utf-8"?>
+<p:sld xmlns:a="http://schemas.openxmlformats.org/drawingml/2006/main" xmlns:r="http://schemas.openxmlformats.org/officeDocument/2006/relationships" xmlns:p="http://schemas.openxmlformats.org/presentationml/2006/main">
+  <p:cSld>
+    <p:spTree>
+      <p:nvGrpSpPr>
+        <p:cNvPr id="1" name=""/>
+        <p:cNvGrpSpPr/>
+        <p:nvPr/>
+      </p:nvGrpSpPr>
+      <p:grpSpPr>
+        <a:xfrm>
+          <a:off x="0" y="0"/>
+          <a:ext cx="0" cy="0"/>
+          <a:chOff x="0" y="0"/>
+          <a:chExt cx="0" cy="0"/>
+        </a:xfrm>
+      </p:grpSpPr>
+      <p:sp>
+        <p:nvSpPr>
+          <p:cNvPr id="2" name="Title 1">
+            <a:extLst>
+              <a:ext uri="{FF2B5EF4-FFF2-40B4-BE49-F238E27FC236}">
+                <a16:creationId xmlns:a16="http://schemas.microsoft.com/office/drawing/2014/main" id="{1D370F2A-A4E4-B2EE-CD7E-4E222116178C}"/>
+              </a:ext>
+            </a:extLst>
+          </p:cNvPr>
+          <p:cNvSpPr>
+            <a:spLocks noGrp="1"/>
+          </p:cNvSpPr>
+          <p:nvPr>
+            <p:ph type="title"/>
+          </p:nvPr>
+        </p:nvSpPr>
+        <p:spPr/>
+        <p:txBody>
+          <a:bodyPr/>
+          <a:lstStyle/>
+          <a:p>
+            <a:r>
+              <a:rPr lang="en-US" dirty="0"/>
+              <a:t>Two scenarios</a:t>
+            </a:r>
+          </a:p>
+        </p:txBody>
+      </p:sp>
+      <p:sp>
+        <p:nvSpPr>
+          <p:cNvPr id="3" name="Content Placeholder 2">
+            <a:extLst>
+              <a:ext uri="{FF2B5EF4-FFF2-40B4-BE49-F238E27FC236}">
+                <a16:creationId xmlns:a16="http://schemas.microsoft.com/office/drawing/2014/main" id="{8FDCA761-98DA-DDD8-F5F5-32DE3841F68A}"/>
+              </a:ext>
+            </a:extLst>
+          </p:cNvPr>
+          <p:cNvSpPr>
+            <a:spLocks noGrp="1"/>
+          </p:cNvSpPr>
+          <p:nvPr>
+            <p:ph idx="1"/>
+          </p:nvPr>
+        </p:nvSpPr>
+        <p:spPr/>
+        <p:txBody>
+          <a:bodyPr/>
+          <a:lstStyle/>
+          <a:p>
+            <a:r>
+              <a:rPr lang="en-US" dirty="0"/>
+              <a:t>Cluster as consumer</a:t>
+            </a:r>
+          </a:p>
+          <a:p>
+            <a:r>
+              <a:rPr lang="en-US" dirty="0"/>
+              <a:t>Cluster as resource</a:t>
+            </a:r>
+          </a:p>
+        </p:txBody>
+      </p:sp>
+    </p:spTree>
+    <p:extLst>
+      <p:ext uri="{BB962C8B-B14F-4D97-AF65-F5344CB8AC3E}">
+        <p14:creationId xmlns:p14="http://schemas.microsoft.com/office/powerpoint/2010/main" val="2574314746"/>
+      </p:ext>
+    </p:extLst>
+  </p:cSld>
+  <p:clrMapOvr>
+    <a:masterClrMapping/>
+  </p:clrMapOvr>
+</p:sld>
+</file>
+
+<file path=ppt/slides/slide5.xml><?xml version="1.0" encoding="utf-8"?>
+<p:sld xmlns:a="http://schemas.openxmlformats.org/drawingml/2006/main" xmlns:r="http://schemas.openxmlformats.org/officeDocument/2006/relationships" xmlns:p="http://schemas.openxmlformats.org/presentationml/2006/main">
+  <p:cSld>
+    <p:spTree>
+      <p:nvGrpSpPr>
+        <p:cNvPr id="1" name=""/>
+        <p:cNvGrpSpPr/>
+        <p:nvPr/>
+      </p:nvGrpSpPr>
+      <p:grpSpPr>
+        <a:xfrm>
+          <a:off x="0" y="0"/>
+          <a:ext cx="0" cy="0"/>
+          <a:chOff x="0" y="0"/>
+          <a:chExt cx="0" cy="0"/>
+        </a:xfrm>
+      </p:grpSpPr>
+      <p:sp>
+        <p:nvSpPr>
+          <p:cNvPr id="2" name="Title 1">
+            <a:extLst>
+              <a:ext uri="{FF2B5EF4-FFF2-40B4-BE49-F238E27FC236}">
+                <a16:creationId xmlns:a16="http://schemas.microsoft.com/office/drawing/2014/main" id="{0FCBAF9B-D853-D019-12AE-029505334849}"/>
+              </a:ext>
+            </a:extLst>
+          </p:cNvPr>
+          <p:cNvSpPr>
+            <a:spLocks noGrp="1"/>
+          </p:cNvSpPr>
+          <p:nvPr>
+            <p:ph type="title"/>
+          </p:nvPr>
+        </p:nvSpPr>
+        <p:spPr/>
+        <p:txBody>
+          <a:bodyPr/>
+          <a:lstStyle/>
+          <a:p>
+            <a:r>
+              <a:rPr lang="en-US" dirty="0"/>
+              <a:t>Cluster as consumer</a:t>
+            </a:r>
+          </a:p>
+        </p:txBody>
+      </p:sp>
+      <p:sp>
+        <p:nvSpPr>
+          <p:cNvPr id="3" name="Content Placeholder 2">
+            <a:extLst>
+              <a:ext uri="{FF2B5EF4-FFF2-40B4-BE49-F238E27FC236}">
+                <a16:creationId xmlns:a16="http://schemas.microsoft.com/office/drawing/2014/main" id="{65D056EA-C952-A6EB-5667-5868FB7D4E02}"/>
+              </a:ext>
+            </a:extLst>
+          </p:cNvPr>
+          <p:cNvSpPr>
+            <a:spLocks noGrp="1"/>
+          </p:cNvSpPr>
+          <p:nvPr>
+            <p:ph idx="1"/>
+          </p:nvPr>
+        </p:nvSpPr>
+        <p:spPr/>
+        <p:txBody>
+          <a:bodyPr/>
+          <a:lstStyle/>
+          <a:p>
+            <a:r>
+              <a:rPr lang="en-US" dirty="0"/>
+              <a:t>Use existing control surface (Azure AD) when available</a:t>
+            </a:r>
+          </a:p>
+          <a:p>
+            <a:r>
+              <a:rPr lang="en-US" dirty="0"/>
+              <a:t>Use OAuth2</a:t>
+            </a:r>
+          </a:p>
+          <a:p>
+            <a:r>
+              <a:rPr lang="en-US" dirty="0"/>
+              <a:t>Protect token signing keys/secrets</a:t>
+            </a:r>
+          </a:p>
+          <a:p>
+            <a:r>
+              <a:rPr lang="en-US" dirty="0"/>
+              <a:t>Deployment agnostic (AKS or not)</a:t>
+            </a:r>
+          </a:p>
+        </p:txBody>
+      </p:sp>
+    </p:spTree>
+    <p:extLst>
+      <p:ext uri="{BB962C8B-B14F-4D97-AF65-F5344CB8AC3E}">
+        <p14:creationId xmlns:p14="http://schemas.microsoft.com/office/powerpoint/2010/main" val="3305616793"/>
+      </p:ext>
+    </p:extLst>
+  </p:cSld>
+  <p:clrMapOvr>
+    <a:masterClrMapping/>
+  </p:clrMapOvr>
+</p:sld>
+</file>
+
+<file path=ppt/slides/slide6.xml><?xml version="1.0" encoding="utf-8"?>
+<p:sld xmlns:a="http://schemas.openxmlformats.org/drawingml/2006/main" xmlns:r="http://schemas.openxmlformats.org/officeDocument/2006/relationships" xmlns:p="http://schemas.openxmlformats.org/presentationml/2006/main">
+  <p:cSld>
+    <p:spTree>
+      <p:nvGrpSpPr>
+        <p:cNvPr id="1" name=""/>
+        <p:cNvGrpSpPr/>
+        <p:nvPr/>
+      </p:nvGrpSpPr>
+      <p:grpSpPr>
+        <a:xfrm>
+          <a:off x="0" y="0"/>
+          <a:ext cx="0" cy="0"/>
+          <a:chOff x="0" y="0"/>
+          <a:chExt cx="0" cy="0"/>
+        </a:xfrm>
+      </p:grpSpPr>
+      <p:sp>
+        <p:nvSpPr>
+          <p:cNvPr id="9" name="Rectangle: Rounded Corners 8">
+            <a:extLst>
+              <a:ext uri="{FF2B5EF4-FFF2-40B4-BE49-F238E27FC236}">
+                <a16:creationId xmlns:a16="http://schemas.microsoft.com/office/drawing/2014/main" id="{29FFD78B-E009-3169-DCA4-3EEC0E999B18}"/>
+              </a:ext>
+            </a:extLst>
+          </p:cNvPr>
+          <p:cNvSpPr/>
+          <p:nvPr/>
+        </p:nvSpPr>
+        <p:spPr>
+          <a:xfrm>
+            <a:off x="696686" y="2101402"/>
+            <a:ext cx="3736536" cy="2239103"/>
+          </a:xfrm>
+          <a:prstGeom prst="roundRect">
+            <a:avLst/>
+          </a:prstGeom>
+          <a:noFill/>
+        </p:spPr>
+        <p:style>
+          <a:lnRef idx="2">
+            <a:schemeClr val="accent1">
+              <a:shade val="50000"/>
+            </a:schemeClr>
+          </a:lnRef>
+          <a:fillRef idx="1">
+            <a:schemeClr val="accent1"/>
+          </a:fillRef>
+          <a:effectRef idx="0">
+            <a:schemeClr val="accent1"/>
+          </a:effectRef>
+          <a:fontRef idx="minor">
+            <a:schemeClr val="lt1"/>
+          </a:fontRef>
+        </p:style>
+        <p:txBody>
+          <a:bodyPr rtlCol="0" anchor="t" anchorCtr="0"/>
+          <a:lstStyle/>
+          <a:p>
+            <a:pPr algn="ctr"/>
+            <a:r>
+              <a:rPr lang="en-US" dirty="0">
+                <a:solidFill>
+                  <a:schemeClr val="tx1"/>
+                </a:solidFill>
+              </a:rPr>
+              <a:t>Cluster</a:t>
+            </a:r>
+          </a:p>
+        </p:txBody>
+      </p:sp>
+      <p:sp>
+        <p:nvSpPr>
+          <p:cNvPr id="2" name="Title 1">
+            <a:extLst>
+              <a:ext uri="{FF2B5EF4-FFF2-40B4-BE49-F238E27FC236}">
+                <a16:creationId xmlns:a16="http://schemas.microsoft.com/office/drawing/2014/main" id="{AF30C5C2-C4DD-C74E-31A4-242C2039E3DE}"/>
+              </a:ext>
+            </a:extLst>
+          </p:cNvPr>
+          <p:cNvSpPr>
+            <a:spLocks noGrp="1"/>
+          </p:cNvSpPr>
+          <p:nvPr>
+            <p:ph type="title"/>
+          </p:nvPr>
+        </p:nvSpPr>
+        <p:spPr/>
+        <p:txBody>
+          <a:bodyPr/>
+          <a:lstStyle/>
+          <a:p>
+            <a:r>
+              <a:rPr lang="en-US" dirty="0"/>
+              <a:t>K8s workflow identity</a:t>
+            </a:r>
+          </a:p>
+        </p:txBody>
+      </p:sp>
+      <p:sp>
+        <p:nvSpPr>
+          <p:cNvPr id="4" name="Isosceles Triangle 3">
+            <a:extLst>
+              <a:ext uri="{FF2B5EF4-FFF2-40B4-BE49-F238E27FC236}">
+                <a16:creationId xmlns:a16="http://schemas.microsoft.com/office/drawing/2014/main" id="{0C269861-2229-5573-5DA5-F6F535A55210}"/>
+              </a:ext>
+            </a:extLst>
+          </p:cNvPr>
+          <p:cNvSpPr/>
+          <p:nvPr/>
+        </p:nvSpPr>
+        <p:spPr>
+          <a:xfrm>
+            <a:off x="7604394" y="1859101"/>
+            <a:ext cx="2510508" cy="2239103"/>
+          </a:xfrm>
+          <a:prstGeom prst="triangle">
+            <a:avLst/>
+          </a:prstGeom>
+        </p:spPr>
+        <p:style>
+          <a:lnRef idx="2">
+            <a:schemeClr val="accent1">
+              <a:shade val="50000"/>
+            </a:schemeClr>
+          </a:lnRef>
+          <a:fillRef idx="1">
+            <a:schemeClr val="accent1"/>
+          </a:fillRef>
+          <a:effectRef idx="0">
+            <a:schemeClr val="accent1"/>
+          </a:effectRef>
+          <a:fontRef idx="minor">
+            <a:schemeClr val="lt1"/>
+          </a:fontRef>
+        </p:style>
+        <p:txBody>
+          <a:bodyPr rtlCol="0" anchor="ctr"/>
+          <a:lstStyle/>
+          <a:p>
+            <a:pPr algn="ctr"/>
+            <a:r>
+              <a:rPr lang="en-US" dirty="0"/>
+              <a:t>AAD</a:t>
+            </a:r>
+          </a:p>
+        </p:txBody>
+      </p:sp>
+      <p:sp>
+        <p:nvSpPr>
+          <p:cNvPr id="6" name="Rectangle: Rounded Corners 5">
+            <a:extLst>
+              <a:ext uri="{FF2B5EF4-FFF2-40B4-BE49-F238E27FC236}">
+                <a16:creationId xmlns:a16="http://schemas.microsoft.com/office/drawing/2014/main" id="{02F75916-2AF6-29AF-988C-C43B69154519}"/>
+              </a:ext>
+            </a:extLst>
+          </p:cNvPr>
+          <p:cNvSpPr/>
+          <p:nvPr/>
+        </p:nvSpPr>
+        <p:spPr>
+          <a:xfrm>
+            <a:off x="1729706" y="2695381"/>
+            <a:ext cx="2612572" cy="1325563"/>
+          </a:xfrm>
+          <a:prstGeom prst="roundRect">
+            <a:avLst/>
+          </a:prstGeom>
+        </p:spPr>
+        <p:style>
+          <a:lnRef idx="2">
+            <a:schemeClr val="accent1">
+              <a:shade val="50000"/>
+            </a:schemeClr>
+          </a:lnRef>
+          <a:fillRef idx="1">
+            <a:schemeClr val="accent1"/>
+          </a:fillRef>
+          <a:effectRef idx="0">
+            <a:schemeClr val="accent1"/>
+          </a:effectRef>
+          <a:fontRef idx="minor">
+            <a:schemeClr val="lt1"/>
+          </a:fontRef>
+        </p:style>
+        <p:txBody>
+          <a:bodyPr rtlCol="0" anchor="ctr"/>
+          <a:lstStyle/>
+          <a:p>
+            <a:pPr algn="ctr"/>
+            <a:r>
+              <a:rPr lang="en-US" dirty="0"/>
+              <a:t>Client app</a:t>
+            </a:r>
+          </a:p>
+        </p:txBody>
+      </p:sp>
+      <p:pic>
+        <p:nvPicPr>
+          <p:cNvPr id="8" name="Picture 7">
+            <a:extLst>
+              <a:ext uri="{FF2B5EF4-FFF2-40B4-BE49-F238E27FC236}">
+                <a16:creationId xmlns:a16="http://schemas.microsoft.com/office/drawing/2014/main" id="{6199D834-3F49-D3F8-68A4-0A981CCF0997}"/>
+              </a:ext>
+            </a:extLst>
+          </p:cNvPr>
+          <p:cNvPicPr>
+            <a:picLocks noChangeAspect="1"/>
+          </p:cNvPicPr>
+          <p:nvPr/>
+        </p:nvPicPr>
+        <p:blipFill>
+          <a:blip r:embed="rId2"/>
+          <a:stretch>
+            <a:fillRect/>
+          </a:stretch>
+        </p:blipFill>
+        <p:spPr>
+          <a:xfrm>
+            <a:off x="652813" y="2005456"/>
+            <a:ext cx="722631" cy="715877"/>
+          </a:xfrm>
+          <a:prstGeom prst="rect">
+            <a:avLst/>
+          </a:prstGeom>
+        </p:spPr>
+      </p:pic>
+      <p:sp>
+        <p:nvSpPr>
+          <p:cNvPr id="10" name="Arrow: Bent 9">
+            <a:extLst>
+              <a:ext uri="{FF2B5EF4-FFF2-40B4-BE49-F238E27FC236}">
+                <a16:creationId xmlns:a16="http://schemas.microsoft.com/office/drawing/2014/main" id="{376D270B-9AFA-BF18-21A6-45CFE6B26F21}"/>
+              </a:ext>
+            </a:extLst>
+          </p:cNvPr>
+          <p:cNvSpPr/>
+          <p:nvPr/>
+        </p:nvSpPr>
+        <p:spPr>
+          <a:xfrm rot="10800000" flipH="1">
+            <a:off x="1175416" y="2974739"/>
+            <a:ext cx="618741" cy="516842"/>
+          </a:xfrm>
+          <a:prstGeom prst="bentArrow">
+            <a:avLst/>
+          </a:prstGeom>
+          <a:solidFill>
+            <a:schemeClr val="accent6"/>
+          </a:solidFill>
+        </p:spPr>
+        <p:style>
+          <a:lnRef idx="2">
+            <a:schemeClr val="accent1">
+              <a:shade val="50000"/>
+            </a:schemeClr>
+          </a:lnRef>
+          <a:fillRef idx="1">
+            <a:schemeClr val="accent1"/>
+          </a:fillRef>
+          <a:effectRef idx="0">
+            <a:schemeClr val="accent1"/>
+          </a:effectRef>
+          <a:fontRef idx="minor">
+            <a:schemeClr val="lt1"/>
+          </a:fontRef>
+        </p:style>
+        <p:txBody>
+          <a:bodyPr rtlCol="0" anchor="ctr"/>
+          <a:lstStyle/>
+          <a:p>
+            <a:pPr algn="ctr"/>
+            <a:endParaRPr lang="en-US">
+              <a:solidFill>
+                <a:schemeClr val="tx1"/>
+              </a:solidFill>
+            </a:endParaRPr>
+          </a:p>
+        </p:txBody>
+      </p:sp>
+      <p:sp>
+        <p:nvSpPr>
+          <p:cNvPr id="11" name="TextBox 10">
+            <a:extLst>
+              <a:ext uri="{FF2B5EF4-FFF2-40B4-BE49-F238E27FC236}">
+                <a16:creationId xmlns:a16="http://schemas.microsoft.com/office/drawing/2014/main" id="{D71392CE-C49C-9E69-6328-686976BADD52}"/>
+              </a:ext>
+            </a:extLst>
+          </p:cNvPr>
+          <p:cNvSpPr txBox="1"/>
+          <p:nvPr/>
+        </p:nvSpPr>
+        <p:spPr>
+          <a:xfrm>
+            <a:off x="723928" y="3463162"/>
+            <a:ext cx="1070229" cy="307777"/>
+          </a:xfrm>
+          <a:prstGeom prst="rect">
+            <a:avLst/>
+          </a:prstGeom>
+          <a:noFill/>
+        </p:spPr>
+        <p:txBody>
+          <a:bodyPr wrap="none" rtlCol="0">
+            <a:spAutoFit/>
+          </a:bodyPr>
+          <a:lstStyle/>
+          <a:p>
+            <a:r>
+              <a:rPr lang="en-US" sz="1400" dirty="0"/>
+              <a:t>1. API Token</a:t>
+            </a:r>
+          </a:p>
+        </p:txBody>
+      </p:sp>
+      <p:sp>
+        <p:nvSpPr>
+          <p:cNvPr id="12" name="Arrow: Right 11">
+            <a:extLst>
+              <a:ext uri="{FF2B5EF4-FFF2-40B4-BE49-F238E27FC236}">
+                <a16:creationId xmlns:a16="http://schemas.microsoft.com/office/drawing/2014/main" id="{9C68A105-2B28-412B-9252-0003627EA391}"/>
+              </a:ext>
+            </a:extLst>
+          </p:cNvPr>
+          <p:cNvSpPr/>
+          <p:nvPr/>
+        </p:nvSpPr>
+        <p:spPr>
+          <a:xfrm>
+            <a:off x="4031888" y="2974739"/>
+            <a:ext cx="4128224" cy="325611"/>
+          </a:xfrm>
+          <a:prstGeom prst="rightArrow">
+            <a:avLst/>
+          </a:prstGeom>
+          <a:solidFill>
+            <a:schemeClr val="accent6"/>
+          </a:solidFill>
+        </p:spPr>
+        <p:style>
+          <a:lnRef idx="2">
+            <a:schemeClr val="accent1">
+              <a:shade val="50000"/>
+            </a:schemeClr>
+          </a:lnRef>
+          <a:fillRef idx="1">
+            <a:schemeClr val="accent1"/>
+          </a:fillRef>
+          <a:effectRef idx="0">
+            <a:schemeClr val="accent1"/>
+          </a:effectRef>
+          <a:fontRef idx="minor">
+            <a:schemeClr val="lt1"/>
+          </a:fontRef>
+        </p:style>
+        <p:txBody>
+          <a:bodyPr rtlCol="0" anchor="ctr"/>
+          <a:lstStyle/>
+          <a:p>
+            <a:pPr algn="ctr"/>
+            <a:endParaRPr lang="en-US"/>
+          </a:p>
+        </p:txBody>
+      </p:sp>
+      <p:sp>
+        <p:nvSpPr>
+          <p:cNvPr id="13" name="TextBox 12">
+            <a:extLst>
+              <a:ext uri="{FF2B5EF4-FFF2-40B4-BE49-F238E27FC236}">
+                <a16:creationId xmlns:a16="http://schemas.microsoft.com/office/drawing/2014/main" id="{096EF4DC-3583-2835-5AAB-4F95A291E050}"/>
+              </a:ext>
+            </a:extLst>
+          </p:cNvPr>
+          <p:cNvSpPr txBox="1"/>
+          <p:nvPr/>
+        </p:nvSpPr>
+        <p:spPr>
+          <a:xfrm>
+            <a:off x="5291549" y="2545417"/>
+            <a:ext cx="2028632" cy="523220"/>
+          </a:xfrm>
+          <a:prstGeom prst="rect">
+            <a:avLst/>
+          </a:prstGeom>
+          <a:noFill/>
+        </p:spPr>
+        <p:txBody>
+          <a:bodyPr wrap="none" rtlCol="0">
+            <a:spAutoFit/>
+          </a:bodyPr>
+          <a:lstStyle/>
+          <a:p>
+            <a:r>
+              <a:rPr lang="en-US" sz="1400" dirty="0"/>
+              <a:t>2. OAuth2 Client Creds</a:t>
+            </a:r>
+          </a:p>
+          <a:p>
+            <a:r>
+              <a:rPr lang="en-US" sz="1400" dirty="0"/>
+              <a:t>w/ k8s token as assertion</a:t>
+            </a:r>
+          </a:p>
+        </p:txBody>
+      </p:sp>
+      <p:sp>
+        <p:nvSpPr>
+          <p:cNvPr id="15" name="Arrow: Right 14">
+            <a:extLst>
+              <a:ext uri="{FF2B5EF4-FFF2-40B4-BE49-F238E27FC236}">
+                <a16:creationId xmlns:a16="http://schemas.microsoft.com/office/drawing/2014/main" id="{0EDA8897-9D59-4419-9B68-2A4F14CEFC94}"/>
+              </a:ext>
+            </a:extLst>
+          </p:cNvPr>
+          <p:cNvSpPr/>
+          <p:nvPr/>
+        </p:nvSpPr>
+        <p:spPr>
+          <a:xfrm>
+            <a:off x="4031888" y="2086052"/>
+            <a:ext cx="4128224" cy="325611"/>
+          </a:xfrm>
+          <a:prstGeom prst="rightArrow">
+            <a:avLst/>
+          </a:prstGeom>
+          <a:solidFill>
+            <a:schemeClr val="accent6">
+              <a:alpha val="50000"/>
+            </a:schemeClr>
+          </a:solidFill>
+        </p:spPr>
+        <p:style>
+          <a:lnRef idx="2">
+            <a:schemeClr val="accent1">
+              <a:shade val="50000"/>
+            </a:schemeClr>
+          </a:lnRef>
+          <a:fillRef idx="1">
+            <a:schemeClr val="accent1"/>
+          </a:fillRef>
+          <a:effectRef idx="0">
+            <a:schemeClr val="accent1"/>
+          </a:effectRef>
+          <a:fontRef idx="minor">
+            <a:schemeClr val="lt1"/>
+          </a:fontRef>
+        </p:style>
+        <p:txBody>
+          <a:bodyPr rtlCol="0" anchor="ctr"/>
+          <a:lstStyle/>
+          <a:p>
+            <a:pPr algn="ctr"/>
+            <a:endParaRPr lang="en-US"/>
+          </a:p>
+        </p:txBody>
+      </p:sp>
+      <p:sp>
+        <p:nvSpPr>
+          <p:cNvPr id="16" name="TextBox 15">
+            <a:extLst>
+              <a:ext uri="{FF2B5EF4-FFF2-40B4-BE49-F238E27FC236}">
+                <a16:creationId xmlns:a16="http://schemas.microsoft.com/office/drawing/2014/main" id="{21674FA6-B2EB-0F08-10A1-207557B1F625}"/>
+              </a:ext>
+            </a:extLst>
+          </p:cNvPr>
+          <p:cNvSpPr txBox="1"/>
+          <p:nvPr/>
+        </p:nvSpPr>
+        <p:spPr>
+          <a:xfrm>
+            <a:off x="5291549" y="1571320"/>
+            <a:ext cx="1605807" cy="523220"/>
+          </a:xfrm>
+          <a:prstGeom prst="rect">
+            <a:avLst/>
+          </a:prstGeom>
+          <a:noFill/>
+        </p:spPr>
+        <p:txBody>
+          <a:bodyPr wrap="square" rtlCol="0">
+            <a:spAutoFit/>
+          </a:bodyPr>
+          <a:lstStyle/>
+          <a:p>
+            <a:r>
+              <a:rPr lang="en-US" sz="1400" dirty="0"/>
+              <a:t>3. OIDC .well-known and </a:t>
+            </a:r>
+            <a:r>
+              <a:rPr lang="en-US" sz="1400" dirty="0" err="1"/>
+              <a:t>jwks</a:t>
+            </a:r>
+            <a:endParaRPr lang="en-US" sz="1400" dirty="0"/>
+          </a:p>
+        </p:txBody>
+      </p:sp>
+      <p:sp>
+        <p:nvSpPr>
+          <p:cNvPr id="17" name="Arrow: Right 16">
+            <a:extLst>
+              <a:ext uri="{FF2B5EF4-FFF2-40B4-BE49-F238E27FC236}">
+                <a16:creationId xmlns:a16="http://schemas.microsoft.com/office/drawing/2014/main" id="{ED93D80F-7D61-176B-50EB-6BFD908B79C0}"/>
+              </a:ext>
+            </a:extLst>
+          </p:cNvPr>
+          <p:cNvSpPr/>
+          <p:nvPr/>
+        </p:nvSpPr>
+        <p:spPr>
+          <a:xfrm rot="10800000">
+            <a:off x="4031888" y="3678885"/>
+            <a:ext cx="4128224" cy="325611"/>
+          </a:xfrm>
+          <a:prstGeom prst="rightArrow">
+            <a:avLst/>
+          </a:prstGeom>
+          <a:solidFill>
+            <a:schemeClr val="accent6"/>
+          </a:solidFill>
+        </p:spPr>
+        <p:style>
+          <a:lnRef idx="2">
+            <a:schemeClr val="accent1">
+              <a:shade val="50000"/>
+            </a:schemeClr>
+          </a:lnRef>
+          <a:fillRef idx="1">
+            <a:schemeClr val="accent1"/>
+          </a:fillRef>
+          <a:effectRef idx="0">
+            <a:schemeClr val="accent1"/>
+          </a:effectRef>
+          <a:fontRef idx="minor">
+            <a:schemeClr val="lt1"/>
+          </a:fontRef>
+        </p:style>
+        <p:txBody>
+          <a:bodyPr rtlCol="0" anchor="ctr"/>
+          <a:lstStyle/>
+          <a:p>
+            <a:pPr algn="ctr"/>
+            <a:endParaRPr lang="en-US"/>
+          </a:p>
+        </p:txBody>
+      </p:sp>
+      <p:sp>
+        <p:nvSpPr>
+          <p:cNvPr id="18" name="TextBox 17">
+            <a:extLst>
+              <a:ext uri="{FF2B5EF4-FFF2-40B4-BE49-F238E27FC236}">
+                <a16:creationId xmlns:a16="http://schemas.microsoft.com/office/drawing/2014/main" id="{AA5F37CC-BCEE-815F-5028-CEA5A1435D43}"/>
+              </a:ext>
+            </a:extLst>
+          </p:cNvPr>
+          <p:cNvSpPr txBox="1"/>
+          <p:nvPr/>
+        </p:nvSpPr>
+        <p:spPr>
+          <a:xfrm>
+            <a:off x="5291549" y="3308461"/>
+            <a:ext cx="1569725" cy="523220"/>
+          </a:xfrm>
+          <a:prstGeom prst="rect">
+            <a:avLst/>
+          </a:prstGeom>
+          <a:noFill/>
+        </p:spPr>
+        <p:txBody>
+          <a:bodyPr wrap="none" rtlCol="0">
+            <a:spAutoFit/>
+          </a:bodyPr>
+          <a:lstStyle/>
+          <a:p>
+            <a:r>
+              <a:rPr lang="en-US" sz="1400" dirty="0"/>
+              <a:t>4. AAD application </a:t>
+            </a:r>
+          </a:p>
+          <a:p>
+            <a:r>
+              <a:rPr lang="en-US" sz="1400" dirty="0"/>
+              <a:t>access token</a:t>
+            </a:r>
+          </a:p>
+        </p:txBody>
+      </p:sp>
+    </p:spTree>
+    <p:extLst>
+      <p:ext uri="{BB962C8B-B14F-4D97-AF65-F5344CB8AC3E}">
+        <p14:creationId xmlns:p14="http://schemas.microsoft.com/office/powerpoint/2010/main" val="3672435010"/>
+      </p:ext>
+    </p:extLst>
+  </p:cSld>
+  <p:clrMapOvr>
+    <a:masterClrMapping/>
+  </p:clrMapOvr>
+</p:sld>
+</file>
+
+<file path=ppt/slides/slide7.xml><?xml version="1.0" encoding="utf-8"?>
+<p:sld xmlns:a="http://schemas.openxmlformats.org/drawingml/2006/main" xmlns:r="http://schemas.openxmlformats.org/officeDocument/2006/relationships" xmlns:p="http://schemas.openxmlformats.org/presentationml/2006/main">
+  <p:cSld>
+    <p:spTree>
+      <p:nvGrpSpPr>
+        <p:cNvPr id="1" name=""/>
+        <p:cNvGrpSpPr/>
+        <p:nvPr/>
+      </p:nvGrpSpPr>
+      <p:grpSpPr>
+        <a:xfrm>
+          <a:off x="0" y="0"/>
+          <a:ext cx="0" cy="0"/>
+          <a:chOff x="0" y="0"/>
+          <a:chExt cx="0" cy="0"/>
+        </a:xfrm>
+      </p:grpSpPr>
+      <p:sp>
+        <p:nvSpPr>
+          <p:cNvPr id="2" name="Title 1">
+            <a:extLst>
+              <a:ext uri="{FF2B5EF4-FFF2-40B4-BE49-F238E27FC236}">
+                <a16:creationId xmlns:a16="http://schemas.microsoft.com/office/drawing/2014/main" id="{199CE317-AF1D-43B9-734B-9E598BE110BC}"/>
+              </a:ext>
+            </a:extLst>
+          </p:cNvPr>
+          <p:cNvSpPr>
+            <a:spLocks noGrp="1"/>
+          </p:cNvSpPr>
+          <p:nvPr>
+            <p:ph type="title"/>
+          </p:nvPr>
+        </p:nvSpPr>
+        <p:spPr/>
+        <p:txBody>
+          <a:bodyPr/>
+          <a:lstStyle/>
+          <a:p>
+            <a:r>
+              <a:rPr lang="en-US" dirty="0"/>
+              <a:t>Basic process</a:t>
+            </a:r>
+          </a:p>
+        </p:txBody>
+      </p:sp>
+      <p:sp>
+        <p:nvSpPr>
+          <p:cNvPr id="3" name="Content Placeholder 2">
+            <a:extLst>
+              <a:ext uri="{FF2B5EF4-FFF2-40B4-BE49-F238E27FC236}">
+                <a16:creationId xmlns:a16="http://schemas.microsoft.com/office/drawing/2014/main" id="{380A853C-09C1-1832-7587-EE6F7A4E8B9B}"/>
+              </a:ext>
+            </a:extLst>
+          </p:cNvPr>
+          <p:cNvSpPr>
+            <a:spLocks noGrp="1"/>
+          </p:cNvSpPr>
+          <p:nvPr>
+            <p:ph idx="1"/>
+          </p:nvPr>
+        </p:nvSpPr>
+        <p:spPr/>
+        <p:txBody>
+          <a:bodyPr>
+            <a:normAutofit fontScale="85000" lnSpcReduction="20000"/>
+          </a:bodyPr>
+          <a:lstStyle/>
+          <a:p>
+            <a:pPr marL="0" indent="0">
+              <a:buNone/>
+            </a:pPr>
+            <a:r>
+              <a:rPr lang="en-US" dirty="0"/>
+              <a:t>Cluster</a:t>
+            </a:r>
+          </a:p>
+          <a:p>
+            <a:r>
+              <a:rPr lang="en-US" dirty="0"/>
+              <a:t>Enable OIDC metadata discovery</a:t>
+            </a:r>
+          </a:p>
+          <a:p>
+            <a:r>
+              <a:rPr lang="en-US" dirty="0"/>
+              <a:t>Get cluster OIDC .well-known </a:t>
+            </a:r>
+            <a:r>
+              <a:rPr lang="en-US" dirty="0" err="1"/>
+              <a:t>url</a:t>
+            </a:r>
+            <a:endParaRPr lang="en-US" dirty="0"/>
+          </a:p>
+          <a:p>
+            <a:pPr marL="0" indent="0">
+              <a:buNone/>
+            </a:pPr>
+            <a:r>
+              <a:rPr lang="en-US" dirty="0"/>
+              <a:t>Pod/deployment</a:t>
+            </a:r>
+          </a:p>
+          <a:p>
+            <a:r>
+              <a:rPr lang="en-US" dirty="0"/>
+              <a:t>Create a service account</a:t>
+            </a:r>
+          </a:p>
+          <a:p>
+            <a:r>
+              <a:rPr lang="en-US" dirty="0"/>
+              <a:t>Assign it to a pod</a:t>
+            </a:r>
+          </a:p>
+          <a:p>
+            <a:r>
+              <a:rPr lang="en-US" dirty="0"/>
+              <a:t>Configure pod to have access to service account’s k8s API token</a:t>
+            </a:r>
+          </a:p>
+          <a:p>
+            <a:pPr marL="0" indent="0">
+              <a:buNone/>
+            </a:pPr>
+            <a:r>
+              <a:rPr lang="en-US" dirty="0"/>
+              <a:t>AAD</a:t>
+            </a:r>
+          </a:p>
+          <a:p>
+            <a:r>
+              <a:rPr lang="en-US" dirty="0"/>
+              <a:t>Register client as application</a:t>
+            </a:r>
+          </a:p>
+          <a:p>
+            <a:r>
+              <a:rPr lang="en-US" dirty="0"/>
+              <a:t>Configure federated identity for the app</a:t>
+            </a:r>
+          </a:p>
+          <a:p>
+            <a:r>
+              <a:rPr lang="en-US" dirty="0"/>
+              <a:t>Assign required API permissions</a:t>
+            </a:r>
+          </a:p>
+        </p:txBody>
+      </p:sp>
+    </p:spTree>
+    <p:extLst>
+      <p:ext uri="{BB962C8B-B14F-4D97-AF65-F5344CB8AC3E}">
+        <p14:creationId xmlns:p14="http://schemas.microsoft.com/office/powerpoint/2010/main" val="1746983618"/>
+      </p:ext>
+    </p:extLst>
+  </p:cSld>
+  <p:clrMapOvr>
+    <a:masterClrMapping/>
+  </p:clrMapOvr>
+</p:sld>
+</file>
+
+<file path=ppt/slides/slide8.xml><?xml version="1.0" encoding="utf-8"?>
+<p:sld xmlns:a="http://schemas.openxmlformats.org/drawingml/2006/main" xmlns:r="http://schemas.openxmlformats.org/officeDocument/2006/relationships" xmlns:p="http://schemas.openxmlformats.org/presentationml/2006/main">
+  <p:cSld>
+    <p:spTree>
+      <p:nvGrpSpPr>
+        <p:cNvPr id="1" name=""/>
+        <p:cNvGrpSpPr/>
+        <p:nvPr/>
+      </p:nvGrpSpPr>
+      <p:grpSpPr>
+        <a:xfrm>
+          <a:off x="0" y="0"/>
+          <a:ext cx="0" cy="0"/>
+          <a:chOff x="0" y="0"/>
+          <a:chExt cx="0" cy="0"/>
+        </a:xfrm>
+      </p:grpSpPr>
+      <p:sp>
+        <p:nvSpPr>
+          <p:cNvPr id="2" name="Title 1">
+            <a:extLst>
+              <a:ext uri="{FF2B5EF4-FFF2-40B4-BE49-F238E27FC236}">
+                <a16:creationId xmlns:a16="http://schemas.microsoft.com/office/drawing/2014/main" id="{72B4DBDD-7E60-7252-22BA-5924EDF320AC}"/>
+              </a:ext>
+            </a:extLst>
+          </p:cNvPr>
+          <p:cNvSpPr>
+            <a:spLocks noGrp="1"/>
+          </p:cNvSpPr>
+          <p:nvPr>
+            <p:ph type="title"/>
+          </p:nvPr>
+        </p:nvSpPr>
+        <p:spPr/>
+        <p:txBody>
+          <a:bodyPr/>
+          <a:lstStyle/>
+          <a:p>
+            <a:r>
+              <a:rPr lang="en-US" dirty="0"/>
+              <a:t>Cluster</a:t>
+            </a:r>
+          </a:p>
+        </p:txBody>
+      </p:sp>
+      <p:sp>
+        <p:nvSpPr>
+          <p:cNvPr id="3" name="Content Placeholder 2">
+            <a:extLst>
+              <a:ext uri="{FF2B5EF4-FFF2-40B4-BE49-F238E27FC236}">
+                <a16:creationId xmlns:a16="http://schemas.microsoft.com/office/drawing/2014/main" id="{E1431765-6C2F-6DD8-56B5-7EEB63030DAE}"/>
+              </a:ext>
+            </a:extLst>
+          </p:cNvPr>
+          <p:cNvSpPr>
+            <a:spLocks noGrp="1"/>
+          </p:cNvSpPr>
+          <p:nvPr>
+            <p:ph idx="1"/>
+          </p:nvPr>
+        </p:nvSpPr>
+        <p:spPr/>
+        <p:txBody>
+          <a:bodyPr/>
+          <a:lstStyle/>
+          <a:p>
+            <a:r>
+              <a:rPr lang="en-US" dirty="0">
+                <a:hlinkClick r:id="rId2"/>
+              </a:rPr>
+              <a:t>AKS</a:t>
+            </a:r>
+            <a:endParaRPr lang="en-US" dirty="0"/>
+          </a:p>
+          <a:p>
+            <a:pPr lvl="1"/>
+            <a:r>
+              <a:rPr lang="en-US" dirty="0"/>
+              <a:t>Requires </a:t>
+            </a:r>
+            <a:r>
+              <a:rPr lang="en-US" dirty="0" err="1"/>
+              <a:t>aks</a:t>
+            </a:r>
+            <a:r>
+              <a:rPr lang="en-US" dirty="0"/>
+              <a:t>-preview and </a:t>
+            </a:r>
+            <a:r>
+              <a:rPr lang="en-US" dirty="0" err="1"/>
+              <a:t>WorkloadIdentity</a:t>
+            </a:r>
+            <a:r>
+              <a:rPr lang="en-US" dirty="0"/>
+              <a:t> enabled</a:t>
+            </a:r>
+          </a:p>
+          <a:p>
+            <a:pPr lvl="1"/>
+            <a:r>
+              <a:rPr lang="en-US" dirty="0"/>
+              <a:t>Az </a:t>
+            </a:r>
+            <a:r>
+              <a:rPr lang="en-US" dirty="0" err="1"/>
+              <a:t>aks</a:t>
+            </a:r>
+            <a:r>
+              <a:rPr lang="en-US" dirty="0"/>
+              <a:t> create … --enable-</a:t>
+            </a:r>
+            <a:r>
+              <a:rPr lang="en-US" dirty="0" err="1"/>
+              <a:t>oidc</a:t>
+            </a:r>
+            <a:r>
+              <a:rPr lang="en-US" dirty="0"/>
+              <a:t>-issuer</a:t>
+            </a:r>
+          </a:p>
+          <a:p>
+            <a:pPr lvl="1"/>
+            <a:r>
+              <a:rPr lang="en-US" dirty="0"/>
+              <a:t>Get issuer </a:t>
+            </a:r>
+            <a:r>
+              <a:rPr lang="en-US" dirty="0" err="1"/>
+              <a:t>uri</a:t>
+            </a:r>
+            <a:r>
+              <a:rPr lang="en-US" dirty="0"/>
+              <a:t>: </a:t>
+            </a:r>
+            <a:r>
+              <a:rPr lang="en-US" dirty="0" err="1"/>
+              <a:t>az</a:t>
+            </a:r>
+            <a:r>
+              <a:rPr lang="en-US" dirty="0"/>
+              <a:t> </a:t>
+            </a:r>
+            <a:r>
+              <a:rPr lang="en-US" dirty="0" err="1"/>
+              <a:t>aks</a:t>
+            </a:r>
+            <a:r>
+              <a:rPr lang="en-US" dirty="0"/>
+              <a:t> show –n… --query "</a:t>
+            </a:r>
+            <a:r>
+              <a:rPr lang="en-US" dirty="0" err="1"/>
+              <a:t>oidcIssuerProfile.issuerUrl</a:t>
+            </a:r>
+            <a:r>
+              <a:rPr lang="en-US" dirty="0"/>
+              <a:t>"</a:t>
+            </a:r>
+          </a:p>
+          <a:p>
+            <a:endParaRPr lang="en-US" dirty="0"/>
+          </a:p>
+          <a:p>
+            <a:r>
+              <a:rPr lang="en-US" dirty="0" err="1"/>
+              <a:t>Minikube</a:t>
+            </a:r>
+            <a:r>
+              <a:rPr lang="en-US" dirty="0"/>
+              <a:t>? – is it possible?</a:t>
+            </a:r>
+          </a:p>
+          <a:p>
+            <a:r>
+              <a:rPr lang="en-US" dirty="0"/>
+              <a:t>Other, common k8s implementations?</a:t>
+            </a:r>
+          </a:p>
+        </p:txBody>
+      </p:sp>
+    </p:spTree>
+    <p:extLst>
+      <p:ext uri="{BB962C8B-B14F-4D97-AF65-F5344CB8AC3E}">
+        <p14:creationId xmlns:p14="http://schemas.microsoft.com/office/powerpoint/2010/main" val="197514350"/>
+      </p:ext>
+    </p:extLst>
+  </p:cSld>
+  <p:clrMapOvr>
+    <a:masterClrMapping/>
+  </p:clrMapOvr>
+</p:sld>
+</file>
+
 <file path=ppt/slides/slide9.xml><?xml version="1.0" encoding="utf-8"?>
 <p:sld xmlns:a="http://schemas.openxmlformats.org/drawingml/2006/main" xmlns:r="http://schemas.openxmlformats.org/officeDocument/2006/relationships" xmlns:p="http://schemas.openxmlformats.org/presentationml/2006/main">
   <p:cSld>
@@ -7126,7 +7581,7 @@
           <p:cNvPr id="2" name="Title 1">
             <a:extLst>
               <a:ext uri="{FF2B5EF4-FFF2-40B4-BE49-F238E27FC236}">
-                <a16:creationId xmlns:a16="http://schemas.microsoft.com/office/drawing/2014/main" id="{04E15E0D-189C-B3F6-F4E7-BA43F3D5CD50}"/>
+                <a16:creationId xmlns:a16="http://schemas.microsoft.com/office/drawing/2014/main" id="{33886FA7-003C-EC3F-92EF-C7C5AF4C27BE}"/>
               </a:ext>
             </a:extLst>
           </p:cNvPr>
@@ -7144,7 +7599,7 @@
           <a:p>
             <a:r>
               <a:rPr lang="en-US" dirty="0"/>
-              <a:t>Application code</a:t>
+              <a:t>Deployment</a:t>
             </a:r>
           </a:p>
         </p:txBody>
@@ -7154,7 +7609,7 @@
           <p:cNvPr id="4" name="TextBox 3">
             <a:extLst>
               <a:ext uri="{FF2B5EF4-FFF2-40B4-BE49-F238E27FC236}">
-                <a16:creationId xmlns:a16="http://schemas.microsoft.com/office/drawing/2014/main" id="{4A13DAA5-E1E5-F130-C991-FDAC89E90640}"/>
+                <a16:creationId xmlns:a16="http://schemas.microsoft.com/office/drawing/2014/main" id="{01D00F56-A18D-1396-3DF6-C2DFBA937E92}"/>
               </a:ext>
             </a:extLst>
           </p:cNvPr>
@@ -7163,8 +7618,8 @@
         </p:nvSpPr>
         <p:spPr>
           <a:xfrm>
-            <a:off x="838200" y="1414562"/>
-            <a:ext cx="9946954" cy="5447645"/>
+            <a:off x="4236334" y="798653"/>
+            <a:ext cx="4182555" cy="5262979"/>
           </a:xfrm>
           <a:prstGeom prst="rect">
             <a:avLst/>
@@ -7185,247 +7640,34 @@
           <a:lstStyle/>
           <a:p>
             <a:r>
+              <a:rPr lang="en-US" sz="1200" dirty="0" err="1">
+                <a:latin typeface="Courier New" panose="02070309020205020404" pitchFamily="49" charset="0"/>
+                <a:cs typeface="Courier New" panose="02070309020205020404" pitchFamily="49" charset="0"/>
+              </a:rPr>
+              <a:t>apiVersion</a:t>
+            </a:r>
+            <a:r>
               <a:rPr lang="en-US" sz="1200" dirty="0">
                 <a:latin typeface="Courier New" panose="02070309020205020404" pitchFamily="49" charset="0"/>
                 <a:cs typeface="Courier New" panose="02070309020205020404" pitchFamily="49" charset="0"/>
               </a:rPr>
-              <a:t>string k8sToken = </a:t>
+              <a:t>: v1</a:t>
+            </a:r>
+          </a:p>
+          <a:p>
+            <a:r>
+              <a:rPr lang="en-US" sz="1200" dirty="0">
+                <a:latin typeface="Courier New" panose="02070309020205020404" pitchFamily="49" charset="0"/>
+                <a:cs typeface="Courier New" panose="02070309020205020404" pitchFamily="49" charset="0"/>
+              </a:rPr>
+              <a:t>kind: </a:t>
             </a:r>
             <a:r>
               <a:rPr lang="en-US" sz="1200" dirty="0" err="1">
                 <a:latin typeface="Courier New" panose="02070309020205020404" pitchFamily="49" charset="0"/>
                 <a:cs typeface="Courier New" panose="02070309020205020404" pitchFamily="49" charset="0"/>
               </a:rPr>
-              <a:t>String.Empty</a:t>
-            </a:r>
-            <a:r>
-              <a:rPr lang="en-US" sz="1200" dirty="0">
-                <a:latin typeface="Courier New" panose="02070309020205020404" pitchFamily="49" charset="0"/>
-                <a:cs typeface="Courier New" panose="02070309020205020404" pitchFamily="49" charset="0"/>
-              </a:rPr>
-              <a:t>;</a:t>
-            </a:r>
-          </a:p>
-          <a:p>
-            <a:r>
-              <a:rPr lang="en-US" sz="1200" dirty="0">
-                <a:latin typeface="Courier New" panose="02070309020205020404" pitchFamily="49" charset="0"/>
-                <a:cs typeface="Courier New" panose="02070309020205020404" pitchFamily="49" charset="0"/>
-              </a:rPr>
-              <a:t>try</a:t>
-            </a:r>
-          </a:p>
-          <a:p>
-            <a:r>
-              <a:rPr lang="en-US" sz="1200" dirty="0">
-                <a:latin typeface="Courier New" panose="02070309020205020404" pitchFamily="49" charset="0"/>
-                <a:cs typeface="Courier New" panose="02070309020205020404" pitchFamily="49" charset="0"/>
-              </a:rPr>
-              <a:t>{</a:t>
-            </a:r>
-          </a:p>
-          <a:p>
-            <a:r>
-              <a:rPr lang="en-US" sz="1200" dirty="0">
-                <a:latin typeface="Courier New" panose="02070309020205020404" pitchFamily="49" charset="0"/>
-                <a:cs typeface="Courier New" panose="02070309020205020404" pitchFamily="49" charset="0"/>
-              </a:rPr>
-              <a:t>   using (var </a:t>
-            </a:r>
-            <a:r>
-              <a:rPr lang="en-US" sz="1200" dirty="0" err="1">
-                <a:latin typeface="Courier New" panose="02070309020205020404" pitchFamily="49" charset="0"/>
-                <a:cs typeface="Courier New" panose="02070309020205020404" pitchFamily="49" charset="0"/>
-              </a:rPr>
-              <a:t>sr</a:t>
-            </a:r>
-            <a:r>
-              <a:rPr lang="en-US" sz="1200" dirty="0">
-                <a:latin typeface="Courier New" panose="02070309020205020404" pitchFamily="49" charset="0"/>
-                <a:cs typeface="Courier New" panose="02070309020205020404" pitchFamily="49" charset="0"/>
-              </a:rPr>
-              <a:t> = new </a:t>
-            </a:r>
-            <a:r>
-              <a:rPr lang="en-US" sz="1200" dirty="0" err="1">
-                <a:latin typeface="Courier New" panose="02070309020205020404" pitchFamily="49" charset="0"/>
-                <a:cs typeface="Courier New" panose="02070309020205020404" pitchFamily="49" charset="0"/>
-              </a:rPr>
-              <a:t>StreamReader</a:t>
-            </a:r>
-            <a:r>
-              <a:rPr lang="en-US" sz="1200" dirty="0">
-                <a:latin typeface="Courier New" panose="02070309020205020404" pitchFamily="49" charset="0"/>
-                <a:cs typeface="Courier New" panose="02070309020205020404" pitchFamily="49" charset="0"/>
-              </a:rPr>
-              <a:t>("/service-account/token"))</a:t>
-            </a:r>
-          </a:p>
-          <a:p>
-            <a:r>
-              <a:rPr lang="en-US" sz="1200" dirty="0">
-                <a:latin typeface="Courier New" panose="02070309020205020404" pitchFamily="49" charset="0"/>
-                <a:cs typeface="Courier New" panose="02070309020205020404" pitchFamily="49" charset="0"/>
-              </a:rPr>
-              <a:t>   {</a:t>
-            </a:r>
-          </a:p>
-          <a:p>
-            <a:r>
-              <a:rPr lang="en-US" sz="1200" dirty="0">
-                <a:latin typeface="Courier New" panose="02070309020205020404" pitchFamily="49" charset="0"/>
-                <a:cs typeface="Courier New" panose="02070309020205020404" pitchFamily="49" charset="0"/>
-              </a:rPr>
-              <a:t>      k8sToken = await </a:t>
-            </a:r>
-            <a:r>
-              <a:rPr lang="en-US" sz="1200" dirty="0" err="1">
-                <a:latin typeface="Courier New" panose="02070309020205020404" pitchFamily="49" charset="0"/>
-                <a:cs typeface="Courier New" panose="02070309020205020404" pitchFamily="49" charset="0"/>
-              </a:rPr>
-              <a:t>sr.ReadToEndAsync</a:t>
-            </a:r>
-            <a:r>
-              <a:rPr lang="en-US" sz="1200" dirty="0">
-                <a:latin typeface="Courier New" panose="02070309020205020404" pitchFamily="49" charset="0"/>
-                <a:cs typeface="Courier New" panose="02070309020205020404" pitchFamily="49" charset="0"/>
-              </a:rPr>
-              <a:t>();</a:t>
-            </a:r>
-          </a:p>
-          <a:p>
-            <a:r>
-              <a:rPr lang="en-US" sz="1200" dirty="0">
-                <a:latin typeface="Courier New" panose="02070309020205020404" pitchFamily="49" charset="0"/>
-                <a:cs typeface="Courier New" panose="02070309020205020404" pitchFamily="49" charset="0"/>
-              </a:rPr>
-              <a:t>   }</a:t>
-            </a:r>
-          </a:p>
-          <a:p>
-            <a:r>
-              <a:rPr lang="en-US" sz="1200" dirty="0">
-                <a:latin typeface="Courier New" panose="02070309020205020404" pitchFamily="49" charset="0"/>
-                <a:cs typeface="Courier New" panose="02070309020205020404" pitchFamily="49" charset="0"/>
-              </a:rPr>
-              <a:t>} catch(Exception ex)</a:t>
-            </a:r>
-          </a:p>
-          <a:p>
-            <a:r>
-              <a:rPr lang="en-US" sz="1200" dirty="0">
-                <a:latin typeface="Courier New" panose="02070309020205020404" pitchFamily="49" charset="0"/>
-                <a:cs typeface="Courier New" panose="02070309020205020404" pitchFamily="49" charset="0"/>
-              </a:rPr>
-              <a:t>{</a:t>
-            </a:r>
-          </a:p>
-          <a:p>
-            <a:r>
-              <a:rPr lang="en-US" sz="1200" dirty="0">
-                <a:latin typeface="Courier New" panose="02070309020205020404" pitchFamily="49" charset="0"/>
-                <a:cs typeface="Courier New" panose="02070309020205020404" pitchFamily="49" charset="0"/>
-              </a:rPr>
-              <a:t>   _</a:t>
-            </a:r>
-            <a:r>
-              <a:rPr lang="en-US" sz="1200" dirty="0" err="1">
-                <a:latin typeface="Courier New" panose="02070309020205020404" pitchFamily="49" charset="0"/>
-                <a:cs typeface="Courier New" panose="02070309020205020404" pitchFamily="49" charset="0"/>
-              </a:rPr>
-              <a:t>logger.LogError</a:t>
-            </a:r>
-            <a:r>
-              <a:rPr lang="en-US" sz="1200" dirty="0">
-                <a:latin typeface="Courier New" panose="02070309020205020404" pitchFamily="49" charset="0"/>
-                <a:cs typeface="Courier New" panose="02070309020205020404" pitchFamily="49" charset="0"/>
-              </a:rPr>
-              <a:t>(</a:t>
-            </a:r>
-            <a:r>
-              <a:rPr lang="en-US" sz="1200" dirty="0" err="1">
-                <a:latin typeface="Courier New" panose="02070309020205020404" pitchFamily="49" charset="0"/>
-                <a:cs typeface="Courier New" panose="02070309020205020404" pitchFamily="49" charset="0"/>
-              </a:rPr>
-              <a:t>ex.Message</a:t>
-            </a:r>
-            <a:r>
-              <a:rPr lang="en-US" sz="1200" dirty="0">
-                <a:latin typeface="Courier New" panose="02070309020205020404" pitchFamily="49" charset="0"/>
-                <a:cs typeface="Courier New" panose="02070309020205020404" pitchFamily="49" charset="0"/>
-              </a:rPr>
-              <a:t>);</a:t>
-            </a:r>
-          </a:p>
-          <a:p>
-            <a:r>
-              <a:rPr lang="en-US" sz="1200" dirty="0">
-                <a:latin typeface="Courier New" panose="02070309020205020404" pitchFamily="49" charset="0"/>
-                <a:cs typeface="Courier New" panose="02070309020205020404" pitchFamily="49" charset="0"/>
-              </a:rPr>
-              <a:t>}</a:t>
-            </a:r>
-          </a:p>
-          <a:p>
-            <a:r>
-              <a:rPr lang="en-US" sz="1200" dirty="0">
-                <a:latin typeface="Courier New" panose="02070309020205020404" pitchFamily="49" charset="0"/>
-                <a:cs typeface="Courier New" panose="02070309020205020404" pitchFamily="49" charset="0"/>
-              </a:rPr>
-              <a:t>if(!</a:t>
-            </a:r>
-            <a:r>
-              <a:rPr lang="en-US" sz="1200" dirty="0" err="1">
-                <a:latin typeface="Courier New" panose="02070309020205020404" pitchFamily="49" charset="0"/>
-                <a:cs typeface="Courier New" panose="02070309020205020404" pitchFamily="49" charset="0"/>
-              </a:rPr>
-              <a:t>string.IsNullOrEmpty</a:t>
-            </a:r>
-            <a:r>
-              <a:rPr lang="en-US" sz="1200" dirty="0">
-                <a:latin typeface="Courier New" panose="02070309020205020404" pitchFamily="49" charset="0"/>
-                <a:cs typeface="Courier New" panose="02070309020205020404" pitchFamily="49" charset="0"/>
-              </a:rPr>
-              <a:t>(k8sToken))</a:t>
-            </a:r>
-          </a:p>
-          <a:p>
-            <a:r>
-              <a:rPr lang="en-US" sz="1200" dirty="0">
-                <a:latin typeface="Courier New" panose="02070309020205020404" pitchFamily="49" charset="0"/>
-                <a:cs typeface="Courier New" panose="02070309020205020404" pitchFamily="49" charset="0"/>
-              </a:rPr>
-              <a:t>{</a:t>
-            </a:r>
-          </a:p>
-          <a:p>
-            <a:r>
-              <a:rPr lang="en-US" sz="1200" dirty="0">
-                <a:latin typeface="Courier New" panose="02070309020205020404" pitchFamily="49" charset="0"/>
-                <a:cs typeface="Courier New" panose="02070309020205020404" pitchFamily="49" charset="0"/>
-              </a:rPr>
-              <a:t>   var </a:t>
-            </a:r>
-            <a:r>
-              <a:rPr lang="en-US" sz="1200" dirty="0" err="1">
-                <a:latin typeface="Courier New" panose="02070309020205020404" pitchFamily="49" charset="0"/>
-                <a:cs typeface="Courier New" panose="02070309020205020404" pitchFamily="49" charset="0"/>
-              </a:rPr>
-              <a:t>msal</a:t>
-            </a:r>
-            <a:r>
-              <a:rPr lang="en-US" sz="1200" dirty="0">
-                <a:latin typeface="Courier New" panose="02070309020205020404" pitchFamily="49" charset="0"/>
-                <a:cs typeface="Courier New" panose="02070309020205020404" pitchFamily="49" charset="0"/>
-              </a:rPr>
-              <a:t> = </a:t>
-            </a:r>
-            <a:r>
-              <a:rPr lang="en-US" sz="1200" dirty="0" err="1">
-                <a:latin typeface="Courier New" panose="02070309020205020404" pitchFamily="49" charset="0"/>
-                <a:cs typeface="Courier New" panose="02070309020205020404" pitchFamily="49" charset="0"/>
-              </a:rPr>
-              <a:t>ConfidentialClientApplicationBuilder</a:t>
+              <a:t>ServiceAccount</a:t>
             </a:r>
             <a:endParaRPr lang="en-US" sz="1200" dirty="0">
               <a:latin typeface="Courier New" panose="02070309020205020404" pitchFamily="49" charset="0"/>
@@ -7438,21 +7680,41 @@
                 <a:latin typeface="Courier New" panose="02070309020205020404" pitchFamily="49" charset="0"/>
                 <a:cs typeface="Courier New" panose="02070309020205020404" pitchFamily="49" charset="0"/>
               </a:rPr>
-              <a:t>     .Create(_</a:t>
-            </a:r>
+              <a:t>metadata:</a:t>
+            </a:r>
+          </a:p>
+          <a:p>
+            <a:r>
+              <a:rPr lang="en-US" sz="1200" dirty="0">
+                <a:latin typeface="Courier New" panose="02070309020205020404" pitchFamily="49" charset="0"/>
+                <a:cs typeface="Courier New" panose="02070309020205020404" pitchFamily="49" charset="0"/>
+              </a:rPr>
+              <a:t>  name: client.app1</a:t>
+            </a:r>
+          </a:p>
+          <a:p>
+            <a:r>
+              <a:rPr lang="en-US" sz="1200" dirty="0">
+                <a:latin typeface="Courier New" panose="02070309020205020404" pitchFamily="49" charset="0"/>
+                <a:cs typeface="Courier New" panose="02070309020205020404" pitchFamily="49" charset="0"/>
+              </a:rPr>
+              <a:t>---</a:t>
+            </a:r>
+          </a:p>
+          <a:p>
             <a:r>
               <a:rPr lang="en-US" sz="1200" dirty="0" err="1">
                 <a:latin typeface="Courier New" panose="02070309020205020404" pitchFamily="49" charset="0"/>
                 <a:cs typeface="Courier New" panose="02070309020205020404" pitchFamily="49" charset="0"/>
               </a:rPr>
-              <a:t>clientId</a:t>
+              <a:t>apiVersion</a:t>
             </a:r>
             <a:r>
               <a:rPr lang="en-US" sz="1200" dirty="0">
                 <a:latin typeface="Courier New" panose="02070309020205020404" pitchFamily="49" charset="0"/>
                 <a:cs typeface="Courier New" panose="02070309020205020404" pitchFamily="49" charset="0"/>
               </a:rPr>
-              <a:t>)</a:t>
+              <a:t>: apps/v1</a:t>
             </a:r>
           </a:p>
           <a:p>
@@ -7461,35 +7723,116 @@
                 <a:latin typeface="Courier New" panose="02070309020205020404" pitchFamily="49" charset="0"/>
                 <a:cs typeface="Courier New" panose="02070309020205020404" pitchFamily="49" charset="0"/>
               </a:rPr>
-              <a:t>     .</a:t>
+              <a:t>kind: Deployment</a:t>
+            </a:r>
+          </a:p>
+          <a:p>
+            <a:r>
+              <a:rPr lang="en-US" sz="1200" dirty="0">
+                <a:latin typeface="Courier New" panose="02070309020205020404" pitchFamily="49" charset="0"/>
+                <a:cs typeface="Courier New" panose="02070309020205020404" pitchFamily="49" charset="0"/>
+              </a:rPr>
+              <a:t>metadata:</a:t>
+            </a:r>
+          </a:p>
+          <a:p>
+            <a:r>
+              <a:rPr lang="en-US" sz="1200" dirty="0">
+                <a:latin typeface="Courier New" panose="02070309020205020404" pitchFamily="49" charset="0"/>
+                <a:cs typeface="Courier New" panose="02070309020205020404" pitchFamily="49" charset="0"/>
+              </a:rPr>
+              <a:t>  …</a:t>
+            </a:r>
+          </a:p>
+          <a:p>
+            <a:r>
+              <a:rPr lang="en-US" sz="1200" dirty="0">
+                <a:latin typeface="Courier New" panose="02070309020205020404" pitchFamily="49" charset="0"/>
+                <a:cs typeface="Courier New" panose="02070309020205020404" pitchFamily="49" charset="0"/>
+              </a:rPr>
+              <a:t>spec:</a:t>
+            </a:r>
+          </a:p>
+          <a:p>
+            <a:r>
+              <a:rPr lang="en-US" sz="1200" dirty="0">
+                <a:latin typeface="Courier New" panose="02070309020205020404" pitchFamily="49" charset="0"/>
+                <a:cs typeface="Courier New" panose="02070309020205020404" pitchFamily="49" charset="0"/>
+              </a:rPr>
+              <a:t>    …</a:t>
+            </a:r>
+          </a:p>
+          <a:p>
+            <a:r>
+              <a:rPr lang="en-US" sz="1200" dirty="0">
+                <a:latin typeface="Courier New" panose="02070309020205020404" pitchFamily="49" charset="0"/>
+                <a:cs typeface="Courier New" panose="02070309020205020404" pitchFamily="49" charset="0"/>
+              </a:rPr>
+              <a:t>    spec:</a:t>
+            </a:r>
+          </a:p>
+          <a:p>
+            <a:r>
+              <a:rPr lang="en-US" sz="1200" dirty="0">
+                <a:latin typeface="Courier New" panose="02070309020205020404" pitchFamily="49" charset="0"/>
+                <a:cs typeface="Courier New" panose="02070309020205020404" pitchFamily="49" charset="0"/>
+              </a:rPr>
+              <a:t>      containers:</a:t>
+            </a:r>
+          </a:p>
+          <a:p>
+            <a:r>
+              <a:rPr lang="en-US" sz="1200" dirty="0">
+                <a:latin typeface="Courier New" panose="02070309020205020404" pitchFamily="49" charset="0"/>
+                <a:cs typeface="Courier New" panose="02070309020205020404" pitchFamily="49" charset="0"/>
+              </a:rPr>
+              <a:t>        - name: </a:t>
             </a:r>
             <a:r>
               <a:rPr lang="en-US" sz="1200" dirty="0" err="1">
                 <a:latin typeface="Courier New" panose="02070309020205020404" pitchFamily="49" charset="0"/>
                 <a:cs typeface="Courier New" panose="02070309020205020404" pitchFamily="49" charset="0"/>
               </a:rPr>
-              <a:t>WithAuthority</a:t>
+              <a:t>api</a:t>
             </a:r>
             <a:r>
               <a:rPr lang="en-US" sz="1200" dirty="0">
                 <a:latin typeface="Courier New" panose="02070309020205020404" pitchFamily="49" charset="0"/>
                 <a:cs typeface="Courier New" panose="02070309020205020404" pitchFamily="49" charset="0"/>
               </a:rPr>
-              <a:t>($"https://login.microsoftonline.com/{_</a:t>
+              <a:t>-client</a:t>
+            </a:r>
+          </a:p>
+          <a:p>
+            <a:r>
+              <a:rPr lang="en-US" sz="1200" dirty="0">
+                <a:latin typeface="Courier New" panose="02070309020205020404" pitchFamily="49" charset="0"/>
+                <a:cs typeface="Courier New" panose="02070309020205020404" pitchFamily="49" charset="0"/>
+              </a:rPr>
+              <a:t> …</a:t>
+            </a:r>
+          </a:p>
+          <a:p>
+            <a:r>
+              <a:rPr lang="en-US" sz="1200" dirty="0">
+                <a:latin typeface="Courier New" panose="02070309020205020404" pitchFamily="49" charset="0"/>
+                <a:cs typeface="Courier New" panose="02070309020205020404" pitchFamily="49" charset="0"/>
+              </a:rPr>
+              <a:t> </a:t>
             </a:r>
             <a:r>
               <a:rPr lang="en-US" sz="1200" dirty="0" err="1">
                 <a:latin typeface="Courier New" panose="02070309020205020404" pitchFamily="49" charset="0"/>
                 <a:cs typeface="Courier New" panose="02070309020205020404" pitchFamily="49" charset="0"/>
               </a:rPr>
-              <a:t>tenantId</a:t>
+              <a:t>volumeMounts</a:t>
             </a:r>
             <a:r>
               <a:rPr lang="en-US" sz="1200" dirty="0">
                 <a:latin typeface="Courier New" panose="02070309020205020404" pitchFamily="49" charset="0"/>
                 <a:cs typeface="Courier New" panose="02070309020205020404" pitchFamily="49" charset="0"/>
               </a:rPr>
-              <a:t>}/")</a:t>
+              <a:t>:</a:t>
             </a:r>
           </a:p>
           <a:p>
@@ -7498,21 +7841,30 @@
                 <a:latin typeface="Courier New" panose="02070309020205020404" pitchFamily="49" charset="0"/>
                 <a:cs typeface="Courier New" panose="02070309020205020404" pitchFamily="49" charset="0"/>
               </a:rPr>
-              <a:t>     .</a:t>
+              <a:t> - name: token-vol</a:t>
+            </a:r>
+          </a:p>
+          <a:p>
+            <a:r>
+              <a:rPr lang="en-US" sz="1200" dirty="0">
+                <a:latin typeface="Courier New" panose="02070309020205020404" pitchFamily="49" charset="0"/>
+                <a:cs typeface="Courier New" panose="02070309020205020404" pitchFamily="49" charset="0"/>
+              </a:rPr>
+              <a:t>   </a:t>
             </a:r>
             <a:r>
               <a:rPr lang="en-US" sz="1200" dirty="0" err="1">
                 <a:latin typeface="Courier New" panose="02070309020205020404" pitchFamily="49" charset="0"/>
                 <a:cs typeface="Courier New" panose="02070309020205020404" pitchFamily="49" charset="0"/>
               </a:rPr>
-              <a:t>WithClientAssertion</a:t>
+              <a:t>mountPath</a:t>
             </a:r>
             <a:r>
               <a:rPr lang="en-US" sz="1200" dirty="0">
                 <a:latin typeface="Courier New" panose="02070309020205020404" pitchFamily="49" charset="0"/>
                 <a:cs typeface="Courier New" panose="02070309020205020404" pitchFamily="49" charset="0"/>
               </a:rPr>
-              <a:t>(k8sToken)</a:t>
+              <a:t>: "/service-account"</a:t>
             </a:r>
           </a:p>
           <a:p>
@@ -7521,16 +7873,21 @@
                 <a:latin typeface="Courier New" panose="02070309020205020404" pitchFamily="49" charset="0"/>
                 <a:cs typeface="Courier New" panose="02070309020205020404" pitchFamily="49" charset="0"/>
               </a:rPr>
-              <a:t>     .Build();</a:t>
-            </a:r>
-          </a:p>
-          <a:p>
+              <a:t>   </a:t>
+            </a:r>
+            <a:r>
+              <a:rPr lang="en-US" sz="1200" dirty="0" err="1">
+                <a:latin typeface="Courier New" panose="02070309020205020404" pitchFamily="49" charset="0"/>
+                <a:cs typeface="Courier New" panose="02070309020205020404" pitchFamily="49" charset="0"/>
+              </a:rPr>
+              <a:t>readOnly</a:t>
+            </a:r>
             <a:r>
               <a:rPr lang="en-US" sz="1200" dirty="0">
                 <a:latin typeface="Courier New" panose="02070309020205020404" pitchFamily="49" charset="0"/>
                 <a:cs typeface="Courier New" panose="02070309020205020404" pitchFamily="49" charset="0"/>
               </a:rPr>
-              <a:t>   try</a:t>
+              <a:t>: true</a:t>
             </a:r>
           </a:p>
           <a:p>
@@ -7539,67 +7896,140 @@
                 <a:latin typeface="Courier New" panose="02070309020205020404" pitchFamily="49" charset="0"/>
                 <a:cs typeface="Courier New" panose="02070309020205020404" pitchFamily="49" charset="0"/>
               </a:rPr>
-              <a:t>   {</a:t>
-            </a:r>
-          </a:p>
-          <a:p>
+              <a:t>      </a:t>
+            </a:r>
+            <a:r>
+              <a:rPr lang="en-US" sz="1200" dirty="0" err="1">
+                <a:latin typeface="Courier New" panose="02070309020205020404" pitchFamily="49" charset="0"/>
+                <a:cs typeface="Courier New" panose="02070309020205020404" pitchFamily="49" charset="0"/>
+              </a:rPr>
+              <a:t>serviceAccountName</a:t>
+            </a:r>
             <a:r>
               <a:rPr lang="en-US" sz="1200" dirty="0">
                 <a:latin typeface="Courier New" panose="02070309020205020404" pitchFamily="49" charset="0"/>
                 <a:cs typeface="Courier New" panose="02070309020205020404" pitchFamily="49" charset="0"/>
               </a:rPr>
-              <a:t>      var tokens = await </a:t>
+              <a:t>: client.app1</a:t>
+            </a:r>
+          </a:p>
+          <a:p>
+            <a:r>
+              <a:rPr lang="en-US" sz="1200" dirty="0">
+                <a:latin typeface="Courier New" panose="02070309020205020404" pitchFamily="49" charset="0"/>
+                <a:cs typeface="Courier New" panose="02070309020205020404" pitchFamily="49" charset="0"/>
+              </a:rPr>
+              <a:t>      volumes:</a:t>
+            </a:r>
+          </a:p>
+          <a:p>
+            <a:r>
+              <a:rPr lang="en-US" sz="1200" dirty="0">
+                <a:latin typeface="Courier New" panose="02070309020205020404" pitchFamily="49" charset="0"/>
+                <a:cs typeface="Courier New" panose="02070309020205020404" pitchFamily="49" charset="0"/>
+              </a:rPr>
+              <a:t>      - name: token-vol</a:t>
+            </a:r>
+          </a:p>
+          <a:p>
+            <a:r>
+              <a:rPr lang="en-US" sz="1200" dirty="0">
+                <a:latin typeface="Courier New" panose="02070309020205020404" pitchFamily="49" charset="0"/>
+                <a:cs typeface="Courier New" panose="02070309020205020404" pitchFamily="49" charset="0"/>
+              </a:rPr>
+              <a:t>        projected:</a:t>
+            </a:r>
+          </a:p>
+          <a:p>
+            <a:r>
+              <a:rPr lang="en-US" sz="1200" dirty="0">
+                <a:latin typeface="Courier New" panose="02070309020205020404" pitchFamily="49" charset="0"/>
+                <a:cs typeface="Courier New" panose="02070309020205020404" pitchFamily="49" charset="0"/>
+              </a:rPr>
+              <a:t> sources:</a:t>
+            </a:r>
+          </a:p>
+          <a:p>
+            <a:r>
+              <a:rPr lang="en-US" sz="1200" dirty="0">
+                <a:latin typeface="Courier New" panose="02070309020205020404" pitchFamily="49" charset="0"/>
+                <a:cs typeface="Courier New" panose="02070309020205020404" pitchFamily="49" charset="0"/>
+              </a:rPr>
+              <a:t> - </a:t>
             </a:r>
             <a:r>
               <a:rPr lang="en-US" sz="1200" dirty="0" err="1">
                 <a:latin typeface="Courier New" panose="02070309020205020404" pitchFamily="49" charset="0"/>
                 <a:cs typeface="Courier New" panose="02070309020205020404" pitchFamily="49" charset="0"/>
               </a:rPr>
-              <a:t>msal.AcquireTokenForClient</a:t>
+              <a:t>serviceAccountToken</a:t>
             </a:r>
             <a:r>
               <a:rPr lang="en-US" sz="1200" dirty="0">
                 <a:latin typeface="Courier New" panose="02070309020205020404" pitchFamily="49" charset="0"/>
                 <a:cs typeface="Courier New" panose="02070309020205020404" pitchFamily="49" charset="0"/>
               </a:rPr>
-              <a:t>(new string[] { api://xyz/.default" }).</a:t>
+              <a:t>:</a:t>
+            </a:r>
+          </a:p>
+          <a:p>
+            <a:r>
+              <a:rPr lang="en-US" sz="1200" dirty="0">
+                <a:latin typeface="Courier New" panose="02070309020205020404" pitchFamily="49" charset="0"/>
+                <a:cs typeface="Courier New" panose="02070309020205020404" pitchFamily="49" charset="0"/>
+              </a:rPr>
+              <a:t>     audience: "</a:t>
             </a:r>
             <a:r>
               <a:rPr lang="en-US" sz="1200" dirty="0" err="1">
                 <a:latin typeface="Courier New" panose="02070309020205020404" pitchFamily="49" charset="0"/>
                 <a:cs typeface="Courier New" panose="02070309020205020404" pitchFamily="49" charset="0"/>
               </a:rPr>
-              <a:t>ExecuteAsync</a:t>
+              <a:t>api</a:t>
             </a:r>
             <a:r>
               <a:rPr lang="en-US" sz="1200" dirty="0">
                 <a:latin typeface="Courier New" panose="02070309020205020404" pitchFamily="49" charset="0"/>
                 <a:cs typeface="Courier New" panose="02070309020205020404" pitchFamily="49" charset="0"/>
               </a:rPr>
-              <a:t>();</a:t>
-            </a:r>
-          </a:p>
-          <a:p>
+              <a:t>://</a:t>
+            </a:r>
+            <a:r>
+              <a:rPr lang="en-US" sz="1200" dirty="0" err="1">
+                <a:latin typeface="Courier New" panose="02070309020205020404" pitchFamily="49" charset="0"/>
+                <a:cs typeface="Courier New" panose="02070309020205020404" pitchFamily="49" charset="0"/>
+              </a:rPr>
+              <a:t>AzureADTokenExchange</a:t>
+            </a:r>
             <a:r>
               <a:rPr lang="en-US" sz="1200" dirty="0">
                 <a:latin typeface="Courier New" panose="02070309020205020404" pitchFamily="49" charset="0"/>
                 <a:cs typeface="Courier New" panose="02070309020205020404" pitchFamily="49" charset="0"/>
               </a:rPr>
-              <a:t>      // Call your API with </a:t>
+              <a:t>"</a:t>
+            </a:r>
+          </a:p>
+          <a:p>
+            <a:r>
+              <a:rPr lang="en-US" sz="1200" dirty="0">
+                <a:latin typeface="Courier New" panose="02070309020205020404" pitchFamily="49" charset="0"/>
+                <a:cs typeface="Courier New" panose="02070309020205020404" pitchFamily="49" charset="0"/>
+              </a:rPr>
+              <a:t>     </a:t>
             </a:r>
             <a:r>
               <a:rPr lang="en-US" sz="1200" dirty="0" err="1">
                 <a:latin typeface="Courier New" panose="02070309020205020404" pitchFamily="49" charset="0"/>
                 <a:cs typeface="Courier New" panose="02070309020205020404" pitchFamily="49" charset="0"/>
               </a:rPr>
-              <a:t>tokens.AccessToken</a:t>
+              <a:t>expirationSeconds</a:t>
             </a:r>
             <a:r>
               <a:rPr lang="en-US" sz="1200" dirty="0">
                 <a:latin typeface="Courier New" panose="02070309020205020404" pitchFamily="49" charset="0"/>
                 <a:cs typeface="Courier New" panose="02070309020205020404" pitchFamily="49" charset="0"/>
               </a:rPr>
-              <a:t> in Authorization header</a:t>
+              <a:t>: 3600</a:t>
             </a:r>
           </a:p>
           <a:p>
@@ -7608,94 +8038,219 @@
                 <a:latin typeface="Courier New" panose="02070309020205020404" pitchFamily="49" charset="0"/>
                 <a:cs typeface="Courier New" panose="02070309020205020404" pitchFamily="49" charset="0"/>
               </a:rPr>
-              <a:t>   }</a:t>
-            </a:r>
-          </a:p>
-          <a:p>
-            <a:r>
-              <a:rPr lang="en-US" sz="1200" dirty="0">
-                <a:latin typeface="Courier New" panose="02070309020205020404" pitchFamily="49" charset="0"/>
-                <a:cs typeface="Courier New" panose="02070309020205020404" pitchFamily="49" charset="0"/>
-              </a:rPr>
-              <a:t>   catch (</a:t>
-            </a:r>
-            <a:r>
-              <a:rPr lang="en-US" sz="1200" dirty="0" err="1">
-                <a:latin typeface="Courier New" panose="02070309020205020404" pitchFamily="49" charset="0"/>
-                <a:cs typeface="Courier New" panose="02070309020205020404" pitchFamily="49" charset="0"/>
-              </a:rPr>
-              <a:t>MsalServiceException</a:t>
-            </a:r>
-            <a:r>
-              <a:rPr lang="en-US" sz="1200" dirty="0">
-                <a:latin typeface="Courier New" panose="02070309020205020404" pitchFamily="49" charset="0"/>
-                <a:cs typeface="Courier New" panose="02070309020205020404" pitchFamily="49" charset="0"/>
-              </a:rPr>
-              <a:t> ex)</a:t>
-            </a:r>
-          </a:p>
-          <a:p>
-            <a:r>
-              <a:rPr lang="en-US" sz="1200" dirty="0">
-                <a:latin typeface="Courier New" panose="02070309020205020404" pitchFamily="49" charset="0"/>
-                <a:cs typeface="Courier New" panose="02070309020205020404" pitchFamily="49" charset="0"/>
-              </a:rPr>
-              <a:t>   {</a:t>
-            </a:r>
-          </a:p>
-          <a:p>
-            <a:r>
-              <a:rPr lang="en-US" sz="1200" dirty="0">
-                <a:latin typeface="Courier New" panose="02070309020205020404" pitchFamily="49" charset="0"/>
-                <a:cs typeface="Courier New" panose="02070309020205020404" pitchFamily="49" charset="0"/>
-              </a:rPr>
-              <a:t>      _</a:t>
-            </a:r>
-            <a:r>
-              <a:rPr lang="en-US" sz="1200" dirty="0" err="1">
-                <a:latin typeface="Courier New" panose="02070309020205020404" pitchFamily="49" charset="0"/>
-                <a:cs typeface="Courier New" panose="02070309020205020404" pitchFamily="49" charset="0"/>
-              </a:rPr>
-              <a:t>logger.LogError</a:t>
-            </a:r>
-            <a:r>
-              <a:rPr lang="en-US" sz="1200" dirty="0">
-                <a:latin typeface="Courier New" panose="02070309020205020404" pitchFamily="49" charset="0"/>
-                <a:cs typeface="Courier New" panose="02070309020205020404" pitchFamily="49" charset="0"/>
-              </a:rPr>
-              <a:t>(</a:t>
-            </a:r>
-            <a:r>
-              <a:rPr lang="en-US" sz="1200" dirty="0" err="1">
-                <a:latin typeface="Courier New" panose="02070309020205020404" pitchFamily="49" charset="0"/>
-                <a:cs typeface="Courier New" panose="02070309020205020404" pitchFamily="49" charset="0"/>
-              </a:rPr>
-              <a:t>ex.Message</a:t>
-            </a:r>
-            <a:r>
-              <a:rPr lang="en-US" sz="1200" dirty="0">
-                <a:latin typeface="Courier New" panose="02070309020205020404" pitchFamily="49" charset="0"/>
-                <a:cs typeface="Courier New" panose="02070309020205020404" pitchFamily="49" charset="0"/>
-              </a:rPr>
-              <a:t>);</a:t>
-            </a:r>
-          </a:p>
-          <a:p>
-            <a:r>
-              <a:rPr lang="en-US" sz="1200" dirty="0">
-                <a:latin typeface="Courier New" panose="02070309020205020404" pitchFamily="49" charset="0"/>
-                <a:cs typeface="Courier New" panose="02070309020205020404" pitchFamily="49" charset="0"/>
-              </a:rPr>
-              <a:t>   }</a:t>
-            </a:r>
-          </a:p>
-          <a:p>
-            <a:r>
-              <a:rPr lang="en-US" sz="1200" dirty="0">
-                <a:latin typeface="Courier New" panose="02070309020205020404" pitchFamily="49" charset="0"/>
-                <a:cs typeface="Courier New" panose="02070309020205020404" pitchFamily="49" charset="0"/>
-              </a:rPr>
-              <a:t>}</a:t>
+              <a:t>     path: token</a:t>
+            </a:r>
+          </a:p>
+        </p:txBody>
+      </p:sp>
+      <p:sp>
+        <p:nvSpPr>
+          <p:cNvPr id="5" name="Speech Bubble: Rectangle with Corners Rounded 4">
+            <a:extLst>
+              <a:ext uri="{FF2B5EF4-FFF2-40B4-BE49-F238E27FC236}">
+                <a16:creationId xmlns:a16="http://schemas.microsoft.com/office/drawing/2014/main" id="{E2D6614D-DF0E-1B0A-2C55-29F2773F69EE}"/>
+              </a:ext>
+            </a:extLst>
+          </p:cNvPr>
+          <p:cNvSpPr/>
+          <p:nvPr/>
+        </p:nvSpPr>
+        <p:spPr>
+          <a:xfrm>
+            <a:off x="986664" y="1690688"/>
+            <a:ext cx="1713053" cy="1209556"/>
+          </a:xfrm>
+          <a:prstGeom prst="wedgeRoundRectCallout">
+            <a:avLst>
+              <a:gd name="adj1" fmla="val 174438"/>
+              <a:gd name="adj2" fmla="val 167763"/>
+              <a:gd name="adj3" fmla="val 16667"/>
+            </a:avLst>
+          </a:prstGeom>
+        </p:spPr>
+        <p:style>
+          <a:lnRef idx="2">
+            <a:schemeClr val="accent1">
+              <a:shade val="50000"/>
+            </a:schemeClr>
+          </a:lnRef>
+          <a:fillRef idx="1">
+            <a:schemeClr val="accent1"/>
+          </a:fillRef>
+          <a:effectRef idx="0">
+            <a:schemeClr val="accent1"/>
+          </a:effectRef>
+          <a:fontRef idx="minor">
+            <a:schemeClr val="lt1"/>
+          </a:fontRef>
+        </p:style>
+        <p:txBody>
+          <a:bodyPr rtlCol="0" anchor="ctr"/>
+          <a:lstStyle/>
+          <a:p>
+            <a:pPr algn="ctr"/>
+            <a:r>
+              <a:rPr lang="en-US" dirty="0"/>
+              <a:t>Associate a service account to pod</a:t>
+            </a:r>
+          </a:p>
+        </p:txBody>
+      </p:sp>
+      <p:sp>
+        <p:nvSpPr>
+          <p:cNvPr id="6" name="Speech Bubble: Rectangle with Corners Rounded 5">
+            <a:extLst>
+              <a:ext uri="{FF2B5EF4-FFF2-40B4-BE49-F238E27FC236}">
+                <a16:creationId xmlns:a16="http://schemas.microsoft.com/office/drawing/2014/main" id="{ABAF99F8-47FC-2DB5-921E-838E463A510A}"/>
+              </a:ext>
+            </a:extLst>
+          </p:cNvPr>
+          <p:cNvSpPr/>
+          <p:nvPr/>
+        </p:nvSpPr>
+        <p:spPr>
+          <a:xfrm>
+            <a:off x="9640747" y="1942437"/>
+            <a:ext cx="1713053" cy="1209556"/>
+          </a:xfrm>
+          <a:prstGeom prst="wedgeRoundRectCallout">
+            <a:avLst>
+              <a:gd name="adj1" fmla="val -238400"/>
+              <a:gd name="adj2" fmla="val 93122"/>
+              <a:gd name="adj3" fmla="val 16667"/>
+            </a:avLst>
+          </a:prstGeom>
+        </p:spPr>
+        <p:style>
+          <a:lnRef idx="2">
+            <a:schemeClr val="accent1">
+              <a:shade val="50000"/>
+            </a:schemeClr>
+          </a:lnRef>
+          <a:fillRef idx="1">
+            <a:schemeClr val="accent1"/>
+          </a:fillRef>
+          <a:effectRef idx="0">
+            <a:schemeClr val="accent1"/>
+          </a:effectRef>
+          <a:fontRef idx="minor">
+            <a:schemeClr val="lt1"/>
+          </a:fontRef>
+        </p:style>
+        <p:txBody>
+          <a:bodyPr rtlCol="0" anchor="ctr"/>
+          <a:lstStyle/>
+          <a:p>
+            <a:pPr algn="ctr"/>
+            <a:r>
+              <a:rPr lang="en-US" dirty="0"/>
+              <a:t>Provide token to app code</a:t>
+            </a:r>
+          </a:p>
+        </p:txBody>
+      </p:sp>
+      <p:sp>
+        <p:nvSpPr>
+          <p:cNvPr id="7" name="Speech Bubble: Rectangle with Corners Rounded 6">
+            <a:extLst>
+              <a:ext uri="{FF2B5EF4-FFF2-40B4-BE49-F238E27FC236}">
+                <a16:creationId xmlns:a16="http://schemas.microsoft.com/office/drawing/2014/main" id="{8188C2D2-14D4-CCC6-2436-B1E279B02061}"/>
+              </a:ext>
+            </a:extLst>
+          </p:cNvPr>
+          <p:cNvSpPr/>
+          <p:nvPr/>
+        </p:nvSpPr>
+        <p:spPr>
+          <a:xfrm>
+            <a:off x="9756494" y="4130052"/>
+            <a:ext cx="1713053" cy="1209556"/>
+          </a:xfrm>
+          <a:prstGeom prst="wedgeRoundRectCallout">
+            <a:avLst>
+              <a:gd name="adj1" fmla="val -193130"/>
+              <a:gd name="adj2" fmla="val 49102"/>
+              <a:gd name="adj3" fmla="val 16667"/>
+            </a:avLst>
+          </a:prstGeom>
+        </p:spPr>
+        <p:style>
+          <a:lnRef idx="2">
+            <a:schemeClr val="accent1">
+              <a:shade val="50000"/>
+            </a:schemeClr>
+          </a:lnRef>
+          <a:fillRef idx="1">
+            <a:schemeClr val="accent1"/>
+          </a:fillRef>
+          <a:effectRef idx="0">
+            <a:schemeClr val="accent1"/>
+          </a:effectRef>
+          <a:fontRef idx="minor">
+            <a:schemeClr val="lt1"/>
+          </a:fontRef>
+        </p:style>
+        <p:txBody>
+          <a:bodyPr rtlCol="0" anchor="ctr"/>
+          <a:lstStyle/>
+          <a:p>
+            <a:pPr algn="ctr"/>
+            <a:r>
+              <a:rPr lang="en-US" dirty="0"/>
+              <a:t>Configure token</a:t>
+            </a:r>
+          </a:p>
+        </p:txBody>
+      </p:sp>
+      <p:sp>
+        <p:nvSpPr>
+          <p:cNvPr id="8" name="Speech Bubble: Rectangle with Corners Rounded 7">
+            <a:extLst>
+              <a:ext uri="{FF2B5EF4-FFF2-40B4-BE49-F238E27FC236}">
+                <a16:creationId xmlns:a16="http://schemas.microsoft.com/office/drawing/2014/main" id="{242EDFD2-DB77-8490-0C17-D87938770EC5}"/>
+              </a:ext>
+            </a:extLst>
+          </p:cNvPr>
+          <p:cNvSpPr/>
+          <p:nvPr/>
+        </p:nvSpPr>
+        <p:spPr>
+          <a:xfrm>
+            <a:off x="986664" y="1690688"/>
+            <a:ext cx="1713053" cy="1209556"/>
+          </a:xfrm>
+          <a:prstGeom prst="wedgeRoundRectCallout">
+            <a:avLst>
+              <a:gd name="adj1" fmla="val 150789"/>
+              <a:gd name="adj2" fmla="val -88696"/>
+              <a:gd name="adj3" fmla="val 16667"/>
+            </a:avLst>
+          </a:prstGeom>
+        </p:spPr>
+        <p:style>
+          <a:lnRef idx="2">
+            <a:schemeClr val="accent1">
+              <a:shade val="50000"/>
+            </a:schemeClr>
+          </a:lnRef>
+          <a:fillRef idx="1">
+            <a:schemeClr val="accent1"/>
+          </a:fillRef>
+          <a:effectRef idx="0">
+            <a:schemeClr val="accent1"/>
+          </a:effectRef>
+          <a:fontRef idx="minor">
+            <a:schemeClr val="lt1"/>
+          </a:fontRef>
+        </p:style>
+        <p:txBody>
+          <a:bodyPr rtlCol="0" anchor="ctr"/>
+          <a:lstStyle/>
+          <a:p>
+            <a:pPr algn="ctr"/>
+            <a:r>
+              <a:rPr lang="en-US" dirty="0"/>
+              <a:t>Associate a service account to pod</a:t>
             </a:r>
           </a:p>
         </p:txBody>
@@ -7703,7 +8258,7 @@
     </p:spTree>
     <p:extLst>
       <p:ext uri="{BB962C8B-B14F-4D97-AF65-F5344CB8AC3E}">
-        <p14:creationId xmlns:p14="http://schemas.microsoft.com/office/powerpoint/2010/main" val="2135755873"/>
+        <p14:creationId xmlns:p14="http://schemas.microsoft.com/office/powerpoint/2010/main" val="3327896021"/>
       </p:ext>
     </p:extLst>
   </p:cSld>
